--- a/팀 그릴그린 중간발표(사업계획서).pptx
+++ b/팀 그릴그린 중간발표(사업계획서).pptx
@@ -5,10 +5,10 @@
     <p:sldMasterId id="2147483648" r:id="rId1"/>
   </p:sldMasterIdLst>
   <p:notesMasterIdLst>
-    <p:notesMasterId r:id="rId41"/>
+    <p:notesMasterId r:id="rId43"/>
   </p:notesMasterIdLst>
   <p:handoutMasterIdLst>
-    <p:handoutMasterId r:id="rId42"/>
+    <p:handoutMasterId r:id="rId44"/>
   </p:handoutMasterIdLst>
   <p:sldIdLst>
     <p:sldId id="256" r:id="rId2"/>
@@ -19,8 +19,8 @@
     <p:sldId id="259" r:id="rId7"/>
     <p:sldId id="297" r:id="rId8"/>
     <p:sldId id="290" r:id="rId9"/>
-    <p:sldId id="295" r:id="rId10"/>
-    <p:sldId id="276" r:id="rId11"/>
+    <p:sldId id="276" r:id="rId10"/>
+    <p:sldId id="295" r:id="rId11"/>
     <p:sldId id="296" r:id="rId12"/>
     <p:sldId id="301" r:id="rId13"/>
     <p:sldId id="302" r:id="rId14"/>
@@ -43,13 +43,15 @@
     <p:sldId id="319" r:id="rId31"/>
     <p:sldId id="322" r:id="rId32"/>
     <p:sldId id="321" r:id="rId33"/>
-    <p:sldId id="294" r:id="rId34"/>
-    <p:sldId id="323" r:id="rId35"/>
-    <p:sldId id="325" r:id="rId36"/>
-    <p:sldId id="326" r:id="rId37"/>
-    <p:sldId id="324" r:id="rId38"/>
-    <p:sldId id="328" r:id="rId39"/>
-    <p:sldId id="260" r:id="rId40"/>
+    <p:sldId id="329" r:id="rId34"/>
+    <p:sldId id="294" r:id="rId35"/>
+    <p:sldId id="323" r:id="rId36"/>
+    <p:sldId id="325" r:id="rId37"/>
+    <p:sldId id="326" r:id="rId38"/>
+    <p:sldId id="324" r:id="rId39"/>
+    <p:sldId id="330" r:id="rId40"/>
+    <p:sldId id="328" r:id="rId41"/>
+    <p:sldId id="260" r:id="rId42"/>
   </p:sldIdLst>
   <p:sldSz cx="9144000" cy="6858000" type="screen4x3"/>
   <p:notesSz cx="6858000" cy="9144000"/>
@@ -161,8 +163,8 @@
             <p14:sldId id="259"/>
             <p14:sldId id="297"/>
             <p14:sldId id="290"/>
+            <p14:sldId id="276"/>
             <p14:sldId id="295"/>
-            <p14:sldId id="276"/>
             <p14:sldId id="296"/>
             <p14:sldId id="301"/>
             <p14:sldId id="302"/>
@@ -185,11 +187,13 @@
             <p14:sldId id="319"/>
             <p14:sldId id="322"/>
             <p14:sldId id="321"/>
+            <p14:sldId id="329"/>
             <p14:sldId id="294"/>
             <p14:sldId id="323"/>
             <p14:sldId id="325"/>
             <p14:sldId id="326"/>
             <p14:sldId id="324"/>
+            <p14:sldId id="330"/>
             <p14:sldId id="328"/>
             <p14:sldId id="260"/>
           </p14:sldIdLst>
@@ -311,7 +315,7 @@
             <a:fld id="{5E6ECE1B-7726-44AB-B68E-C11CE166C321}" type="datetimeFigureOut">
               <a:rPr lang="ko-KR" altLang="en-US" smtClean="0"/>
               <a:pPr/>
-              <a:t>2021-10-16</a:t>
+              <a:t>2021-10-17</a:t>
             </a:fld>
             <a:endParaRPr lang="ko-KR" altLang="en-US" dirty="0"/>
           </a:p>
@@ -478,7 +482,7 @@
             <a:fld id="{6F2E0B50-12A7-4706-9B6D-E5E8A50018B8}" type="datetimeFigureOut">
               <a:rPr lang="ko-KR" altLang="en-US" smtClean="0"/>
               <a:pPr/>
-              <a:t>2021-10-16</a:t>
+              <a:t>2021-10-17</a:t>
             </a:fld>
             <a:endParaRPr lang="ko-KR" altLang="en-US" dirty="0"/>
           </a:p>
@@ -1385,7 +1389,7 @@
             <a:fld id="{67066DB7-65CD-4CC6-B354-EFC016D177D4}" type="slidenum">
               <a:rPr lang="ko-KR" altLang="en-US" smtClean="0"/>
               <a:pPr/>
-              <a:t>10</a:t>
+              <a:t>9</a:t>
             </a:fld>
             <a:endParaRPr lang="ko-KR" altLang="en-US" dirty="0"/>
           </a:p>
@@ -2867,7 +2871,7 @@
             <a:fld id="{4D8001D7-0EF8-42A4-B6F4-C2BD2ECC42D7}" type="datetimeFigureOut">
               <a:rPr lang="ko-KR" altLang="en-US" smtClean="0"/>
               <a:pPr/>
-              <a:t>2021-10-16</a:t>
+              <a:t>2021-10-17</a:t>
             </a:fld>
             <a:endParaRPr lang="ko-KR" altLang="en-US" dirty="0"/>
           </a:p>
@@ -3465,15 +3469,67 @@
       </p:grpSpPr>
       <p:sp>
         <p:nvSpPr>
-          <p:cNvPr id="244738" name="Rectangle 303"/>
+          <p:cNvPr id="6" name="제목 5"/>
           <p:cNvSpPr>
-            <a:spLocks noGrp="1" noChangeArrowheads="1"/>
+            <a:spLocks noGrp="1"/>
           </p:cNvSpPr>
           <p:nvPr>
             <p:ph type="title"/>
           </p:nvPr>
         </p:nvSpPr>
-        <p:spPr/>
+        <p:spPr>
+          <a:xfrm>
+            <a:off x="1056812" y="2786058"/>
+            <a:ext cx="6336704" cy="720080"/>
+          </a:xfrm>
+          <a:ln w="9525">
+            <a:noFill/>
+          </a:ln>
+        </p:spPr>
+        <p:txBody>
+          <a:bodyPr vert="horz" lIns="91440" tIns="45720" rIns="91440" bIns="45720" rtlCol="0" anchor="ctr">
+            <a:normAutofit/>
+          </a:bodyPr>
+          <a:lstStyle/>
+          <a:p>
+            <a:pPr>
+              <a:lnSpc>
+                <a:spcPct val="80000"/>
+              </a:lnSpc>
+            </a:pPr>
+            <a:r>
+              <a:rPr lang="en-US" altLang="ko-KR" dirty="0">
+                <a:latin typeface="나눔고딕 ExtraBold" panose="020D0904000000000000" pitchFamily="50" charset="-127"/>
+                <a:ea typeface="나눔고딕 ExtraBold" panose="020D0904000000000000" pitchFamily="50" charset="-127"/>
+              </a:rPr>
+              <a:t>03.</a:t>
+            </a:r>
+            <a:r>
+              <a:rPr lang="ko-KR" altLang="en-US" dirty="0">
+                <a:latin typeface="나눔고딕 ExtraBold" panose="020D0904000000000000" pitchFamily="50" charset="-127"/>
+                <a:ea typeface="나눔고딕 ExtraBold" panose="020D0904000000000000" pitchFamily="50" charset="-127"/>
+              </a:rPr>
+              <a:t>산출물 공개</a:t>
+            </a:r>
+          </a:p>
+        </p:txBody>
+      </p:sp>
+      <p:sp>
+        <p:nvSpPr>
+          <p:cNvPr id="5" name="부제목 6"/>
+          <p:cNvSpPr>
+            <a:spLocks noGrp="1"/>
+          </p:cNvSpPr>
+          <p:nvPr>
+            <p:ph type="subTitle" idx="1"/>
+          </p:nvPr>
+        </p:nvSpPr>
+        <p:spPr>
+          <a:xfrm>
+            <a:off x="1020808" y="3381172"/>
+            <a:ext cx="6408712" cy="2136060"/>
+          </a:xfrm>
+        </p:spPr>
         <p:txBody>
           <a:bodyPr>
             <a:normAutofit/>
@@ -3481,1486 +3537,205 @@
           <a:lstStyle/>
           <a:p>
             <a:r>
-              <a:rPr lang="ko-KR" altLang="en-US" dirty="0"/>
-              <a:t>개발방법론 </a:t>
-            </a:r>
-            <a:r>
-              <a:rPr lang="en-US" altLang="ko-KR" dirty="0"/>
-              <a:t>- RAD</a:t>
-            </a:r>
-          </a:p>
-        </p:txBody>
-      </p:sp>
-      <p:grpSp>
-        <p:nvGrpSpPr>
-          <p:cNvPr id="2" name="그룹 72"/>
-          <p:cNvGrpSpPr/>
-          <p:nvPr/>
-        </p:nvGrpSpPr>
-        <p:grpSpPr>
-          <a:xfrm>
-            <a:off x="-5712" y="4897174"/>
-            <a:ext cx="9148986" cy="144016"/>
-            <a:chOff x="0" y="4005064"/>
-            <a:chExt cx="9148986" cy="144016"/>
-          </a:xfrm>
-        </p:grpSpPr>
-        <p:sp>
-          <p:nvSpPr>
-            <p:cNvPr id="16" name="직사각형 15"/>
-            <p:cNvSpPr/>
-            <p:nvPr/>
-          </p:nvSpPr>
-          <p:spPr>
-            <a:xfrm>
-              <a:off x="0" y="4005064"/>
-              <a:ext cx="2247900" cy="144016"/>
-            </a:xfrm>
-            <a:prstGeom prst="rect">
-              <a:avLst/>
-            </a:prstGeom>
-            <a:solidFill>
-              <a:srgbClr val="FADA2F"/>
-            </a:solidFill>
-            <a:ln w="101600">
-              <a:noFill/>
-            </a:ln>
-          </p:spPr>
-          <p:style>
-            <a:lnRef idx="2">
-              <a:schemeClr val="accent1">
-                <a:shade val="50000"/>
-              </a:schemeClr>
-            </a:lnRef>
-            <a:fillRef idx="1">
-              <a:schemeClr val="accent1"/>
-            </a:fillRef>
-            <a:effectRef idx="0">
-              <a:schemeClr val="accent1"/>
-            </a:effectRef>
-            <a:fontRef idx="minor">
-              <a:schemeClr val="lt1"/>
-            </a:fontRef>
-          </p:style>
-          <p:txBody>
-            <a:bodyPr rtlCol="0" anchor="ctr"/>
-            <a:lstStyle/>
-            <a:p>
-              <a:pPr algn="ctr"/>
-              <a:endParaRPr lang="ko-KR" altLang="en-US"/>
-            </a:p>
-          </p:txBody>
-        </p:sp>
-        <p:sp>
-          <p:nvSpPr>
-            <p:cNvPr id="20" name="직사각형 19"/>
-            <p:cNvSpPr/>
-            <p:nvPr/>
-          </p:nvSpPr>
-          <p:spPr>
-            <a:xfrm>
-              <a:off x="2247899" y="4005064"/>
-              <a:ext cx="2299717" cy="144016"/>
-            </a:xfrm>
-            <a:prstGeom prst="rect">
-              <a:avLst/>
-            </a:prstGeom>
-            <a:solidFill>
-              <a:srgbClr val="70C3CE"/>
-            </a:solidFill>
-            <a:ln w="101600">
-              <a:noFill/>
-            </a:ln>
-          </p:spPr>
-          <p:style>
-            <a:lnRef idx="2">
-              <a:schemeClr val="accent1">
-                <a:shade val="50000"/>
-              </a:schemeClr>
-            </a:lnRef>
-            <a:fillRef idx="1">
-              <a:schemeClr val="accent1"/>
-            </a:fillRef>
-            <a:effectRef idx="0">
-              <a:schemeClr val="accent1"/>
-            </a:effectRef>
-            <a:fontRef idx="minor">
-              <a:schemeClr val="lt1"/>
-            </a:fontRef>
-          </p:style>
-          <p:txBody>
-            <a:bodyPr rtlCol="0" anchor="ctr"/>
-            <a:lstStyle/>
-            <a:p>
-              <a:pPr algn="ctr"/>
-              <a:endParaRPr lang="ko-KR" altLang="en-US"/>
-            </a:p>
-          </p:txBody>
-        </p:sp>
-        <p:sp>
-          <p:nvSpPr>
-            <p:cNvPr id="21" name="직사각형 20"/>
-            <p:cNvSpPr/>
-            <p:nvPr/>
-          </p:nvSpPr>
-          <p:spPr>
-            <a:xfrm>
-              <a:off x="4547617" y="4005064"/>
-              <a:ext cx="2257200" cy="144016"/>
-            </a:xfrm>
-            <a:prstGeom prst="rect">
-              <a:avLst/>
-            </a:prstGeom>
-            <a:solidFill>
-              <a:srgbClr val="168CB3"/>
-            </a:solidFill>
-            <a:ln w="101600">
-              <a:noFill/>
-            </a:ln>
-          </p:spPr>
-          <p:style>
-            <a:lnRef idx="2">
-              <a:schemeClr val="accent1">
-                <a:shade val="50000"/>
-              </a:schemeClr>
-            </a:lnRef>
-            <a:fillRef idx="1">
-              <a:schemeClr val="accent1"/>
-            </a:fillRef>
-            <a:effectRef idx="0">
-              <a:schemeClr val="accent1"/>
-            </a:effectRef>
-            <a:fontRef idx="minor">
-              <a:schemeClr val="lt1"/>
-            </a:fontRef>
-          </p:style>
-          <p:txBody>
-            <a:bodyPr rtlCol="0" anchor="ctr"/>
-            <a:lstStyle/>
-            <a:p>
-              <a:pPr algn="ctr"/>
-              <a:endParaRPr lang="ko-KR" altLang="en-US"/>
-            </a:p>
-          </p:txBody>
-        </p:sp>
-        <p:sp>
-          <p:nvSpPr>
-            <p:cNvPr id="22" name="직사각형 21"/>
-            <p:cNvSpPr/>
-            <p:nvPr/>
-          </p:nvSpPr>
-          <p:spPr>
-            <a:xfrm>
-              <a:off x="6804248" y="4005064"/>
-              <a:ext cx="2344738" cy="144016"/>
-            </a:xfrm>
-            <a:prstGeom prst="rect">
-              <a:avLst/>
-            </a:prstGeom>
-            <a:solidFill>
-              <a:schemeClr val="bg1">
-                <a:lumMod val="50000"/>
-              </a:schemeClr>
-            </a:solidFill>
-            <a:ln w="101600">
-              <a:noFill/>
-            </a:ln>
-          </p:spPr>
-          <p:style>
-            <a:lnRef idx="2">
-              <a:schemeClr val="accent1">
-                <a:shade val="50000"/>
-              </a:schemeClr>
-            </a:lnRef>
-            <a:fillRef idx="1">
-              <a:schemeClr val="accent1"/>
-            </a:fillRef>
-            <a:effectRef idx="0">
-              <a:schemeClr val="accent1"/>
-            </a:effectRef>
-            <a:fontRef idx="minor">
-              <a:schemeClr val="lt1"/>
-            </a:fontRef>
-          </p:style>
-          <p:txBody>
-            <a:bodyPr rtlCol="0" anchor="ctr"/>
-            <a:lstStyle/>
-            <a:p>
-              <a:pPr algn="ctr"/>
-              <a:endParaRPr lang="ko-KR" altLang="en-US"/>
-            </a:p>
-          </p:txBody>
-        </p:sp>
-      </p:grpSp>
-      <p:grpSp>
-        <p:nvGrpSpPr>
-          <p:cNvPr id="3" name="그룹 56"/>
-          <p:cNvGrpSpPr/>
-          <p:nvPr/>
-        </p:nvGrpSpPr>
-        <p:grpSpPr>
-          <a:xfrm>
-            <a:off x="461832" y="2412389"/>
-            <a:ext cx="1720403" cy="1720403"/>
-            <a:chOff x="387747" y="1368475"/>
-            <a:chExt cx="1872208" cy="1872208"/>
-          </a:xfrm>
-        </p:grpSpPr>
-        <p:sp>
-          <p:nvSpPr>
-            <p:cNvPr id="23" name="눈물 방울 22"/>
-            <p:cNvSpPr/>
-            <p:nvPr/>
-          </p:nvSpPr>
-          <p:spPr>
-            <a:xfrm rot="8100000">
-              <a:off x="387747" y="1368475"/>
-              <a:ext cx="1872208" cy="1872208"/>
-            </a:xfrm>
-            <a:prstGeom prst="teardrop">
-              <a:avLst>
-                <a:gd name="adj" fmla="val 112231"/>
-              </a:avLst>
-            </a:prstGeom>
-            <a:solidFill>
-              <a:srgbClr val="FADA2F"/>
-            </a:solidFill>
-            <a:ln w="28575">
-              <a:solidFill>
-                <a:srgbClr val="FFC000"/>
-              </a:solidFill>
-            </a:ln>
-          </p:spPr>
-          <p:style>
-            <a:lnRef idx="2">
-              <a:schemeClr val="accent1">
-                <a:shade val="50000"/>
-              </a:schemeClr>
-            </a:lnRef>
-            <a:fillRef idx="1">
-              <a:schemeClr val="accent1"/>
-            </a:fillRef>
-            <a:effectRef idx="0">
-              <a:schemeClr val="accent1"/>
-            </a:effectRef>
-            <a:fontRef idx="minor">
-              <a:schemeClr val="lt1"/>
-            </a:fontRef>
-          </p:style>
-          <p:txBody>
-            <a:bodyPr rtlCol="0" anchor="ctr"/>
-            <a:lstStyle/>
-            <a:p>
-              <a:pPr algn="ctr"/>
-              <a:endParaRPr lang="ko-KR" altLang="en-US"/>
-            </a:p>
-          </p:txBody>
-        </p:sp>
-        <p:sp>
-          <p:nvSpPr>
-            <p:cNvPr id="34" name="타원 33"/>
-            <p:cNvSpPr/>
-            <p:nvPr/>
-          </p:nvSpPr>
-          <p:spPr>
-            <a:xfrm>
-              <a:off x="520502" y="1484784"/>
-              <a:ext cx="1584176" cy="1584176"/>
-            </a:xfrm>
-            <a:prstGeom prst="ellipse">
-              <a:avLst/>
-            </a:prstGeom>
-            <a:solidFill>
-              <a:schemeClr val="bg1"/>
-            </a:solidFill>
-            <a:ln>
-              <a:noFill/>
-            </a:ln>
-            <a:effectLst>
-              <a:innerShdw blurRad="63500" dist="50800" dir="13500000">
-                <a:prstClr val="black">
-                  <a:alpha val="28000"/>
-                </a:prstClr>
-              </a:innerShdw>
-            </a:effectLst>
-          </p:spPr>
-          <p:style>
-            <a:lnRef idx="2">
-              <a:schemeClr val="accent1">
-                <a:shade val="50000"/>
-              </a:schemeClr>
-            </a:lnRef>
-            <a:fillRef idx="1">
-              <a:schemeClr val="accent1"/>
-            </a:fillRef>
-            <a:effectRef idx="0">
-              <a:schemeClr val="accent1"/>
-            </a:effectRef>
-            <a:fontRef idx="minor">
-              <a:schemeClr val="lt1"/>
-            </a:fontRef>
-          </p:style>
-          <p:txBody>
-            <a:bodyPr rtlCol="0" anchor="ctr"/>
-            <a:lstStyle/>
-            <a:p>
-              <a:pPr algn="ctr"/>
-              <a:endParaRPr lang="ko-KR" altLang="en-US"/>
-            </a:p>
-          </p:txBody>
-        </p:sp>
-      </p:grpSp>
-      <p:sp>
-        <p:nvSpPr>
-          <p:cNvPr id="41" name="타원 40"/>
-          <p:cNvSpPr/>
-          <p:nvPr/>
-        </p:nvSpPr>
-        <p:spPr>
-          <a:xfrm>
-            <a:off x="1181912" y="4825166"/>
-            <a:ext cx="288032" cy="288032"/>
-          </a:xfrm>
-          <a:prstGeom prst="ellipse">
-            <a:avLst/>
-          </a:prstGeom>
-          <a:solidFill>
-            <a:srgbClr val="FADA2F"/>
-          </a:solidFill>
-          <a:ln>
-            <a:solidFill>
-              <a:schemeClr val="bg1"/>
-            </a:solidFill>
-          </a:ln>
-          <a:effectLst>
-            <a:outerShdw blurRad="50800" dist="38100" dir="2700000" algn="tl" rotWithShape="0">
-              <a:prstClr val="black">
-                <a:alpha val="40000"/>
-              </a:prstClr>
-            </a:outerShdw>
-          </a:effectLst>
-        </p:spPr>
-        <p:style>
-          <a:lnRef idx="2">
-            <a:schemeClr val="accent1">
-              <a:shade val="50000"/>
-            </a:schemeClr>
-          </a:lnRef>
-          <a:fillRef idx="1">
-            <a:schemeClr val="accent1"/>
-          </a:fillRef>
-          <a:effectRef idx="0">
-            <a:schemeClr val="accent1"/>
-          </a:effectRef>
-          <a:fontRef idx="minor">
-            <a:schemeClr val="lt1"/>
-          </a:fontRef>
-        </p:style>
-        <p:txBody>
-          <a:bodyPr rtlCol="0" anchor="ctr"/>
-          <a:lstStyle/>
-          <a:p>
-            <a:pPr algn="ctr"/>
-            <a:endParaRPr lang="ko-KR" altLang="en-US"/>
-          </a:p>
-        </p:txBody>
-      </p:sp>
-      <p:sp>
-        <p:nvSpPr>
-          <p:cNvPr id="42" name="타원 41"/>
-          <p:cNvSpPr/>
-          <p:nvPr/>
-        </p:nvSpPr>
-        <p:spPr>
-          <a:xfrm>
-            <a:off x="3277412" y="4825166"/>
-            <a:ext cx="288032" cy="288032"/>
-          </a:xfrm>
-          <a:prstGeom prst="ellipse">
-            <a:avLst/>
-          </a:prstGeom>
-          <a:solidFill>
-            <a:srgbClr val="70C3CE"/>
-          </a:solidFill>
-          <a:ln>
-            <a:solidFill>
-              <a:schemeClr val="bg1"/>
-            </a:solidFill>
-          </a:ln>
-          <a:effectLst>
-            <a:outerShdw blurRad="50800" dist="38100" dir="2700000" algn="tl" rotWithShape="0">
-              <a:prstClr val="black">
-                <a:alpha val="40000"/>
-              </a:prstClr>
-            </a:outerShdw>
-          </a:effectLst>
-        </p:spPr>
-        <p:style>
-          <a:lnRef idx="2">
-            <a:schemeClr val="accent1">
-              <a:shade val="50000"/>
-            </a:schemeClr>
-          </a:lnRef>
-          <a:fillRef idx="1">
-            <a:schemeClr val="accent1"/>
-          </a:fillRef>
-          <a:effectRef idx="0">
-            <a:schemeClr val="accent1"/>
-          </a:effectRef>
-          <a:fontRef idx="minor">
-            <a:schemeClr val="lt1"/>
-          </a:fontRef>
-        </p:style>
-        <p:txBody>
-          <a:bodyPr rtlCol="0" anchor="ctr"/>
-          <a:lstStyle/>
-          <a:p>
-            <a:pPr algn="ctr"/>
-            <a:endParaRPr lang="ko-KR" altLang="en-US"/>
-          </a:p>
-        </p:txBody>
-      </p:sp>
-      <p:sp>
-        <p:nvSpPr>
-          <p:cNvPr id="43" name="타원 42"/>
-          <p:cNvSpPr/>
-          <p:nvPr/>
-        </p:nvSpPr>
-        <p:spPr>
-          <a:xfrm>
-            <a:off x="5487212" y="4825166"/>
-            <a:ext cx="288032" cy="288032"/>
-          </a:xfrm>
-          <a:prstGeom prst="ellipse">
-            <a:avLst/>
-          </a:prstGeom>
-          <a:solidFill>
-            <a:srgbClr val="168CB3"/>
-          </a:solidFill>
-          <a:ln>
-            <a:solidFill>
-              <a:schemeClr val="bg1"/>
-            </a:solidFill>
-          </a:ln>
-          <a:effectLst>
-            <a:outerShdw blurRad="50800" dist="38100" dir="2700000" algn="tl" rotWithShape="0">
-              <a:prstClr val="black">
-                <a:alpha val="40000"/>
-              </a:prstClr>
-            </a:outerShdw>
-          </a:effectLst>
-        </p:spPr>
-        <p:style>
-          <a:lnRef idx="2">
-            <a:schemeClr val="accent1">
-              <a:shade val="50000"/>
-            </a:schemeClr>
-          </a:lnRef>
-          <a:fillRef idx="1">
-            <a:schemeClr val="accent1"/>
-          </a:fillRef>
-          <a:effectRef idx="0">
-            <a:schemeClr val="accent1"/>
-          </a:effectRef>
-          <a:fontRef idx="minor">
-            <a:schemeClr val="lt1"/>
-          </a:fontRef>
-        </p:style>
-        <p:txBody>
-          <a:bodyPr rtlCol="0" anchor="ctr"/>
-          <a:lstStyle/>
-          <a:p>
-            <a:pPr algn="ctr"/>
-            <a:endParaRPr lang="ko-KR" altLang="en-US"/>
-          </a:p>
-        </p:txBody>
-      </p:sp>
-      <p:sp>
-        <p:nvSpPr>
-          <p:cNvPr id="44" name="타원 43"/>
-          <p:cNvSpPr/>
-          <p:nvPr/>
-        </p:nvSpPr>
-        <p:spPr>
-          <a:xfrm>
-            <a:off x="7744637" y="4825166"/>
-            <a:ext cx="288032" cy="288032"/>
-          </a:xfrm>
-          <a:prstGeom prst="ellipse">
-            <a:avLst/>
-          </a:prstGeom>
-          <a:solidFill>
-            <a:schemeClr val="bg1">
-              <a:lumMod val="65000"/>
-            </a:schemeClr>
-          </a:solidFill>
-          <a:ln>
-            <a:solidFill>
-              <a:schemeClr val="bg1"/>
-            </a:solidFill>
-          </a:ln>
-          <a:effectLst>
-            <a:outerShdw blurRad="50800" dist="38100" dir="2700000" algn="tl" rotWithShape="0">
-              <a:prstClr val="black">
-                <a:alpha val="40000"/>
-              </a:prstClr>
-            </a:outerShdw>
-          </a:effectLst>
-        </p:spPr>
-        <p:style>
-          <a:lnRef idx="2">
-            <a:schemeClr val="accent1">
-              <a:shade val="50000"/>
-            </a:schemeClr>
-          </a:lnRef>
-          <a:fillRef idx="1">
-            <a:schemeClr val="accent1"/>
-          </a:fillRef>
-          <a:effectRef idx="0">
-            <a:schemeClr val="accent1"/>
-          </a:effectRef>
-          <a:fontRef idx="minor">
-            <a:schemeClr val="lt1"/>
-          </a:fontRef>
-        </p:style>
-        <p:txBody>
-          <a:bodyPr rtlCol="0" anchor="ctr"/>
-          <a:lstStyle/>
-          <a:p>
-            <a:pPr algn="ctr"/>
-            <a:endParaRPr lang="ko-KR" altLang="en-US"/>
-          </a:p>
-        </p:txBody>
-      </p:sp>
-      <p:sp>
-        <p:nvSpPr>
-          <p:cNvPr id="45" name="Rectangle 96"/>
-          <p:cNvSpPr>
-            <a:spLocks noChangeArrowheads="1"/>
-          </p:cNvSpPr>
-          <p:nvPr/>
-        </p:nvSpPr>
-        <p:spPr bwMode="auto">
-          <a:xfrm>
-            <a:off x="421933" y="2918647"/>
-            <a:ext cx="1800200" cy="707886"/>
-          </a:xfrm>
-          <a:prstGeom prst="rect">
-            <a:avLst/>
-          </a:prstGeom>
-          <a:noFill/>
-          <a:ln w="9525" algn="ctr">
-            <a:noFill/>
-            <a:miter lim="800000"/>
-            <a:headEnd/>
-            <a:tailEnd/>
-          </a:ln>
-        </p:spPr>
-        <p:txBody>
-          <a:bodyPr vert="horz" wrap="square" lIns="91440" tIns="45720" rIns="91440" bIns="45720" numCol="1" anchor="t" anchorCtr="0" compatLnSpc="1">
-            <a:prstTxWarp prst="textNoShape">
-              <a:avLst/>
-            </a:prstTxWarp>
-            <a:spAutoFit/>
-          </a:bodyPr>
-          <a:lstStyle/>
-          <a:p>
-            <a:pPr marL="0" marR="0" lvl="0" indent="0" algn="ctr" defTabSz="914400" rtl="0" eaLnBrk="1" fontAlgn="base" latinLnBrk="1" hangingPunct="1">
-              <a:lnSpc>
-                <a:spcPct val="100000"/>
-              </a:lnSpc>
-              <a:spcBef>
-                <a:spcPct val="0"/>
-              </a:spcBef>
-              <a:spcAft>
-                <a:spcPct val="0"/>
-              </a:spcAft>
-              <a:buClrTx/>
-              <a:buSzTx/>
-              <a:buFontTx/>
-              <a:buNone/>
-              <a:tabLst/>
-            </a:pPr>
-            <a:r>
-              <a:rPr kumimoji="1" lang="ko-KR" altLang="en-US" sz="2000" b="1" i="0" u="none" strike="noStrike" cap="none" normalizeH="0" baseline="0" dirty="0">
-                <a:ln>
-                  <a:noFill/>
-                </a:ln>
-                <a:solidFill>
-                  <a:schemeClr val="tx1">
-                    <a:lumMod val="75000"/>
-                    <a:lumOff val="25000"/>
-                  </a:schemeClr>
-                </a:solidFill>
+              <a:rPr lang="ko-KR" altLang="en-US" sz="1200" dirty="0">
+                <a:latin typeface="210 M고딕 040" panose="02020603020101020101" pitchFamily="18" charset="-127"/>
+                <a:ea typeface="210 M고딕 040" panose="02020603020101020101" pitchFamily="18" charset="-127"/>
+                <a:cs typeface="Arial" pitchFamily="34" charset="0"/>
+              </a:rPr>
+              <a:t>퍼트 차트</a:t>
+            </a:r>
+            <a:r>
+              <a:rPr lang="en-US" altLang="ko-KR" sz="1200" dirty="0">
+                <a:latin typeface="210 M고딕 040" panose="02020603020101020101" pitchFamily="18" charset="-127"/>
+                <a:ea typeface="210 M고딕 040" panose="02020603020101020101" pitchFamily="18" charset="-127"/>
+                <a:cs typeface="Arial" pitchFamily="34" charset="0"/>
+              </a:rPr>
+              <a:t>/</a:t>
+            </a:r>
+            <a:r>
+              <a:rPr lang="ko-KR" altLang="en-US" sz="1200" dirty="0" err="1">
+                <a:latin typeface="210 M고딕 040" panose="02020603020101020101" pitchFamily="18" charset="-127"/>
+                <a:ea typeface="210 M고딕 040" panose="02020603020101020101" pitchFamily="18" charset="-127"/>
+                <a:cs typeface="Arial" pitchFamily="34" charset="0"/>
+              </a:rPr>
+              <a:t>간트</a:t>
+            </a:r>
+            <a:r>
+              <a:rPr lang="ko-KR" altLang="en-US" sz="1200" dirty="0">
+                <a:latin typeface="210 M고딕 040" panose="02020603020101020101" pitchFamily="18" charset="-127"/>
+                <a:ea typeface="210 M고딕 040" panose="02020603020101020101" pitchFamily="18" charset="-127"/>
+                <a:cs typeface="Arial" pitchFamily="34" charset="0"/>
+              </a:rPr>
+              <a:t> 차트</a:t>
+            </a:r>
+            <a:endParaRPr lang="en-US" altLang="ko-KR" sz="1200" dirty="0">
+              <a:latin typeface="210 M고딕 040" panose="02020603020101020101" pitchFamily="18" charset="-127"/>
+              <a:ea typeface="210 M고딕 040" panose="02020603020101020101" pitchFamily="18" charset="-127"/>
+              <a:cs typeface="Arial" pitchFamily="34" charset="0"/>
+            </a:endParaRPr>
+          </a:p>
+          <a:p>
+            <a:r>
+              <a:rPr lang="ko-KR" altLang="en-US" sz="1200" dirty="0" err="1">
                 <a:effectLst/>
-                <a:latin typeface="210 M고딕 060" panose="02020603020101020101" pitchFamily="18" charset="-127"/>
-                <a:ea typeface="210 M고딕 060" panose="02020603020101020101" pitchFamily="18" charset="-127"/>
-                <a:cs typeface="굴림" pitchFamily="50" charset="-127"/>
-              </a:rPr>
-              <a:t>분석</a:t>
-            </a:r>
-            <a:br>
-              <a:rPr kumimoji="1" lang="en-US" altLang="ko-KR" sz="2000" b="1" i="0" u="none" strike="noStrike" cap="none" normalizeH="0" baseline="0" dirty="0">
-                <a:ln>
-                  <a:noFill/>
-                </a:ln>
-                <a:solidFill>
-                  <a:schemeClr val="tx1">
-                    <a:lumMod val="75000"/>
-                    <a:lumOff val="25000"/>
-                  </a:schemeClr>
-                </a:solidFill>
+                <a:latin typeface="210 M고딕 040" panose="02020603020101020101" pitchFamily="18" charset="-127"/>
+                <a:ea typeface="210 M고딕 040" panose="02020603020101020101" pitchFamily="18" charset="-127"/>
+                <a:cs typeface="Arial" pitchFamily="34" charset="0"/>
+              </a:rPr>
+              <a:t>사이트맵</a:t>
+            </a:r>
+            <a:r>
+              <a:rPr lang="en-US" altLang="ko-KR" sz="1200" dirty="0">
                 <a:effectLst/>
-                <a:latin typeface="210 M고딕 060" panose="02020603020101020101" pitchFamily="18" charset="-127"/>
-                <a:ea typeface="210 M고딕 060" panose="02020603020101020101" pitchFamily="18" charset="-127"/>
-                <a:cs typeface="굴림" pitchFamily="50" charset="-127"/>
-              </a:rPr>
-            </a:br>
-            <a:r>
-              <a:rPr kumimoji="1" lang="ko-KR" altLang="en-US" sz="2000" b="1" i="0" u="none" strike="noStrike" cap="none" normalizeH="0" baseline="0" dirty="0">
-                <a:ln>
-                  <a:noFill/>
-                </a:ln>
-                <a:solidFill>
-                  <a:schemeClr val="tx1">
-                    <a:lumMod val="75000"/>
-                    <a:lumOff val="25000"/>
-                  </a:schemeClr>
-                </a:solidFill>
+                <a:latin typeface="210 M고딕 040" panose="02020603020101020101" pitchFamily="18" charset="-127"/>
+                <a:ea typeface="210 M고딕 040" panose="02020603020101020101" pitchFamily="18" charset="-127"/>
+                <a:cs typeface="Arial" pitchFamily="34" charset="0"/>
+              </a:rPr>
+              <a:t>/</a:t>
+            </a:r>
+            <a:r>
+              <a:rPr lang="ko-KR" altLang="en-US" sz="1200" dirty="0">
                 <a:effectLst/>
-                <a:latin typeface="210 M고딕 060" panose="02020603020101020101" pitchFamily="18" charset="-127"/>
-                <a:ea typeface="210 M고딕 060" panose="02020603020101020101" pitchFamily="18" charset="-127"/>
-                <a:cs typeface="굴림" pitchFamily="50" charset="-127"/>
-              </a:rPr>
-              <a:t>개략적 설계</a:t>
-            </a:r>
-            <a:endParaRPr lang="en-US" altLang="ko-KR" sz="2800" b="0" noProof="1">
-              <a:solidFill>
-                <a:schemeClr val="tx1">
-                  <a:lumMod val="75000"/>
-                  <a:lumOff val="25000"/>
-                </a:schemeClr>
-              </a:solidFill>
-              <a:latin typeface="210 M고딕 060" panose="02020603020101020101" pitchFamily="18" charset="-127"/>
-              <a:ea typeface="210 M고딕 060" panose="02020603020101020101" pitchFamily="18" charset="-127"/>
-              <a:cs typeface="굴림" pitchFamily="50" charset="-127"/>
+                <a:latin typeface="210 M고딕 040" panose="02020603020101020101" pitchFamily="18" charset="-127"/>
+                <a:ea typeface="210 M고딕 040" panose="02020603020101020101" pitchFamily="18" charset="-127"/>
+                <a:cs typeface="Arial" pitchFamily="34" charset="0"/>
+              </a:rPr>
+              <a:t>기능</a:t>
+            </a:r>
+            <a:r>
+              <a:rPr lang="en-US" altLang="ko-KR" sz="1200" dirty="0">
+                <a:effectLst/>
+                <a:latin typeface="210 M고딕 040" panose="02020603020101020101" pitchFamily="18" charset="-127"/>
+                <a:ea typeface="210 M고딕 040" panose="02020603020101020101" pitchFamily="18" charset="-127"/>
+                <a:cs typeface="Arial" pitchFamily="34" charset="0"/>
+              </a:rPr>
+              <a:t>(</a:t>
+            </a:r>
+            <a:r>
+              <a:rPr lang="ko-KR" altLang="en-US" sz="1200" dirty="0">
+                <a:effectLst/>
+                <a:latin typeface="210 M고딕 040" panose="02020603020101020101" pitchFamily="18" charset="-127"/>
+                <a:ea typeface="210 M고딕 040" panose="02020603020101020101" pitchFamily="18" charset="-127"/>
+                <a:cs typeface="Arial" pitchFamily="34" charset="0"/>
+              </a:rPr>
+              <a:t>요구사항</a:t>
+            </a:r>
+            <a:r>
+              <a:rPr lang="en-US" altLang="ko-KR" sz="1200" dirty="0">
+                <a:latin typeface="210 M고딕 040" panose="02020603020101020101" pitchFamily="18" charset="-127"/>
+                <a:ea typeface="210 M고딕 040" panose="02020603020101020101" pitchFamily="18" charset="-127"/>
+                <a:cs typeface="Arial" pitchFamily="34" charset="0"/>
+              </a:rPr>
+              <a:t>) </a:t>
+            </a:r>
+            <a:r>
+              <a:rPr lang="ko-KR" altLang="en-US" sz="1200" dirty="0">
+                <a:latin typeface="210 M고딕 040" panose="02020603020101020101" pitchFamily="18" charset="-127"/>
+                <a:ea typeface="210 M고딕 040" panose="02020603020101020101" pitchFamily="18" charset="-127"/>
+                <a:cs typeface="Arial" pitchFamily="34" charset="0"/>
+              </a:rPr>
+              <a:t>정리</a:t>
+            </a:r>
+            <a:endParaRPr lang="en-US" altLang="ko-KR" sz="1200" dirty="0">
+              <a:latin typeface="210 M고딕 040" panose="02020603020101020101" pitchFamily="18" charset="-127"/>
+              <a:ea typeface="210 M고딕 040" panose="02020603020101020101" pitchFamily="18" charset="-127"/>
+              <a:cs typeface="Arial" pitchFamily="34" charset="0"/>
             </a:endParaRPr>
           </a:p>
-        </p:txBody>
-      </p:sp>
-      <p:grpSp>
-        <p:nvGrpSpPr>
-          <p:cNvPr id="4" name="그룹 60"/>
-          <p:cNvGrpSpPr/>
-          <p:nvPr/>
-        </p:nvGrpSpPr>
-        <p:grpSpPr>
-          <a:xfrm>
-            <a:off x="2566857" y="2412389"/>
-            <a:ext cx="1720403" cy="1720403"/>
-            <a:chOff x="387747" y="1368475"/>
-            <a:chExt cx="1872208" cy="1872208"/>
-          </a:xfrm>
-        </p:grpSpPr>
-        <p:sp>
-          <p:nvSpPr>
-            <p:cNvPr id="62" name="눈물 방울 61"/>
-            <p:cNvSpPr/>
-            <p:nvPr/>
-          </p:nvSpPr>
-          <p:spPr>
-            <a:xfrm rot="8100000">
-              <a:off x="387747" y="1368475"/>
-              <a:ext cx="1872208" cy="1872208"/>
-            </a:xfrm>
-            <a:prstGeom prst="teardrop">
-              <a:avLst>
-                <a:gd name="adj" fmla="val 112231"/>
-              </a:avLst>
-            </a:prstGeom>
-            <a:solidFill>
-              <a:srgbClr val="70C3CE"/>
-            </a:solidFill>
-            <a:ln w="28575">
-              <a:solidFill>
-                <a:srgbClr val="42AFBE"/>
-              </a:solidFill>
-            </a:ln>
-          </p:spPr>
-          <p:style>
-            <a:lnRef idx="2">
-              <a:schemeClr val="accent1">
-                <a:shade val="50000"/>
-              </a:schemeClr>
-            </a:lnRef>
-            <a:fillRef idx="1">
-              <a:schemeClr val="accent1"/>
-            </a:fillRef>
-            <a:effectRef idx="0">
-              <a:schemeClr val="accent1"/>
-            </a:effectRef>
-            <a:fontRef idx="minor">
-              <a:schemeClr val="lt1"/>
-            </a:fontRef>
-          </p:style>
-          <p:txBody>
-            <a:bodyPr rtlCol="0" anchor="ctr"/>
-            <a:lstStyle/>
-            <a:p>
-              <a:pPr algn="ctr"/>
-              <a:endParaRPr lang="ko-KR" altLang="en-US" b="1" dirty="0">
-                <a:latin typeface="Arial" pitchFamily="34" charset="0"/>
+          <a:p>
+            <a:r>
+              <a:rPr lang="ko-KR" altLang="en-US" sz="1200" dirty="0">
+                <a:effectLst/>
+                <a:latin typeface="210 M고딕 040" panose="02020603020101020101" pitchFamily="18" charset="-127"/>
+                <a:ea typeface="210 M고딕 040" panose="02020603020101020101" pitchFamily="18" charset="-127"/>
                 <a:cs typeface="Arial" pitchFamily="34" charset="0"/>
-              </a:endParaRPr>
-            </a:p>
-          </p:txBody>
-        </p:sp>
-        <p:sp>
-          <p:nvSpPr>
-            <p:cNvPr id="63" name="타원 62"/>
-            <p:cNvSpPr/>
-            <p:nvPr/>
-          </p:nvSpPr>
-          <p:spPr>
-            <a:xfrm>
-              <a:off x="520502" y="1484784"/>
-              <a:ext cx="1584176" cy="1584176"/>
-            </a:xfrm>
-            <a:prstGeom prst="ellipse">
-              <a:avLst/>
-            </a:prstGeom>
-            <a:solidFill>
-              <a:schemeClr val="bg1"/>
-            </a:solidFill>
-            <a:ln>
-              <a:noFill/>
-            </a:ln>
-            <a:effectLst>
-              <a:innerShdw blurRad="63500" dist="50800" dir="13500000">
-                <a:prstClr val="black">
-                  <a:alpha val="28000"/>
-                </a:prstClr>
-              </a:innerShdw>
-            </a:effectLst>
-          </p:spPr>
-          <p:style>
-            <a:lnRef idx="2">
-              <a:schemeClr val="accent1">
-                <a:shade val="50000"/>
-              </a:schemeClr>
-            </a:lnRef>
-            <a:fillRef idx="1">
-              <a:schemeClr val="accent1"/>
-            </a:fillRef>
-            <a:effectRef idx="0">
-              <a:schemeClr val="accent1"/>
-            </a:effectRef>
-            <a:fontRef idx="minor">
-              <a:schemeClr val="lt1"/>
-            </a:fontRef>
-          </p:style>
-          <p:txBody>
-            <a:bodyPr rtlCol="0" anchor="ctr"/>
-            <a:lstStyle/>
-            <a:p>
-              <a:pPr algn="ctr"/>
-              <a:endParaRPr lang="ko-KR" altLang="en-US"/>
-            </a:p>
-          </p:txBody>
-        </p:sp>
-      </p:grpSp>
-      <p:sp>
-        <p:nvSpPr>
-          <p:cNvPr id="64" name="Rectangle 96"/>
-          <p:cNvSpPr>
-            <a:spLocks noChangeArrowheads="1"/>
-          </p:cNvSpPr>
-          <p:nvPr/>
-        </p:nvSpPr>
-        <p:spPr bwMode="auto">
-          <a:xfrm>
-            <a:off x="2526958" y="2918647"/>
-            <a:ext cx="1800200" cy="707886"/>
-          </a:xfrm>
-          <a:prstGeom prst="rect">
-            <a:avLst/>
-          </a:prstGeom>
-          <a:noFill/>
-          <a:ln w="9525" algn="ctr">
-            <a:noFill/>
-            <a:miter lim="800000"/>
-            <a:headEnd/>
-            <a:tailEnd/>
-          </a:ln>
-        </p:spPr>
-        <p:txBody>
-          <a:bodyPr vert="horz" wrap="square" lIns="91440" tIns="45720" rIns="91440" bIns="45720" numCol="1" anchor="t" anchorCtr="0" compatLnSpc="1">
-            <a:prstTxWarp prst="textNoShape">
-              <a:avLst/>
-            </a:prstTxWarp>
-            <a:spAutoFit/>
-          </a:bodyPr>
-          <a:lstStyle/>
-          <a:p>
-            <a:pPr marL="0" marR="0" lvl="0" indent="0" algn="ctr" defTabSz="914400" rtl="0" eaLnBrk="1" fontAlgn="base" latinLnBrk="1" hangingPunct="1">
-              <a:lnSpc>
-                <a:spcPct val="100000"/>
-              </a:lnSpc>
-              <a:spcBef>
-                <a:spcPct val="0"/>
-              </a:spcBef>
-              <a:spcAft>
-                <a:spcPct val="0"/>
-              </a:spcAft>
-              <a:buClrTx/>
-              <a:buSzTx/>
-              <a:buFontTx/>
-              <a:buNone/>
-              <a:tabLst/>
-            </a:pPr>
-            <a:r>
-              <a:rPr kumimoji="1" lang="ko-KR" altLang="en-US" sz="2000" b="1" dirty="0">
-                <a:solidFill>
-                  <a:schemeClr val="tx1">
-                    <a:lumMod val="75000"/>
-                    <a:lumOff val="25000"/>
-                  </a:schemeClr>
-                </a:solidFill>
-                <a:latin typeface="210 M고딕 060" panose="02020603020101020101" pitchFamily="18" charset="-127"/>
-                <a:ea typeface="210 M고딕 060" panose="02020603020101020101" pitchFamily="18" charset="-127"/>
-                <a:cs typeface="굴림" pitchFamily="50" charset="-127"/>
-              </a:rPr>
-              <a:t>상세 설계</a:t>
-            </a:r>
-            <a:br>
-              <a:rPr kumimoji="1" lang="en-US" altLang="ko-KR" sz="2000" b="1" dirty="0">
-                <a:solidFill>
-                  <a:schemeClr val="tx1">
-                    <a:lumMod val="75000"/>
-                    <a:lumOff val="25000"/>
-                  </a:schemeClr>
-                </a:solidFill>
-                <a:latin typeface="210 M고딕 060" panose="02020603020101020101" pitchFamily="18" charset="-127"/>
-                <a:ea typeface="210 M고딕 060" panose="02020603020101020101" pitchFamily="18" charset="-127"/>
-                <a:cs typeface="굴림" pitchFamily="50" charset="-127"/>
-              </a:rPr>
-            </a:br>
-            <a:r>
-              <a:rPr kumimoji="1" lang="ko-KR" altLang="en-US" sz="2000" b="1" dirty="0">
-                <a:solidFill>
-                  <a:schemeClr val="tx1">
-                    <a:lumMod val="75000"/>
-                    <a:lumOff val="25000"/>
-                  </a:schemeClr>
-                </a:solidFill>
-                <a:latin typeface="210 M고딕 060" panose="02020603020101020101" pitchFamily="18" charset="-127"/>
-                <a:ea typeface="210 M고딕 060" panose="02020603020101020101" pitchFamily="18" charset="-127"/>
-                <a:cs typeface="굴림" pitchFamily="50" charset="-127"/>
-              </a:rPr>
-              <a:t>개발</a:t>
-            </a:r>
-            <a:endParaRPr kumimoji="1" lang="en-US" altLang="ko-KR" sz="2000" b="1" i="0" u="none" strike="noStrike" cap="none" normalizeH="0" baseline="0" dirty="0">
-              <a:ln>
-                <a:noFill/>
-              </a:ln>
-              <a:solidFill>
-                <a:schemeClr val="tx1">
-                  <a:lumMod val="75000"/>
-                  <a:lumOff val="25000"/>
-                </a:schemeClr>
-              </a:solidFill>
+              </a:rPr>
+              <a:t>비용 산정</a:t>
+            </a:r>
+            <a:endParaRPr lang="en-US" altLang="ko-KR" sz="1200" dirty="0">
               <a:effectLst/>
-              <a:latin typeface="210 M고딕 060" panose="02020603020101020101" pitchFamily="18" charset="-127"/>
-              <a:ea typeface="210 M고딕 060" panose="02020603020101020101" pitchFamily="18" charset="-127"/>
-              <a:cs typeface="굴림" pitchFamily="50" charset="-127"/>
+              <a:latin typeface="210 M고딕 040" panose="02020603020101020101" pitchFamily="18" charset="-127"/>
+              <a:ea typeface="210 M고딕 040" panose="02020603020101020101" pitchFamily="18" charset="-127"/>
+              <a:cs typeface="Arial" pitchFamily="34" charset="0"/>
             </a:endParaRPr>
           </a:p>
-        </p:txBody>
-      </p:sp>
-      <p:grpSp>
-        <p:nvGrpSpPr>
-          <p:cNvPr id="5" name="그룹 64"/>
-          <p:cNvGrpSpPr/>
-          <p:nvPr/>
-        </p:nvGrpSpPr>
-        <p:grpSpPr>
-          <a:xfrm>
-            <a:off x="4776657" y="2412389"/>
-            <a:ext cx="1720403" cy="1720403"/>
-            <a:chOff x="387747" y="1368475"/>
-            <a:chExt cx="1872208" cy="1872208"/>
-          </a:xfrm>
-        </p:grpSpPr>
-        <p:sp>
-          <p:nvSpPr>
-            <p:cNvPr id="66" name="눈물 방울 65"/>
-            <p:cNvSpPr/>
-            <p:nvPr/>
-          </p:nvSpPr>
-          <p:spPr>
-            <a:xfrm rot="8100000">
-              <a:off x="387747" y="1368475"/>
-              <a:ext cx="1872208" cy="1872208"/>
-            </a:xfrm>
-            <a:prstGeom prst="teardrop">
-              <a:avLst>
-                <a:gd name="adj" fmla="val 112231"/>
-              </a:avLst>
-            </a:prstGeom>
-            <a:solidFill>
-              <a:srgbClr val="168CB3"/>
-            </a:solidFill>
-            <a:ln w="28575">
-              <a:solidFill>
-                <a:schemeClr val="accent1">
-                  <a:lumMod val="75000"/>
-                </a:schemeClr>
-              </a:solidFill>
-            </a:ln>
-          </p:spPr>
-          <p:style>
-            <a:lnRef idx="2">
-              <a:schemeClr val="accent1">
-                <a:shade val="50000"/>
-              </a:schemeClr>
-            </a:lnRef>
-            <a:fillRef idx="1">
-              <a:schemeClr val="accent1"/>
-            </a:fillRef>
-            <a:effectRef idx="0">
-              <a:schemeClr val="accent1"/>
-            </a:effectRef>
-            <a:fontRef idx="minor">
-              <a:schemeClr val="lt1"/>
-            </a:fontRef>
-          </p:style>
-          <p:txBody>
-            <a:bodyPr rtlCol="0" anchor="ctr"/>
-            <a:lstStyle/>
-            <a:p>
-              <a:pPr algn="ctr"/>
-              <a:endParaRPr lang="ko-KR" altLang="en-US" b="1">
-                <a:latin typeface="Arial" pitchFamily="34" charset="0"/>
+          <a:p>
+            <a:r>
+              <a:rPr lang="ko-KR" altLang="en-US" sz="1200" dirty="0">
+                <a:effectLst/>
+                <a:latin typeface="210 M고딕 040" panose="02020603020101020101" pitchFamily="18" charset="-127"/>
+                <a:ea typeface="210 M고딕 040" panose="02020603020101020101" pitchFamily="18" charset="-127"/>
                 <a:cs typeface="Arial" pitchFamily="34" charset="0"/>
-              </a:endParaRPr>
-            </a:p>
-          </p:txBody>
-        </p:sp>
-        <p:sp>
-          <p:nvSpPr>
-            <p:cNvPr id="67" name="타원 66"/>
-            <p:cNvSpPr/>
-            <p:nvPr/>
-          </p:nvSpPr>
-          <p:spPr>
-            <a:xfrm>
-              <a:off x="520502" y="1484784"/>
-              <a:ext cx="1584176" cy="1584176"/>
-            </a:xfrm>
-            <a:prstGeom prst="ellipse">
-              <a:avLst/>
-            </a:prstGeom>
-            <a:solidFill>
-              <a:schemeClr val="bg1"/>
-            </a:solidFill>
-            <a:ln>
-              <a:noFill/>
-            </a:ln>
-            <a:effectLst>
-              <a:innerShdw blurRad="63500" dist="50800" dir="13500000">
-                <a:prstClr val="black">
-                  <a:alpha val="28000"/>
-                </a:prstClr>
-              </a:innerShdw>
-            </a:effectLst>
-          </p:spPr>
-          <p:style>
-            <a:lnRef idx="2">
-              <a:schemeClr val="accent1">
-                <a:shade val="50000"/>
-              </a:schemeClr>
-            </a:lnRef>
-            <a:fillRef idx="1">
-              <a:schemeClr val="accent1"/>
-            </a:fillRef>
-            <a:effectRef idx="0">
-              <a:schemeClr val="accent1"/>
-            </a:effectRef>
-            <a:fontRef idx="minor">
-              <a:schemeClr val="lt1"/>
-            </a:fontRef>
-          </p:style>
-          <p:txBody>
-            <a:bodyPr rtlCol="0" anchor="ctr"/>
-            <a:lstStyle/>
-            <a:p>
-              <a:pPr algn="ctr"/>
-              <a:endParaRPr lang="ko-KR" altLang="en-US"/>
-            </a:p>
-          </p:txBody>
-        </p:sp>
-      </p:grpSp>
-      <p:sp>
-        <p:nvSpPr>
-          <p:cNvPr id="68" name="Rectangle 96"/>
-          <p:cNvSpPr>
-            <a:spLocks noChangeArrowheads="1"/>
-          </p:cNvSpPr>
-          <p:nvPr/>
-        </p:nvSpPr>
-        <p:spPr bwMode="auto">
-          <a:xfrm>
-            <a:off x="4736758" y="2918647"/>
-            <a:ext cx="1800200" cy="707886"/>
-          </a:xfrm>
-          <a:prstGeom prst="rect">
-            <a:avLst/>
-          </a:prstGeom>
-          <a:noFill/>
-          <a:ln w="9525" algn="ctr">
-            <a:noFill/>
-            <a:miter lim="800000"/>
-            <a:headEnd/>
-            <a:tailEnd/>
-          </a:ln>
-        </p:spPr>
-        <p:txBody>
-          <a:bodyPr vert="horz" wrap="square" lIns="91440" tIns="45720" rIns="91440" bIns="45720" numCol="1" anchor="t" anchorCtr="0" compatLnSpc="1">
-            <a:prstTxWarp prst="textNoShape">
-              <a:avLst/>
-            </a:prstTxWarp>
-            <a:spAutoFit/>
-          </a:bodyPr>
-          <a:lstStyle/>
-          <a:p>
-            <a:pPr marL="0" marR="0" lvl="0" indent="0" algn="ctr" defTabSz="914400" rtl="0" eaLnBrk="1" fontAlgn="base" latinLnBrk="1" hangingPunct="1">
-              <a:lnSpc>
-                <a:spcPct val="100000"/>
-              </a:lnSpc>
-              <a:spcBef>
-                <a:spcPct val="0"/>
-              </a:spcBef>
-              <a:spcAft>
-                <a:spcPct val="0"/>
-              </a:spcAft>
-              <a:buClrTx/>
-              <a:buSzTx/>
-              <a:buFontTx/>
-              <a:buNone/>
-              <a:tabLst/>
-            </a:pPr>
-            <a:r>
-              <a:rPr kumimoji="1" lang="ko-KR" altLang="en-US" sz="2000" b="1" noProof="1">
-                <a:solidFill>
-                  <a:schemeClr val="tx1">
-                    <a:lumMod val="75000"/>
-                    <a:lumOff val="25000"/>
-                  </a:schemeClr>
-                </a:solidFill>
-                <a:latin typeface="210 M고딕 060" panose="02020603020101020101" pitchFamily="18" charset="-127"/>
-                <a:ea typeface="210 M고딕 060" panose="02020603020101020101" pitchFamily="18" charset="-127"/>
-                <a:cs typeface="굴림" pitchFamily="50" charset="-127"/>
-              </a:rPr>
-              <a:t>수정</a:t>
-            </a:r>
-            <a:br>
-              <a:rPr kumimoji="1" lang="en-US" altLang="ko-KR" sz="2000" b="1" noProof="1">
-                <a:solidFill>
-                  <a:schemeClr val="tx1">
-                    <a:lumMod val="75000"/>
-                    <a:lumOff val="25000"/>
-                  </a:schemeClr>
-                </a:solidFill>
-                <a:latin typeface="210 M고딕 060" panose="02020603020101020101" pitchFamily="18" charset="-127"/>
-                <a:ea typeface="210 M고딕 060" panose="02020603020101020101" pitchFamily="18" charset="-127"/>
-                <a:cs typeface="굴림" pitchFamily="50" charset="-127"/>
-              </a:rPr>
-            </a:br>
-            <a:r>
-              <a:rPr kumimoji="1" lang="ko-KR" altLang="en-US" sz="2000" b="1" noProof="1">
-                <a:solidFill>
-                  <a:schemeClr val="tx1">
-                    <a:lumMod val="75000"/>
-                    <a:lumOff val="25000"/>
-                  </a:schemeClr>
-                </a:solidFill>
-                <a:latin typeface="210 M고딕 060" panose="02020603020101020101" pitchFamily="18" charset="-127"/>
-                <a:ea typeface="210 M고딕 060" panose="02020603020101020101" pitchFamily="18" charset="-127"/>
-                <a:cs typeface="굴림" pitchFamily="50" charset="-127"/>
-              </a:rPr>
-              <a:t>보완</a:t>
-            </a:r>
-            <a:endParaRPr lang="en-US" altLang="ko-KR" sz="2800" b="0" noProof="1">
-              <a:solidFill>
-                <a:schemeClr val="tx1">
-                  <a:lumMod val="75000"/>
-                  <a:lumOff val="25000"/>
-                </a:schemeClr>
-              </a:solidFill>
-              <a:latin typeface="210 M고딕 060" panose="02020603020101020101" pitchFamily="18" charset="-127"/>
-              <a:ea typeface="210 M고딕 060" panose="02020603020101020101" pitchFamily="18" charset="-127"/>
-              <a:cs typeface="굴림" pitchFamily="50" charset="-127"/>
+              </a:rPr>
+              <a:t>리스크 도출</a:t>
+            </a:r>
+            <a:endParaRPr lang="en-US" altLang="ko-KR" sz="1200" dirty="0">
+              <a:effectLst/>
+              <a:latin typeface="210 M고딕 040" panose="02020603020101020101" pitchFamily="18" charset="-127"/>
+              <a:ea typeface="210 M고딕 040" panose="02020603020101020101" pitchFamily="18" charset="-127"/>
+              <a:cs typeface="Arial" pitchFamily="34" charset="0"/>
             </a:endParaRPr>
           </a:p>
-        </p:txBody>
-      </p:sp>
-      <p:grpSp>
-        <p:nvGrpSpPr>
-          <p:cNvPr id="6" name="그룹 68"/>
-          <p:cNvGrpSpPr/>
-          <p:nvPr/>
-        </p:nvGrpSpPr>
-        <p:grpSpPr>
-          <a:xfrm>
-            <a:off x="7015032" y="2412389"/>
-            <a:ext cx="1720403" cy="1720403"/>
-            <a:chOff x="387747" y="1368475"/>
-            <a:chExt cx="1872208" cy="1872208"/>
-          </a:xfrm>
-        </p:grpSpPr>
-        <p:sp>
-          <p:nvSpPr>
-            <p:cNvPr id="70" name="눈물 방울 69"/>
-            <p:cNvSpPr/>
-            <p:nvPr/>
-          </p:nvSpPr>
-          <p:spPr>
-            <a:xfrm rot="8100000">
-              <a:off x="387747" y="1368475"/>
-              <a:ext cx="1872208" cy="1872208"/>
-            </a:xfrm>
-            <a:prstGeom prst="teardrop">
-              <a:avLst>
-                <a:gd name="adj" fmla="val 112231"/>
-              </a:avLst>
-            </a:prstGeom>
-            <a:solidFill>
-              <a:schemeClr val="bg1">
-                <a:lumMod val="50000"/>
-              </a:schemeClr>
-            </a:solidFill>
-            <a:ln w="28575">
-              <a:solidFill>
-                <a:schemeClr val="tx1">
-                  <a:lumMod val="65000"/>
-                  <a:lumOff val="35000"/>
-                </a:schemeClr>
-              </a:solidFill>
-            </a:ln>
-          </p:spPr>
-          <p:style>
-            <a:lnRef idx="2">
-              <a:schemeClr val="accent1">
-                <a:shade val="50000"/>
-              </a:schemeClr>
-            </a:lnRef>
-            <a:fillRef idx="1">
-              <a:schemeClr val="accent1"/>
-            </a:fillRef>
-            <a:effectRef idx="0">
-              <a:schemeClr val="accent1"/>
-            </a:effectRef>
-            <a:fontRef idx="minor">
-              <a:schemeClr val="lt1"/>
-            </a:fontRef>
-          </p:style>
-          <p:txBody>
-            <a:bodyPr rtlCol="0" anchor="ctr"/>
-            <a:lstStyle/>
-            <a:p>
-              <a:pPr algn="ctr"/>
-              <a:endParaRPr lang="ko-KR" altLang="en-US"/>
-            </a:p>
-          </p:txBody>
-        </p:sp>
-        <p:sp>
-          <p:nvSpPr>
-            <p:cNvPr id="71" name="타원 70"/>
-            <p:cNvSpPr/>
-            <p:nvPr/>
-          </p:nvSpPr>
-          <p:spPr>
-            <a:xfrm>
-              <a:off x="520502" y="1484784"/>
-              <a:ext cx="1584176" cy="1584176"/>
-            </a:xfrm>
-            <a:prstGeom prst="ellipse">
-              <a:avLst/>
-            </a:prstGeom>
-            <a:solidFill>
-              <a:schemeClr val="bg1"/>
-            </a:solidFill>
-            <a:ln>
-              <a:noFill/>
-            </a:ln>
-            <a:effectLst>
-              <a:innerShdw blurRad="63500" dist="50800" dir="13500000">
-                <a:prstClr val="black">
-                  <a:alpha val="28000"/>
-                </a:prstClr>
-              </a:innerShdw>
-            </a:effectLst>
-          </p:spPr>
-          <p:style>
-            <a:lnRef idx="2">
-              <a:schemeClr val="accent1">
-                <a:shade val="50000"/>
-              </a:schemeClr>
-            </a:lnRef>
-            <a:fillRef idx="1">
-              <a:schemeClr val="accent1"/>
-            </a:fillRef>
-            <a:effectRef idx="0">
-              <a:schemeClr val="accent1"/>
-            </a:effectRef>
-            <a:fontRef idx="minor">
-              <a:schemeClr val="lt1"/>
-            </a:fontRef>
-          </p:style>
-          <p:txBody>
-            <a:bodyPr rtlCol="0" anchor="ctr"/>
-            <a:lstStyle/>
-            <a:p>
-              <a:pPr algn="ctr"/>
-              <a:endParaRPr lang="ko-KR" altLang="en-US"/>
-            </a:p>
-          </p:txBody>
-        </p:sp>
-      </p:grpSp>
-      <p:sp>
-        <p:nvSpPr>
-          <p:cNvPr id="72" name="Rectangle 96"/>
-          <p:cNvSpPr>
-            <a:spLocks noChangeArrowheads="1"/>
-          </p:cNvSpPr>
-          <p:nvPr/>
-        </p:nvSpPr>
-        <p:spPr bwMode="auto">
-          <a:xfrm>
-            <a:off x="6975133" y="2918647"/>
-            <a:ext cx="1800200" cy="707886"/>
-          </a:xfrm>
-          <a:prstGeom prst="rect">
-            <a:avLst/>
-          </a:prstGeom>
-          <a:noFill/>
-          <a:ln w="9525" algn="ctr">
-            <a:noFill/>
-            <a:miter lim="800000"/>
-            <a:headEnd/>
-            <a:tailEnd/>
-          </a:ln>
-        </p:spPr>
-        <p:txBody>
-          <a:bodyPr vert="horz" wrap="square" lIns="91440" tIns="45720" rIns="91440" bIns="45720" numCol="1" anchor="t" anchorCtr="0" compatLnSpc="1">
-            <a:prstTxWarp prst="textNoShape">
-              <a:avLst/>
-            </a:prstTxWarp>
-            <a:spAutoFit/>
-          </a:bodyPr>
-          <a:lstStyle/>
-          <a:p>
-            <a:pPr marL="0" marR="0" lvl="0" indent="0" algn="ctr" defTabSz="914400" rtl="0" eaLnBrk="1" fontAlgn="base" latinLnBrk="1" hangingPunct="1">
-              <a:lnSpc>
-                <a:spcPct val="100000"/>
-              </a:lnSpc>
-              <a:spcBef>
-                <a:spcPct val="0"/>
-              </a:spcBef>
-              <a:spcAft>
-                <a:spcPct val="0"/>
-              </a:spcAft>
-              <a:buClrTx/>
-              <a:buSzTx/>
-              <a:buFontTx/>
-              <a:buNone/>
-              <a:tabLst/>
-            </a:pPr>
-            <a:r>
-              <a:rPr kumimoji="1" lang="ko-KR" altLang="en-US" sz="2000" b="1" i="0" u="none" strike="noStrike" cap="none" normalizeH="0" baseline="0" dirty="0">
-                <a:ln>
-                  <a:noFill/>
-                </a:ln>
-                <a:solidFill>
-                  <a:schemeClr val="tx1">
-                    <a:lumMod val="75000"/>
-                    <a:lumOff val="25000"/>
-                  </a:schemeClr>
-                </a:solidFill>
+          <a:p>
+            <a:r>
+              <a:rPr lang="ko-KR" altLang="en-US" sz="1200" dirty="0">
+                <a:latin typeface="210 M고딕 040" panose="02020603020101020101" pitchFamily="18" charset="-127"/>
+                <a:ea typeface="210 M고딕 040" panose="02020603020101020101" pitchFamily="18" charset="-127"/>
+                <a:cs typeface="Arial" pitchFamily="34" charset="0"/>
+              </a:rPr>
+              <a:t>화면 구성 설계서</a:t>
+            </a:r>
+            <a:endParaRPr lang="en-US" altLang="ko-KR" sz="1200" dirty="0">
+              <a:latin typeface="210 M고딕 040" panose="02020603020101020101" pitchFamily="18" charset="-127"/>
+              <a:ea typeface="210 M고딕 040" panose="02020603020101020101" pitchFamily="18" charset="-127"/>
+              <a:cs typeface="Arial" pitchFamily="34" charset="0"/>
+            </a:endParaRPr>
+          </a:p>
+          <a:p>
+            <a:r>
+              <a:rPr lang="ko-KR" altLang="en-US" sz="1200" dirty="0">
                 <a:effectLst/>
-                <a:latin typeface="210 M고딕 060" panose="02020603020101020101" pitchFamily="18" charset="-127"/>
-                <a:ea typeface="210 M고딕 060" panose="02020603020101020101" pitchFamily="18" charset="-127"/>
-                <a:cs typeface="굴림" pitchFamily="50" charset="-127"/>
-              </a:rPr>
-              <a:t>테스트</a:t>
-            </a:r>
-            <a:br>
-              <a:rPr kumimoji="1" lang="en-US" altLang="ko-KR" sz="2000" b="1" i="0" u="none" strike="noStrike" cap="none" normalizeH="0" baseline="0" dirty="0">
-                <a:ln>
-                  <a:noFill/>
-                </a:ln>
-                <a:solidFill>
-                  <a:schemeClr val="tx1">
-                    <a:lumMod val="75000"/>
-                    <a:lumOff val="25000"/>
-                  </a:schemeClr>
-                </a:solidFill>
-                <a:effectLst/>
-                <a:latin typeface="210 M고딕 060" panose="02020603020101020101" pitchFamily="18" charset="-127"/>
-                <a:ea typeface="210 M고딕 060" panose="02020603020101020101" pitchFamily="18" charset="-127"/>
-                <a:cs typeface="굴림" pitchFamily="50" charset="-127"/>
-              </a:rPr>
-            </a:br>
-            <a:r>
-              <a:rPr kumimoji="1" lang="ko-KR" altLang="en-US" sz="2000" b="1" i="0" u="none" strike="noStrike" cap="none" normalizeH="0" baseline="0" dirty="0">
-                <a:ln>
-                  <a:noFill/>
-                </a:ln>
-                <a:solidFill>
-                  <a:schemeClr val="tx1">
-                    <a:lumMod val="75000"/>
-                    <a:lumOff val="25000"/>
-                  </a:schemeClr>
-                </a:solidFill>
-                <a:effectLst/>
-                <a:latin typeface="210 M고딕 060" panose="02020603020101020101" pitchFamily="18" charset="-127"/>
-                <a:ea typeface="210 M고딕 060" panose="02020603020101020101" pitchFamily="18" charset="-127"/>
-                <a:cs typeface="굴림" pitchFamily="50" charset="-127"/>
-              </a:rPr>
-              <a:t>운영</a:t>
-            </a:r>
-            <a:endParaRPr lang="en-US" altLang="ko-KR" sz="2800" b="0" noProof="1">
-              <a:solidFill>
-                <a:schemeClr val="tx1">
-                  <a:lumMod val="75000"/>
-                  <a:lumOff val="25000"/>
-                </a:schemeClr>
-              </a:solidFill>
-              <a:latin typeface="210 M고딕 060" panose="02020603020101020101" pitchFamily="18" charset="-127"/>
-              <a:ea typeface="210 M고딕 060" panose="02020603020101020101" pitchFamily="18" charset="-127"/>
-              <a:cs typeface="굴림" pitchFamily="50" charset="-127"/>
+                <a:latin typeface="210 M고딕 040" panose="02020603020101020101" pitchFamily="18" charset="-127"/>
+                <a:ea typeface="210 M고딕 040" panose="02020603020101020101" pitchFamily="18" charset="-127"/>
+                <a:cs typeface="Arial" pitchFamily="34" charset="0"/>
+              </a:rPr>
+              <a:t>프로세스별 플로우 차트</a:t>
+            </a:r>
+            <a:endParaRPr lang="en-US" altLang="ko-KR" sz="1200" dirty="0">
+              <a:effectLst/>
+              <a:latin typeface="210 M고딕 040" panose="02020603020101020101" pitchFamily="18" charset="-127"/>
+              <a:ea typeface="210 M고딕 040" panose="02020603020101020101" pitchFamily="18" charset="-127"/>
+              <a:cs typeface="Arial" pitchFamily="34" charset="0"/>
             </a:endParaRPr>
           </a:p>
-        </p:txBody>
-      </p:sp>
-      <p:sp>
-        <p:nvSpPr>
-          <p:cNvPr id="7" name="화살표: 아래로 구부러짐 6">
-            <a:extLst>
-              <a:ext uri="{FF2B5EF4-FFF2-40B4-BE49-F238E27FC236}">
-                <a16:creationId xmlns:a16="http://schemas.microsoft.com/office/drawing/2014/main" id="{27EFDF93-5573-42B4-8DA3-D6D9238B0470}"/>
-              </a:ext>
-            </a:extLst>
-          </p:cNvPr>
-          <p:cNvSpPr/>
-          <p:nvPr/>
-        </p:nvSpPr>
-        <p:spPr>
-          <a:xfrm>
-            <a:off x="3761611" y="1534105"/>
-            <a:ext cx="1725601" cy="707886"/>
-          </a:xfrm>
-          <a:prstGeom prst="curvedDownArrow">
-            <a:avLst/>
-          </a:prstGeom>
-          <a:solidFill>
-            <a:schemeClr val="tx2">
-              <a:lumMod val="20000"/>
-              <a:lumOff val="80000"/>
-            </a:schemeClr>
-          </a:solidFill>
-        </p:spPr>
-        <p:style>
-          <a:lnRef idx="2">
-            <a:schemeClr val="accent1">
-              <a:shade val="50000"/>
-            </a:schemeClr>
-          </a:lnRef>
-          <a:fillRef idx="1">
-            <a:schemeClr val="accent1"/>
-          </a:fillRef>
-          <a:effectRef idx="0">
-            <a:schemeClr val="accent1"/>
-          </a:effectRef>
-          <a:fontRef idx="minor">
-            <a:schemeClr val="lt1"/>
-          </a:fontRef>
-        </p:style>
-        <p:txBody>
-          <a:bodyPr rtlCol="0" anchor="ctr"/>
-          <a:lstStyle/>
-          <a:p>
-            <a:pPr algn="ctr"/>
-            <a:endParaRPr lang="ko-KR" altLang="en-US">
-              <a:solidFill>
-                <a:schemeClr val="tx1"/>
-              </a:solidFill>
-            </a:endParaRPr>
-          </a:p>
-        </p:txBody>
-      </p:sp>
-      <p:sp>
-        <p:nvSpPr>
-          <p:cNvPr id="9" name="화살표: 위로 구부러짐 8">
-            <a:extLst>
-              <a:ext uri="{FF2B5EF4-FFF2-40B4-BE49-F238E27FC236}">
-                <a16:creationId xmlns:a16="http://schemas.microsoft.com/office/drawing/2014/main" id="{CE11B847-5B6B-43DF-B61D-7D942604E0F5}"/>
-              </a:ext>
-            </a:extLst>
-          </p:cNvPr>
-          <p:cNvSpPr/>
-          <p:nvPr/>
-        </p:nvSpPr>
-        <p:spPr>
-          <a:xfrm flipH="1">
-            <a:off x="3743908" y="5254025"/>
-            <a:ext cx="1656184" cy="669622"/>
-          </a:xfrm>
-          <a:prstGeom prst="curvedUpArrow">
-            <a:avLst/>
-          </a:prstGeom>
-          <a:solidFill>
-            <a:schemeClr val="tx2">
-              <a:lumMod val="20000"/>
-              <a:lumOff val="80000"/>
-            </a:schemeClr>
-          </a:solidFill>
-        </p:spPr>
-        <p:style>
-          <a:lnRef idx="2">
-            <a:schemeClr val="accent1">
-              <a:shade val="50000"/>
-            </a:schemeClr>
-          </a:lnRef>
-          <a:fillRef idx="1">
-            <a:schemeClr val="accent1"/>
-          </a:fillRef>
-          <a:effectRef idx="0">
-            <a:schemeClr val="accent1"/>
-          </a:effectRef>
-          <a:fontRef idx="minor">
-            <a:schemeClr val="lt1"/>
-          </a:fontRef>
-        </p:style>
-        <p:txBody>
-          <a:bodyPr rtlCol="0" anchor="ctr"/>
-          <a:lstStyle/>
-          <a:p>
-            <a:pPr algn="ctr"/>
-            <a:endParaRPr lang="ko-KR" altLang="en-US">
-              <a:solidFill>
-                <a:schemeClr val="tx1"/>
-              </a:solidFill>
+          <a:p>
+            <a:r>
+              <a:rPr lang="ko-KR" altLang="en-US" sz="1200" dirty="0">
+                <a:latin typeface="210 M고딕 040" panose="02020603020101020101" pitchFamily="18" charset="-127"/>
+                <a:ea typeface="210 M고딕 040" panose="02020603020101020101" pitchFamily="18" charset="-127"/>
+                <a:cs typeface="Arial" pitchFamily="34" charset="0"/>
+              </a:rPr>
+              <a:t>데이터베이스 설계서</a:t>
+            </a:r>
+            <a:endParaRPr lang="ko-KR" altLang="en-US" sz="1200" dirty="0">
+              <a:effectLst/>
+              <a:latin typeface="210 M고딕 040" panose="02020603020101020101" pitchFamily="18" charset="-127"/>
+              <a:ea typeface="210 M고딕 040" panose="02020603020101020101" pitchFamily="18" charset="-127"/>
+              <a:cs typeface="Arial" pitchFamily="34" charset="0"/>
             </a:endParaRPr>
           </a:p>
         </p:txBody>
       </p:sp>
     </p:spTree>
+    <p:extLst>
+      <p:ext uri="{BB962C8B-B14F-4D97-AF65-F5344CB8AC3E}">
+        <p14:creationId xmlns:p14="http://schemas.microsoft.com/office/powerpoint/2010/main" val="1859772932"/>
+      </p:ext>
+    </p:extLst>
   </p:cSld>
   <p:clrMapOvr>
     <a:masterClrMapping/>
   </p:clrMapOvr>
-  <p:transition/>
 </p:sld>
 </file>
 
@@ -5358,10 +4133,10 @@
       </p:sp>
       <p:pic>
         <p:nvPicPr>
-          <p:cNvPr id="8" name="내용 개체 틀 7">
+          <p:cNvPr id="6" name="내용 개체 틀 5">
             <a:extLst>
               <a:ext uri="{FF2B5EF4-FFF2-40B4-BE49-F238E27FC236}">
-                <a16:creationId xmlns:a16="http://schemas.microsoft.com/office/drawing/2014/main" id="{F512607E-CE98-45F6-995D-BD1FB7D2777E}"/>
+                <a16:creationId xmlns:a16="http://schemas.microsoft.com/office/drawing/2014/main" id="{3617BB43-8C8E-4CC2-9945-7A1DFBFE5226}"/>
               </a:ext>
             </a:extLst>
           </p:cNvPr>
@@ -5386,8 +4161,8 @@
         </p:blipFill>
         <p:spPr>
           <a:xfrm>
-            <a:off x="1520320" y="1268413"/>
-            <a:ext cx="6103360" cy="4525962"/>
+            <a:off x="1522138" y="1268413"/>
+            <a:ext cx="6099724" cy="4525962"/>
           </a:xfrm>
         </p:spPr>
       </p:pic>
@@ -14082,7 +12857,7 @@
                 <a:ea typeface="나눔고딕" panose="020D0604000000000000" pitchFamily="50" charset="-127"/>
                 <a:cs typeface="Arial" pitchFamily="34" charset="0"/>
               </a:rPr>
-              <a:t>모든 리스크 관리 방법에는 지도교수님의 조언 참고 포함되어 있다</a:t>
+              <a:t>모든 리스크 관리 방법에는 지도교수님의 조언이 포함되어 있다</a:t>
             </a:r>
             <a:r>
               <a:rPr lang="en-US" altLang="ko-KR" sz="1600" dirty="0">
@@ -14134,23 +12909,7 @@
           <a:p>
             <a:r>
               <a:rPr lang="ko-KR" altLang="en-US" dirty="0"/>
-              <a:t>비용 산정 </a:t>
-            </a:r>
-            <a:r>
-              <a:rPr lang="en-US" altLang="ko-KR" dirty="0"/>
-              <a:t>– </a:t>
-            </a:r>
-            <a:r>
-              <a:rPr lang="ko-KR" altLang="en-US" dirty="0"/>
-              <a:t>기능점수</a:t>
-            </a:r>
-            <a:r>
-              <a:rPr lang="en-US" altLang="ko-KR" dirty="0"/>
-              <a:t>(FP) </a:t>
-            </a:r>
-            <a:r>
-              <a:rPr lang="ko-KR" altLang="en-US" dirty="0"/>
-              <a:t>방법</a:t>
+              <a:t>리스크 도출</a:t>
             </a:r>
           </a:p>
         </p:txBody>
@@ -14725,7 +13484,7 @@
             <p:ph sz="half" idx="1"/>
             <p:extLst>
               <p:ext uri="{D42A27DB-BD31-4B8C-83A1-F6EECF244321}">
-                <p14:modId xmlns:p14="http://schemas.microsoft.com/office/powerpoint/2010/main" val="3588083451"/>
+                <p14:modId xmlns:p14="http://schemas.microsoft.com/office/powerpoint/2010/main" val="1178544073"/>
               </p:ext>
             </p:extLst>
           </p:nvPr>
@@ -14875,7 +13634,20 @@
                           <a:latin typeface="나눔고딕" panose="020D0604000000000000" pitchFamily="50" charset="-127"/>
                           <a:ea typeface="나눔고딕" panose="020D0604000000000000" pitchFamily="50" charset="-127"/>
                         </a:rPr>
-                        <a:t>발생 가능성</a:t>
+                        <a:t>발생 </a:t>
+                      </a:r>
+                      <a:br>
+                        <a:rPr lang="en-US" altLang="ko-KR" dirty="0">
+                          <a:latin typeface="나눔고딕" panose="020D0604000000000000" pitchFamily="50" charset="-127"/>
+                          <a:ea typeface="나눔고딕" panose="020D0604000000000000" pitchFamily="50" charset="-127"/>
+                        </a:rPr>
+                      </a:br>
+                      <a:r>
+                        <a:rPr lang="ko-KR" altLang="en-US" dirty="0">
+                          <a:latin typeface="나눔고딕" panose="020D0604000000000000" pitchFamily="50" charset="-127"/>
+                          <a:ea typeface="나눔고딕" panose="020D0604000000000000" pitchFamily="50" charset="-127"/>
+                        </a:rPr>
+                        <a:t>가능성</a:t>
                       </a:r>
                     </a:p>
                   </a:txBody>
@@ -15078,7 +13850,7 @@
                           <a:latin typeface="나눔고딕" panose="020D0604000000000000" pitchFamily="50" charset="-127"/>
                           <a:ea typeface="나눔고딕" panose="020D0604000000000000" pitchFamily="50" charset="-127"/>
                         </a:rPr>
-                        <a:t>0.2</a:t>
+                        <a:t>0.3</a:t>
                       </a:r>
                       <a:endParaRPr lang="ko-KR" altLang="en-US" dirty="0">
                         <a:latin typeface="나눔고딕" panose="020D0604000000000000" pitchFamily="50" charset="-127"/>
@@ -15609,7 +14381,7 @@
                 <a:latin typeface="210 M고딕 030" panose="02020603020101020101" pitchFamily="18" charset="-127"/>
                 <a:ea typeface="210 M고딕 030" panose="02020603020101020101" pitchFamily="18" charset="-127"/>
               </a:rPr>
-              <a:t>P = (0.3 × 0.2) + (0.3 × 0.4) + (0.1 × 0.1) + (0.2 × 0.2) + (0.1 × 0.1) = 0.24</a:t>
+              <a:t>P = (0.3 × 0.2) + (0.3 × 0.4) + (0.1 × 0.1) + (0.3 × 0.2) + (0.1 × 0.1) = 0.26</a:t>
             </a:r>
           </a:p>
           <a:p>
@@ -15636,7 +14408,7 @@
                 <a:latin typeface="210 M고딕 030" panose="02020603020101020101" pitchFamily="18" charset="-127"/>
                 <a:ea typeface="210 M고딕 030" panose="02020603020101020101" pitchFamily="18" charset="-127"/>
               </a:rPr>
-              <a:t>Risk = P + C – (P × C) = 0.4984</a:t>
+              <a:t>Risk = P + C – (P × C) = 0.5116</a:t>
             </a:r>
             <a:endParaRPr lang="ko-KR" altLang="en-US" dirty="0">
               <a:latin typeface="210 M고딕 030" panose="02020603020101020101" pitchFamily="18" charset="-127"/>
@@ -15713,7 +14485,7 @@
             <p:ph sz="half" idx="1"/>
             <p:extLst>
               <p:ext uri="{D42A27DB-BD31-4B8C-83A1-F6EECF244321}">
-                <p14:modId xmlns:p14="http://schemas.microsoft.com/office/powerpoint/2010/main" val="2629474985"/>
+                <p14:modId xmlns:p14="http://schemas.microsoft.com/office/powerpoint/2010/main" val="2724873782"/>
               </p:ext>
             </p:extLst>
           </p:nvPr>
@@ -15863,7 +14635,20 @@
                           <a:latin typeface="나눔고딕" panose="020D0604000000000000" pitchFamily="50" charset="-127"/>
                           <a:ea typeface="나눔고딕" panose="020D0604000000000000" pitchFamily="50" charset="-127"/>
                         </a:rPr>
-                        <a:t>발생 가능성</a:t>
+                        <a:t>발생 </a:t>
+                      </a:r>
+                      <a:br>
+                        <a:rPr lang="en-US" altLang="ko-KR" dirty="0">
+                          <a:latin typeface="나눔고딕" panose="020D0604000000000000" pitchFamily="50" charset="-127"/>
+                          <a:ea typeface="나눔고딕" panose="020D0604000000000000" pitchFamily="50" charset="-127"/>
+                        </a:rPr>
+                      </a:br>
+                      <a:r>
+                        <a:rPr lang="ko-KR" altLang="en-US" dirty="0">
+                          <a:latin typeface="나눔고딕" panose="020D0604000000000000" pitchFamily="50" charset="-127"/>
+                          <a:ea typeface="나눔고딕" panose="020D0604000000000000" pitchFamily="50" charset="-127"/>
+                        </a:rPr>
+                        <a:t>가능성</a:t>
                       </a:r>
                     </a:p>
                   </a:txBody>
@@ -16701,7 +15486,7 @@
             <p:ph sz="half" idx="1"/>
             <p:extLst>
               <p:ext uri="{D42A27DB-BD31-4B8C-83A1-F6EECF244321}">
-                <p14:modId xmlns:p14="http://schemas.microsoft.com/office/powerpoint/2010/main" val="1554137541"/>
+                <p14:modId xmlns:p14="http://schemas.microsoft.com/office/powerpoint/2010/main" val="1627505175"/>
               </p:ext>
             </p:extLst>
           </p:nvPr>
@@ -16865,7 +15650,20 @@
                           <a:latin typeface="나눔고딕" panose="020D0604000000000000" pitchFamily="50" charset="-127"/>
                           <a:ea typeface="나눔고딕" panose="020D0604000000000000" pitchFamily="50" charset="-127"/>
                         </a:rPr>
-                        <a:t>발생 가능성</a:t>
+                        <a:t>발생 </a:t>
+                      </a:r>
+                      <a:br>
+                        <a:rPr lang="en-US" altLang="ko-KR" dirty="0">
+                          <a:latin typeface="나눔고딕" panose="020D0604000000000000" pitchFamily="50" charset="-127"/>
+                          <a:ea typeface="나눔고딕" panose="020D0604000000000000" pitchFamily="50" charset="-127"/>
+                        </a:rPr>
+                      </a:br>
+                      <a:r>
+                        <a:rPr lang="ko-KR" altLang="en-US" dirty="0">
+                          <a:latin typeface="나눔고딕" panose="020D0604000000000000" pitchFamily="50" charset="-127"/>
+                          <a:ea typeface="나눔고딕" panose="020D0604000000000000" pitchFamily="50" charset="-127"/>
+                        </a:rPr>
+                        <a:t>가능성</a:t>
                       </a:r>
                     </a:p>
                   </a:txBody>
@@ -17703,7 +16501,7 @@
             <p:ph sz="half" idx="1"/>
             <p:extLst>
               <p:ext uri="{D42A27DB-BD31-4B8C-83A1-F6EECF244321}">
-                <p14:modId xmlns:p14="http://schemas.microsoft.com/office/powerpoint/2010/main" val="4158862340"/>
+                <p14:modId xmlns:p14="http://schemas.microsoft.com/office/powerpoint/2010/main" val="3803436786"/>
               </p:ext>
             </p:extLst>
           </p:nvPr>
@@ -17853,7 +16651,20 @@
                           <a:latin typeface="나눔고딕" panose="020D0604000000000000" pitchFamily="50" charset="-127"/>
                           <a:ea typeface="나눔고딕" panose="020D0604000000000000" pitchFamily="50" charset="-127"/>
                         </a:rPr>
-                        <a:t>발생 가능성</a:t>
+                        <a:t>발생 </a:t>
+                      </a:r>
+                      <a:br>
+                        <a:rPr lang="en-US" altLang="ko-KR" dirty="0">
+                          <a:latin typeface="나눔고딕" panose="020D0604000000000000" pitchFamily="50" charset="-127"/>
+                          <a:ea typeface="나눔고딕" panose="020D0604000000000000" pitchFamily="50" charset="-127"/>
+                        </a:rPr>
+                      </a:br>
+                      <a:r>
+                        <a:rPr lang="ko-KR" altLang="en-US" dirty="0">
+                          <a:latin typeface="나눔고딕" panose="020D0604000000000000" pitchFamily="50" charset="-127"/>
+                          <a:ea typeface="나눔고딕" panose="020D0604000000000000" pitchFamily="50" charset="-127"/>
+                        </a:rPr>
+                        <a:t>가능성</a:t>
                       </a:r>
                     </a:p>
                   </a:txBody>
@@ -18672,7 +17483,7 @@
           <a:p>
             <a:r>
               <a:rPr lang="ko-KR" altLang="en-US" dirty="0"/>
-              <a:t>화면 구성 설계도 </a:t>
+              <a:t>화면 구성 설계 </a:t>
             </a:r>
             <a:r>
               <a:rPr lang="en-US" altLang="ko-KR" dirty="0"/>
@@ -18825,7 +17636,7 @@
           <a:p>
             <a:r>
               <a:rPr lang="ko-KR" altLang="en-US" dirty="0"/>
-              <a:t>화면 구성 설계도 </a:t>
+              <a:t>화면 구성 설계 </a:t>
             </a:r>
             <a:r>
               <a:rPr lang="en-US" altLang="ko-KR" dirty="0"/>
@@ -19406,7 +18217,7 @@
                 <a:ea typeface="나눔고딕 ExtraBold" panose="020D0904000000000000" pitchFamily="50" charset="-127"/>
                 <a:cs typeface="Arial" pitchFamily="34" charset="0"/>
               </a:rPr>
-              <a:t>기업 찾기 흐름</a:t>
+              <a:t>관심 기업 보기 흐름</a:t>
             </a:r>
             <a:br>
               <a:rPr lang="en-US" altLang="ko-KR" b="1" dirty="0">
@@ -19668,62 +18479,6 @@
       </p:grpSpPr>
       <p:sp>
         <p:nvSpPr>
-          <p:cNvPr id="5" name="TextBox 4"/>
-          <p:cNvSpPr txBox="1"/>
-          <p:nvPr/>
-        </p:nvSpPr>
-        <p:spPr>
-          <a:xfrm>
-            <a:off x="827584" y="5446965"/>
-            <a:ext cx="7271991" cy="646331"/>
-          </a:xfrm>
-          <a:prstGeom prst="rect">
-            <a:avLst/>
-          </a:prstGeom>
-          <a:noFill/>
-        </p:spPr>
-        <p:txBody>
-          <a:bodyPr wrap="none" rtlCol="0">
-            <a:spAutoFit/>
-          </a:bodyPr>
-          <a:lstStyle/>
-          <a:p>
-            <a:pPr algn="ctr"/>
-            <a:r>
-              <a:rPr lang="ko-KR" altLang="ko-KR" b="1" i="1" dirty="0">
-                <a:solidFill>
-                  <a:srgbClr val="168CB3"/>
-                </a:solidFill>
-                <a:latin typeface="Arial" pitchFamily="34" charset="0"/>
-                <a:cs typeface="Arial" pitchFamily="34" charset="0"/>
-              </a:rPr>
-              <a:t>“ PPT WORLD PowerPoint template, you can become an expert.</a:t>
-            </a:r>
-          </a:p>
-          <a:p>
-            <a:pPr algn="ctr"/>
-            <a:r>
-              <a:rPr lang="en-US" altLang="ko-KR" b="1" i="1" dirty="0">
-                <a:solidFill>
-                  <a:srgbClr val="168CB3"/>
-                </a:solidFill>
-                <a:latin typeface="Arial" pitchFamily="34" charset="0"/>
-                <a:cs typeface="Arial" pitchFamily="34" charset="0"/>
-              </a:rPr>
-              <a:t>Your wishes for the successful presentation.”</a:t>
-            </a:r>
-            <a:endParaRPr lang="ko-KR" altLang="ko-KR" dirty="0">
-              <a:solidFill>
-                <a:srgbClr val="168CB3"/>
-              </a:solidFill>
-              <a:latin typeface="Arial" pitchFamily="34" charset="0"/>
-              <a:cs typeface="Arial" pitchFamily="34" charset="0"/>
-            </a:endParaRPr>
-          </a:p>
-        </p:txBody>
-      </p:sp>
-      <p:sp>
-        <p:nvSpPr>
           <p:cNvPr id="7" name="제목 6"/>
           <p:cNvSpPr>
             <a:spLocks noGrp="1"/>
@@ -19760,12 +18515,421 @@
             <p:ph idx="1"/>
           </p:nvPr>
         </p:nvSpPr>
-        <p:spPr/>
+        <p:spPr>
+          <a:xfrm>
+            <a:off x="251520" y="1340768"/>
+            <a:ext cx="4057728" cy="5256584"/>
+          </a:xfrm>
+        </p:spPr>
         <p:txBody>
-          <a:bodyPr/>
+          <a:bodyPr>
+            <a:noAutofit/>
+          </a:bodyPr>
           <a:lstStyle/>
           <a:p>
-            <a:endParaRPr lang="ko-KR" altLang="en-US"/>
+            <a:pPr>
+              <a:lnSpc>
+                <a:spcPct val="150000"/>
+              </a:lnSpc>
+              <a:buFont typeface="+mj-lt"/>
+              <a:buAutoNum type="arabicPeriod"/>
+            </a:pPr>
+            <a:r>
+              <a:rPr lang="en-US" altLang="ko-KR" sz="1600" dirty="0">
+                <a:latin typeface="나눔고딕" panose="020D0604000000000000" pitchFamily="50" charset="-127"/>
+                <a:ea typeface="나눔고딕" panose="020D0604000000000000" pitchFamily="50" charset="-127"/>
+              </a:rPr>
+              <a:t>Member schema : </a:t>
+            </a:r>
+          </a:p>
+          <a:p>
+            <a:pPr marL="800100" lvl="1" indent="-342900">
+              <a:lnSpc>
+                <a:spcPct val="150000"/>
+              </a:lnSpc>
+              <a:buFont typeface="+mj-lt"/>
+              <a:buAutoNum type="arabicPeriod"/>
+            </a:pPr>
+            <a:r>
+              <a:rPr lang="ko-KR" altLang="en-US" sz="1600" dirty="0">
+                <a:latin typeface="나눔고딕" panose="020D0604000000000000" pitchFamily="50" charset="-127"/>
+                <a:ea typeface="나눔고딕" panose="020D0604000000000000" pitchFamily="50" charset="-127"/>
+              </a:rPr>
+              <a:t>웹서비스에서 회원 정보를 </a:t>
+            </a:r>
+            <a:br>
+              <a:rPr lang="en-US" altLang="ko-KR" sz="1600" dirty="0">
+                <a:latin typeface="나눔고딕" panose="020D0604000000000000" pitchFamily="50" charset="-127"/>
+                <a:ea typeface="나눔고딕" panose="020D0604000000000000" pitchFamily="50" charset="-127"/>
+              </a:rPr>
+            </a:br>
+            <a:r>
+              <a:rPr lang="ko-KR" altLang="en-US" sz="1600" dirty="0">
+                <a:latin typeface="나눔고딕" panose="020D0604000000000000" pitchFamily="50" charset="-127"/>
+                <a:ea typeface="나눔고딕" panose="020D0604000000000000" pitchFamily="50" charset="-127"/>
+              </a:rPr>
+              <a:t>관리하거나 저장하는 </a:t>
+            </a:r>
+            <a:r>
+              <a:rPr lang="en-US" altLang="ko-KR" sz="1600" dirty="0">
+                <a:latin typeface="나눔고딕" panose="020D0604000000000000" pitchFamily="50" charset="-127"/>
+                <a:ea typeface="나눔고딕" panose="020D0604000000000000" pitchFamily="50" charset="-127"/>
+              </a:rPr>
+              <a:t>DB</a:t>
+            </a:r>
+          </a:p>
+          <a:p>
+            <a:pPr marL="800100" lvl="1" indent="-342900">
+              <a:lnSpc>
+                <a:spcPct val="150000"/>
+              </a:lnSpc>
+              <a:buFont typeface="+mj-lt"/>
+              <a:buAutoNum type="arabicPeriod"/>
+            </a:pPr>
+            <a:r>
+              <a:rPr lang="ko-KR" altLang="en-US" sz="1600" dirty="0">
+                <a:latin typeface="나눔고딕" panose="020D0604000000000000" pitchFamily="50" charset="-127"/>
+                <a:ea typeface="나눔고딕" panose="020D0604000000000000" pitchFamily="50" charset="-127"/>
+              </a:rPr>
+              <a:t>회원이 기업을 스크랩하거나 검색한 기업을 데이터로 저장한다</a:t>
+            </a:r>
+            <a:r>
+              <a:rPr lang="en-US" altLang="ko-KR" sz="1600" dirty="0">
+                <a:latin typeface="나눔고딕" panose="020D0604000000000000" pitchFamily="50" charset="-127"/>
+                <a:ea typeface="나눔고딕" panose="020D0604000000000000" pitchFamily="50" charset="-127"/>
+              </a:rPr>
+              <a:t>.</a:t>
+            </a:r>
+          </a:p>
+          <a:p>
+            <a:pPr marL="800100" lvl="1" indent="-342900">
+              <a:lnSpc>
+                <a:spcPct val="150000"/>
+              </a:lnSpc>
+              <a:buFont typeface="+mj-lt"/>
+              <a:buAutoNum type="arabicPeriod"/>
+            </a:pPr>
+            <a:r>
+              <a:rPr lang="ko-KR" altLang="en-US" sz="1600" dirty="0">
+                <a:latin typeface="나눔고딕" panose="020D0604000000000000" pitchFamily="50" charset="-127"/>
+                <a:ea typeface="나눔고딕" panose="020D0604000000000000" pitchFamily="50" charset="-127"/>
+              </a:rPr>
+              <a:t>각 테이블들은 </a:t>
+            </a:r>
+            <a:r>
+              <a:rPr lang="en-US" altLang="ko-KR" sz="1600" dirty="0">
+                <a:latin typeface="나눔고딕" panose="020D0604000000000000" pitchFamily="50" charset="-127"/>
+                <a:ea typeface="나눔고딕" panose="020D0604000000000000" pitchFamily="50" charset="-127"/>
+              </a:rPr>
+              <a:t>members</a:t>
+            </a:r>
+            <a:r>
+              <a:rPr lang="ko-KR" altLang="en-US" sz="1600" dirty="0">
+                <a:latin typeface="나눔고딕" panose="020D0604000000000000" pitchFamily="50" charset="-127"/>
+                <a:ea typeface="나눔고딕" panose="020D0604000000000000" pitchFamily="50" charset="-127"/>
+              </a:rPr>
+              <a:t>의 </a:t>
+            </a:r>
+            <a:r>
+              <a:rPr lang="en-US" altLang="ko-KR" sz="1600" dirty="0">
+                <a:latin typeface="나눔고딕" panose="020D0604000000000000" pitchFamily="50" charset="-127"/>
+                <a:ea typeface="나눔고딕" panose="020D0604000000000000" pitchFamily="50" charset="-127"/>
+              </a:rPr>
+              <a:t>id</a:t>
+            </a:r>
+            <a:r>
+              <a:rPr lang="ko-KR" altLang="en-US" sz="1600" dirty="0">
+                <a:latin typeface="나눔고딕" panose="020D0604000000000000" pitchFamily="50" charset="-127"/>
+                <a:ea typeface="나눔고딕" panose="020D0604000000000000" pitchFamily="50" charset="-127"/>
+              </a:rPr>
+              <a:t>를 </a:t>
+            </a:r>
+            <a:br>
+              <a:rPr lang="en-US" altLang="ko-KR" sz="1600" dirty="0">
+                <a:latin typeface="나눔고딕" panose="020D0604000000000000" pitchFamily="50" charset="-127"/>
+                <a:ea typeface="나눔고딕" panose="020D0604000000000000" pitchFamily="50" charset="-127"/>
+              </a:rPr>
+            </a:br>
+            <a:r>
+              <a:rPr lang="ko-KR" altLang="en-US" sz="1600" dirty="0">
+                <a:latin typeface="나눔고딕" panose="020D0604000000000000" pitchFamily="50" charset="-127"/>
+                <a:ea typeface="나눔고딕" panose="020D0604000000000000" pitchFamily="50" charset="-127"/>
+              </a:rPr>
+              <a:t>참조</a:t>
+            </a:r>
+            <a:r>
+              <a:rPr lang="en-US" altLang="ko-KR" sz="1600" dirty="0">
+                <a:latin typeface="나눔고딕" panose="020D0604000000000000" pitchFamily="50" charset="-127"/>
+                <a:ea typeface="나눔고딕" panose="020D0604000000000000" pitchFamily="50" charset="-127"/>
+              </a:rPr>
+              <a:t>(reference)</a:t>
+            </a:r>
+            <a:r>
+              <a:rPr lang="ko-KR" altLang="en-US" sz="1600" dirty="0">
+                <a:latin typeface="나눔고딕" panose="020D0604000000000000" pitchFamily="50" charset="-127"/>
+                <a:ea typeface="나눔고딕" panose="020D0604000000000000" pitchFamily="50" charset="-127"/>
+              </a:rPr>
+              <a:t>한다</a:t>
+            </a:r>
+            <a:r>
+              <a:rPr lang="en-US" altLang="ko-KR" sz="1600" dirty="0">
+                <a:latin typeface="나눔고딕" panose="020D0604000000000000" pitchFamily="50" charset="-127"/>
+                <a:ea typeface="나눔고딕" panose="020D0604000000000000" pitchFamily="50" charset="-127"/>
+              </a:rPr>
+              <a:t>.</a:t>
+            </a:r>
+          </a:p>
+          <a:p>
+            <a:pPr marL="800100" lvl="1" indent="-342900">
+              <a:lnSpc>
+                <a:spcPct val="150000"/>
+              </a:lnSpc>
+              <a:buFont typeface="+mj-lt"/>
+              <a:buAutoNum type="arabicPeriod"/>
+            </a:pPr>
+            <a:endParaRPr lang="en-US" altLang="ko-KR" sz="1600" dirty="0">
+              <a:latin typeface="나눔고딕" panose="020D0604000000000000" pitchFamily="50" charset="-127"/>
+              <a:ea typeface="나눔고딕" panose="020D0604000000000000" pitchFamily="50" charset="-127"/>
+            </a:endParaRPr>
+          </a:p>
+          <a:p>
+            <a:pPr>
+              <a:lnSpc>
+                <a:spcPct val="150000"/>
+              </a:lnSpc>
+              <a:buFont typeface="+mj-lt"/>
+              <a:buAutoNum type="arabicPeriod"/>
+            </a:pPr>
+            <a:r>
+              <a:rPr lang="en-US" altLang="ko-KR" sz="1600" dirty="0">
+                <a:latin typeface="나눔고딕" panose="020D0604000000000000" pitchFamily="50" charset="-127"/>
+                <a:ea typeface="나눔고딕" panose="020D0604000000000000" pitchFamily="50" charset="-127"/>
+              </a:rPr>
+              <a:t>Community schema : </a:t>
+            </a:r>
+          </a:p>
+          <a:p>
+            <a:pPr marL="800100" lvl="1" indent="-342900">
+              <a:lnSpc>
+                <a:spcPct val="150000"/>
+              </a:lnSpc>
+              <a:buFont typeface="+mj-lt"/>
+              <a:buAutoNum type="arabicPeriod"/>
+            </a:pPr>
+            <a:r>
+              <a:rPr lang="ko-KR" altLang="en-US" sz="1600" dirty="0">
+                <a:latin typeface="나눔고딕" panose="020D0604000000000000" pitchFamily="50" charset="-127"/>
+                <a:ea typeface="나눔고딕" panose="020D0604000000000000" pitchFamily="50" charset="-127"/>
+              </a:rPr>
+              <a:t>게시판 서비스의 정보를 </a:t>
+            </a:r>
+            <a:br>
+              <a:rPr lang="en-US" altLang="ko-KR" sz="1600" dirty="0">
+                <a:latin typeface="나눔고딕" panose="020D0604000000000000" pitchFamily="50" charset="-127"/>
+                <a:ea typeface="나눔고딕" panose="020D0604000000000000" pitchFamily="50" charset="-127"/>
+              </a:rPr>
+            </a:br>
+            <a:r>
+              <a:rPr lang="ko-KR" altLang="en-US" sz="1600" dirty="0">
+                <a:latin typeface="나눔고딕" panose="020D0604000000000000" pitchFamily="50" charset="-127"/>
+                <a:ea typeface="나눔고딕" panose="020D0604000000000000" pitchFamily="50" charset="-127"/>
+              </a:rPr>
+              <a:t>저장하는 </a:t>
+            </a:r>
+            <a:r>
+              <a:rPr lang="en-US" altLang="ko-KR" sz="1600" dirty="0">
+                <a:latin typeface="나눔고딕" panose="020D0604000000000000" pitchFamily="50" charset="-127"/>
+                <a:ea typeface="나눔고딕" panose="020D0604000000000000" pitchFamily="50" charset="-127"/>
+              </a:rPr>
+              <a:t>DB</a:t>
+            </a:r>
+            <a:r>
+              <a:rPr lang="ko-KR" altLang="en-US" sz="1600" dirty="0">
+                <a:latin typeface="나눔고딕" panose="020D0604000000000000" pitchFamily="50" charset="-127"/>
+                <a:ea typeface="나눔고딕" panose="020D0604000000000000" pitchFamily="50" charset="-127"/>
+              </a:rPr>
+              <a:t> </a:t>
+            </a:r>
+            <a:endParaRPr lang="en-US" altLang="ko-KR" sz="1600" dirty="0">
+              <a:latin typeface="나눔고딕" panose="020D0604000000000000" pitchFamily="50" charset="-127"/>
+              <a:ea typeface="나눔고딕" panose="020D0604000000000000" pitchFamily="50" charset="-127"/>
+            </a:endParaRPr>
+          </a:p>
+          <a:p>
+            <a:pPr marL="800100" lvl="1" indent="-342900">
+              <a:lnSpc>
+                <a:spcPct val="150000"/>
+              </a:lnSpc>
+              <a:buFont typeface="+mj-lt"/>
+              <a:buAutoNum type="arabicPeriod"/>
+            </a:pPr>
+            <a:r>
+              <a:rPr lang="en-US" altLang="ko-KR" sz="1600" dirty="0" err="1">
+                <a:latin typeface="나눔고딕" panose="020D0604000000000000" pitchFamily="50" charset="-127"/>
+                <a:ea typeface="나눔고딕" panose="020D0604000000000000" pitchFamily="50" charset="-127"/>
+              </a:rPr>
+              <a:t>Member.members</a:t>
+            </a:r>
+            <a:r>
+              <a:rPr lang="ko-KR" altLang="en-US" sz="1600" dirty="0">
+                <a:latin typeface="나눔고딕" panose="020D0604000000000000" pitchFamily="50" charset="-127"/>
+                <a:ea typeface="나눔고딕" panose="020D0604000000000000" pitchFamily="50" charset="-127"/>
+              </a:rPr>
+              <a:t>의 </a:t>
+            </a:r>
+            <a:r>
+              <a:rPr lang="en-US" altLang="ko-KR" sz="1600" dirty="0">
+                <a:latin typeface="나눔고딕" panose="020D0604000000000000" pitchFamily="50" charset="-127"/>
+                <a:ea typeface="나눔고딕" panose="020D0604000000000000" pitchFamily="50" charset="-127"/>
+              </a:rPr>
+              <a:t>id</a:t>
+            </a:r>
+            <a:r>
+              <a:rPr lang="ko-KR" altLang="en-US" sz="1600" dirty="0">
+                <a:latin typeface="나눔고딕" panose="020D0604000000000000" pitchFamily="50" charset="-127"/>
+                <a:ea typeface="나눔고딕" panose="020D0604000000000000" pitchFamily="50" charset="-127"/>
+              </a:rPr>
+              <a:t>를 </a:t>
+            </a:r>
+            <a:br>
+              <a:rPr lang="en-US" altLang="ko-KR" sz="1600" dirty="0">
+                <a:latin typeface="나눔고딕" panose="020D0604000000000000" pitchFamily="50" charset="-127"/>
+                <a:ea typeface="나눔고딕" panose="020D0604000000000000" pitchFamily="50" charset="-127"/>
+              </a:rPr>
+            </a:br>
+            <a:r>
+              <a:rPr lang="ko-KR" altLang="en-US" sz="1600" dirty="0">
+                <a:latin typeface="나눔고딕" panose="020D0604000000000000" pitchFamily="50" charset="-127"/>
+                <a:ea typeface="나눔고딕" panose="020D0604000000000000" pitchFamily="50" charset="-127"/>
+              </a:rPr>
+              <a:t>참조한다</a:t>
+            </a:r>
+            <a:r>
+              <a:rPr lang="en-US" altLang="ko-KR" sz="1600" dirty="0">
+                <a:latin typeface="나눔고딕" panose="020D0604000000000000" pitchFamily="50" charset="-127"/>
+                <a:ea typeface="나눔고딕" panose="020D0604000000000000" pitchFamily="50" charset="-127"/>
+              </a:rPr>
+              <a:t>.</a:t>
+            </a:r>
+          </a:p>
+        </p:txBody>
+      </p:sp>
+      <p:pic>
+        <p:nvPicPr>
+          <p:cNvPr id="6" name="그림 5" descr="텍스트, 실내, 스크린샷이(가) 표시된 사진&#10;&#10;자동 생성된 설명">
+            <a:extLst>
+              <a:ext uri="{FF2B5EF4-FFF2-40B4-BE49-F238E27FC236}">
+                <a16:creationId xmlns:a16="http://schemas.microsoft.com/office/drawing/2014/main" id="{D11614B6-7477-4A78-9314-661728740B36}"/>
+              </a:ext>
+            </a:extLst>
+          </p:cNvPr>
+          <p:cNvPicPr>
+            <a:picLocks noChangeAspect="1"/>
+          </p:cNvPicPr>
+          <p:nvPr/>
+        </p:nvPicPr>
+        <p:blipFill rotWithShape="1">
+          <a:blip r:embed="rId2">
+            <a:extLst>
+              <a:ext uri="{28A0092B-C50C-407E-A947-70E740481C1C}">
+                <a14:useLocalDpi xmlns:a14="http://schemas.microsoft.com/office/drawing/2010/main" val="0"/>
+              </a:ext>
+            </a:extLst>
+          </a:blip>
+          <a:srcRect t="1107" r="52931" b="18466"/>
+          <a:stretch/>
+        </p:blipFill>
+        <p:spPr>
+          <a:xfrm>
+            <a:off x="4467096" y="1776598"/>
+            <a:ext cx="4264248" cy="3600400"/>
+          </a:xfrm>
+          <a:prstGeom prst="rect">
+            <a:avLst/>
+          </a:prstGeom>
+        </p:spPr>
+      </p:pic>
+      <p:sp>
+        <p:nvSpPr>
+          <p:cNvPr id="8" name="TextBox 7">
+            <a:extLst>
+              <a:ext uri="{FF2B5EF4-FFF2-40B4-BE49-F238E27FC236}">
+                <a16:creationId xmlns:a16="http://schemas.microsoft.com/office/drawing/2014/main" id="{AB3AAA29-1E10-4208-A5E2-F43BE174A334}"/>
+              </a:ext>
+            </a:extLst>
+          </p:cNvPr>
+          <p:cNvSpPr txBox="1"/>
+          <p:nvPr/>
+        </p:nvSpPr>
+        <p:spPr>
+          <a:xfrm>
+            <a:off x="4554831" y="5517232"/>
+            <a:ext cx="3935693" cy="369332"/>
+          </a:xfrm>
+          <a:prstGeom prst="rect">
+            <a:avLst/>
+          </a:prstGeom>
+          <a:noFill/>
+        </p:spPr>
+        <p:txBody>
+          <a:bodyPr wrap="none" rtlCol="0">
+            <a:spAutoFit/>
+          </a:bodyPr>
+          <a:lstStyle/>
+          <a:p>
+            <a:pPr algn="ctr"/>
+            <a:r>
+              <a:rPr lang="ko-KR" altLang="en-US" b="1" i="1" dirty="0">
+                <a:solidFill>
+                  <a:srgbClr val="168CB3"/>
+                </a:solidFill>
+                <a:latin typeface="나눔고딕 ExtraBold" panose="020D0904000000000000" pitchFamily="50" charset="-127"/>
+                <a:ea typeface="나눔고딕 ExtraBold" panose="020D0904000000000000" pitchFamily="50" charset="-127"/>
+                <a:cs typeface="Arial" pitchFamily="34" charset="0"/>
+              </a:rPr>
+              <a:t>▲ </a:t>
+            </a:r>
+            <a:r>
+              <a:rPr lang="en-US" altLang="ko-KR" b="1" i="1" dirty="0">
+                <a:solidFill>
+                  <a:srgbClr val="168CB3"/>
+                </a:solidFill>
+                <a:latin typeface="나눔고딕 ExtraBold" panose="020D0904000000000000" pitchFamily="50" charset="-127"/>
+                <a:ea typeface="나눔고딕 ExtraBold" panose="020D0904000000000000" pitchFamily="50" charset="-127"/>
+                <a:cs typeface="Arial" pitchFamily="34" charset="0"/>
+              </a:rPr>
+              <a:t>DB</a:t>
+            </a:r>
+            <a:r>
+              <a:rPr lang="ko-KR" altLang="en-US" b="1" i="1" dirty="0">
+                <a:solidFill>
+                  <a:srgbClr val="168CB3"/>
+                </a:solidFill>
+                <a:latin typeface="나눔고딕 ExtraBold" panose="020D0904000000000000" pitchFamily="50" charset="-127"/>
+                <a:ea typeface="나눔고딕 ExtraBold" panose="020D0904000000000000" pitchFamily="50" charset="-127"/>
+                <a:cs typeface="Arial" pitchFamily="34" charset="0"/>
+              </a:rPr>
+              <a:t> 설계서</a:t>
+            </a:r>
+            <a:r>
+              <a:rPr lang="en-US" altLang="ko-KR" b="1" i="1" dirty="0">
+                <a:solidFill>
+                  <a:srgbClr val="168CB3"/>
+                </a:solidFill>
+                <a:latin typeface="나눔고딕 ExtraBold" panose="020D0904000000000000" pitchFamily="50" charset="-127"/>
+                <a:ea typeface="나눔고딕 ExtraBold" panose="020D0904000000000000" pitchFamily="50" charset="-127"/>
+                <a:cs typeface="Arial" pitchFamily="34" charset="0"/>
+              </a:rPr>
+              <a:t>(Member, Community)</a:t>
+            </a:r>
+            <a:endParaRPr lang="ko-KR" altLang="ko-KR" dirty="0">
+              <a:solidFill>
+                <a:srgbClr val="168CB3"/>
+              </a:solidFill>
+              <a:latin typeface="나눔고딕 ExtraBold" panose="020D0904000000000000" pitchFamily="50" charset="-127"/>
+              <a:ea typeface="나눔고딕 ExtraBold" panose="020D0904000000000000" pitchFamily="50" charset="-127"/>
+              <a:cs typeface="Arial" pitchFamily="34" charset="0"/>
+            </a:endParaRPr>
           </a:p>
         </p:txBody>
       </p:sp>
@@ -19783,6 +18947,499 @@
 </file>
 
 <file path=ppt/slides/slide33.xml><?xml version="1.0" encoding="utf-8"?>
+<p:sld xmlns:a="http://schemas.openxmlformats.org/drawingml/2006/main" xmlns:r="http://schemas.openxmlformats.org/officeDocument/2006/relationships" xmlns:p="http://schemas.openxmlformats.org/presentationml/2006/main">
+  <p:cSld>
+    <p:spTree>
+      <p:nvGrpSpPr>
+        <p:cNvPr id="1" name=""/>
+        <p:cNvGrpSpPr/>
+        <p:nvPr/>
+      </p:nvGrpSpPr>
+      <p:grpSpPr>
+        <a:xfrm>
+          <a:off x="0" y="0"/>
+          <a:ext cx="0" cy="0"/>
+          <a:chOff x="0" y="0"/>
+          <a:chExt cx="0" cy="0"/>
+        </a:xfrm>
+      </p:grpSpPr>
+      <p:sp>
+        <p:nvSpPr>
+          <p:cNvPr id="7" name="제목 6"/>
+          <p:cNvSpPr>
+            <a:spLocks noGrp="1"/>
+          </p:cNvSpPr>
+          <p:nvPr>
+            <p:ph type="title"/>
+          </p:nvPr>
+        </p:nvSpPr>
+        <p:spPr/>
+        <p:txBody>
+          <a:bodyPr/>
+          <a:lstStyle/>
+          <a:p>
+            <a:r>
+              <a:rPr lang="ko-KR" altLang="en-US" dirty="0"/>
+              <a:t>데이터베이스 설계</a:t>
+            </a:r>
+          </a:p>
+        </p:txBody>
+      </p:sp>
+      <p:sp>
+        <p:nvSpPr>
+          <p:cNvPr id="3" name="내용 개체 틀 2">
+            <a:extLst>
+              <a:ext uri="{FF2B5EF4-FFF2-40B4-BE49-F238E27FC236}">
+                <a16:creationId xmlns:a16="http://schemas.microsoft.com/office/drawing/2014/main" id="{CF7E5778-EFB4-473C-8A0A-DD18096B0C6A}"/>
+              </a:ext>
+            </a:extLst>
+          </p:cNvPr>
+          <p:cNvSpPr>
+            <a:spLocks noGrp="1"/>
+          </p:cNvSpPr>
+          <p:nvPr>
+            <p:ph idx="1"/>
+          </p:nvPr>
+        </p:nvSpPr>
+        <p:spPr>
+          <a:xfrm>
+            <a:off x="279351" y="1539874"/>
+            <a:ext cx="3744416" cy="4525963"/>
+          </a:xfrm>
+        </p:spPr>
+        <p:txBody>
+          <a:bodyPr>
+            <a:normAutofit/>
+          </a:bodyPr>
+          <a:lstStyle/>
+          <a:p>
+            <a:pPr>
+              <a:lnSpc>
+                <a:spcPct val="150000"/>
+              </a:lnSpc>
+              <a:buFont typeface="+mj-lt"/>
+              <a:buAutoNum type="arabicPeriod" startAt="3"/>
+            </a:pPr>
+            <a:r>
+              <a:rPr lang="en-US" altLang="ko-KR" sz="1600" dirty="0">
+                <a:latin typeface="나눔고딕" panose="020D0604000000000000" pitchFamily="50" charset="-127"/>
+                <a:ea typeface="나눔고딕" panose="020D0604000000000000" pitchFamily="50" charset="-127"/>
+              </a:rPr>
+              <a:t>Corp schema :</a:t>
+            </a:r>
+          </a:p>
+          <a:p>
+            <a:pPr marL="800100" lvl="1" indent="-342900">
+              <a:lnSpc>
+                <a:spcPct val="150000"/>
+              </a:lnSpc>
+              <a:buFont typeface="+mj-lt"/>
+              <a:buAutoNum type="arabicPeriod"/>
+            </a:pPr>
+            <a:r>
+              <a:rPr lang="ko-KR" altLang="en-US" sz="1600" dirty="0">
+                <a:latin typeface="나눔고딕" panose="020D0604000000000000" pitchFamily="50" charset="-127"/>
+                <a:ea typeface="나눔고딕" panose="020D0604000000000000" pitchFamily="50" charset="-127"/>
+              </a:rPr>
+              <a:t>각 카테고리 별로 선정된 </a:t>
+            </a:r>
+            <a:br>
+              <a:rPr lang="en-US" altLang="ko-KR" sz="1600" dirty="0">
+                <a:latin typeface="나눔고딕" panose="020D0604000000000000" pitchFamily="50" charset="-127"/>
+                <a:ea typeface="나눔고딕" panose="020D0604000000000000" pitchFamily="50" charset="-127"/>
+              </a:rPr>
+            </a:br>
+            <a:r>
+              <a:rPr lang="ko-KR" altLang="en-US" sz="1600" dirty="0">
+                <a:latin typeface="나눔고딕" panose="020D0604000000000000" pitchFamily="50" charset="-127"/>
+                <a:ea typeface="나눔고딕" panose="020D0604000000000000" pitchFamily="50" charset="-127"/>
+              </a:rPr>
+              <a:t>기업들의 정보를 저장한 </a:t>
+            </a:r>
+            <a:r>
+              <a:rPr lang="en-US" altLang="ko-KR" sz="1600" dirty="0">
+                <a:latin typeface="나눔고딕" panose="020D0604000000000000" pitchFamily="50" charset="-127"/>
+                <a:ea typeface="나눔고딕" panose="020D0604000000000000" pitchFamily="50" charset="-127"/>
+              </a:rPr>
+              <a:t>DB </a:t>
+            </a:r>
+          </a:p>
+          <a:p>
+            <a:pPr marL="800100" lvl="1" indent="-342900">
+              <a:lnSpc>
+                <a:spcPct val="150000"/>
+              </a:lnSpc>
+              <a:buFont typeface="+mj-lt"/>
+              <a:buAutoNum type="arabicPeriod"/>
+            </a:pPr>
+            <a:r>
+              <a:rPr lang="ko-KR" altLang="en-US" sz="1600" dirty="0" err="1">
+                <a:latin typeface="나눔고딕" panose="020D0604000000000000" pitchFamily="50" charset="-127"/>
+                <a:ea typeface="나눔고딕" panose="020D0604000000000000" pitchFamily="50" charset="-127"/>
+              </a:rPr>
+              <a:t>공공데이터포털에서</a:t>
+            </a:r>
+            <a:r>
+              <a:rPr lang="ko-KR" altLang="en-US" sz="1600" dirty="0">
+                <a:latin typeface="나눔고딕" panose="020D0604000000000000" pitchFamily="50" charset="-127"/>
+                <a:ea typeface="나눔고딕" panose="020D0604000000000000" pitchFamily="50" charset="-127"/>
+              </a:rPr>
+              <a:t> 기업정보를 가져와 적재한 후 </a:t>
+            </a:r>
+            <a:r>
+              <a:rPr lang="ko-KR" altLang="en-US" sz="1600" dirty="0" err="1">
+                <a:latin typeface="나눔고딕" panose="020D0604000000000000" pitchFamily="50" charset="-127"/>
+                <a:ea typeface="나눔고딕" panose="020D0604000000000000" pitchFamily="50" charset="-127"/>
+              </a:rPr>
+              <a:t>전처리</a:t>
+            </a:r>
+            <a:endParaRPr lang="en-US" altLang="ko-KR" sz="1600" dirty="0">
+              <a:latin typeface="나눔고딕" panose="020D0604000000000000" pitchFamily="50" charset="-127"/>
+              <a:ea typeface="나눔고딕" panose="020D0604000000000000" pitchFamily="50" charset="-127"/>
+            </a:endParaRPr>
+          </a:p>
+          <a:p>
+            <a:pPr marL="800100" lvl="1" indent="-342900">
+              <a:lnSpc>
+                <a:spcPct val="150000"/>
+              </a:lnSpc>
+              <a:buFont typeface="+mj-lt"/>
+              <a:buAutoNum type="arabicPeriod"/>
+            </a:pPr>
+            <a:endParaRPr lang="en-US" altLang="ko-KR" sz="1600" dirty="0">
+              <a:latin typeface="나눔고딕" panose="020D0604000000000000" pitchFamily="50" charset="-127"/>
+              <a:ea typeface="나눔고딕" panose="020D0604000000000000" pitchFamily="50" charset="-127"/>
+            </a:endParaRPr>
+          </a:p>
+          <a:p>
+            <a:pPr>
+              <a:lnSpc>
+                <a:spcPct val="150000"/>
+              </a:lnSpc>
+              <a:buFont typeface="+mj-lt"/>
+              <a:buAutoNum type="arabicPeriod" startAt="3"/>
+            </a:pPr>
+            <a:r>
+              <a:rPr lang="en-US" altLang="ko-KR" sz="1600" dirty="0" err="1">
+                <a:latin typeface="나눔고딕" panose="020D0604000000000000" pitchFamily="50" charset="-127"/>
+                <a:ea typeface="나눔고딕" panose="020D0604000000000000" pitchFamily="50" charset="-127"/>
+              </a:rPr>
+              <a:t>Sharing_information</a:t>
+            </a:r>
+            <a:r>
+              <a:rPr lang="en-US" altLang="ko-KR" sz="1600" dirty="0">
+                <a:latin typeface="나눔고딕" panose="020D0604000000000000" pitchFamily="50" charset="-127"/>
+                <a:ea typeface="나눔고딕" panose="020D0604000000000000" pitchFamily="50" charset="-127"/>
+              </a:rPr>
+              <a:t> schema : </a:t>
+            </a:r>
+          </a:p>
+          <a:p>
+            <a:pPr marL="800100" lvl="1" indent="-342900">
+              <a:lnSpc>
+                <a:spcPct val="150000"/>
+              </a:lnSpc>
+              <a:buFont typeface="+mj-lt"/>
+              <a:buAutoNum type="arabicPeriod"/>
+            </a:pPr>
+            <a:r>
+              <a:rPr lang="ko-KR" altLang="en-US" sz="1600" dirty="0">
+                <a:latin typeface="나눔고딕" panose="020D0604000000000000" pitchFamily="50" charset="-127"/>
+                <a:ea typeface="나눔고딕" panose="020D0604000000000000" pitchFamily="50" charset="-127"/>
+              </a:rPr>
+              <a:t>해당 관련 기업들의 기사를 </a:t>
+            </a:r>
+            <a:br>
+              <a:rPr lang="en-US" altLang="ko-KR" sz="1600" dirty="0">
+                <a:latin typeface="나눔고딕" panose="020D0604000000000000" pitchFamily="50" charset="-127"/>
+                <a:ea typeface="나눔고딕" panose="020D0604000000000000" pitchFamily="50" charset="-127"/>
+              </a:rPr>
+            </a:br>
+            <a:r>
+              <a:rPr lang="ko-KR" altLang="en-US" sz="1600" dirty="0" err="1">
+                <a:latin typeface="나눔고딕" panose="020D0604000000000000" pitchFamily="50" charset="-127"/>
+                <a:ea typeface="나눔고딕" panose="020D0604000000000000" pitchFamily="50" charset="-127"/>
+              </a:rPr>
+              <a:t>크롤링</a:t>
+            </a:r>
+            <a:r>
+              <a:rPr lang="ko-KR" altLang="en-US" sz="1600" dirty="0">
+                <a:latin typeface="나눔고딕" panose="020D0604000000000000" pitchFamily="50" charset="-127"/>
+                <a:ea typeface="나눔고딕" panose="020D0604000000000000" pitchFamily="50" charset="-127"/>
+              </a:rPr>
+              <a:t> 후 저장한 </a:t>
+            </a:r>
+            <a:r>
+              <a:rPr lang="en-US" altLang="ko-KR" sz="1600" dirty="0">
+                <a:latin typeface="나눔고딕" panose="020D0604000000000000" pitchFamily="50" charset="-127"/>
+                <a:ea typeface="나눔고딕" panose="020D0604000000000000" pitchFamily="50" charset="-127"/>
+              </a:rPr>
+              <a:t>DB </a:t>
+            </a:r>
+          </a:p>
+          <a:p>
+            <a:pPr marL="800100" lvl="1" indent="-342900">
+              <a:lnSpc>
+                <a:spcPct val="150000"/>
+              </a:lnSpc>
+              <a:buFont typeface="+mj-lt"/>
+              <a:buAutoNum type="arabicPeriod"/>
+            </a:pPr>
+            <a:r>
+              <a:rPr lang="ko-KR" altLang="en-US" sz="1600" dirty="0" err="1">
+                <a:latin typeface="나눔고딕" panose="020D0604000000000000" pitchFamily="50" charset="-127"/>
+                <a:ea typeface="나눔고딕" panose="020D0604000000000000" pitchFamily="50" charset="-127"/>
+              </a:rPr>
+              <a:t>크롤링</a:t>
+            </a:r>
+            <a:r>
+              <a:rPr lang="ko-KR" altLang="en-US" sz="1600" dirty="0">
+                <a:latin typeface="나눔고딕" panose="020D0604000000000000" pitchFamily="50" charset="-127"/>
+                <a:ea typeface="나눔고딕" panose="020D0604000000000000" pitchFamily="50" charset="-127"/>
+              </a:rPr>
+              <a:t> 언어 </a:t>
+            </a:r>
+            <a:r>
+              <a:rPr lang="en-US" altLang="ko-KR" sz="1600" dirty="0">
+                <a:latin typeface="나눔고딕" panose="020D0604000000000000" pitchFamily="50" charset="-127"/>
+                <a:ea typeface="나눔고딕" panose="020D0604000000000000" pitchFamily="50" charset="-127"/>
+              </a:rPr>
+              <a:t>: </a:t>
+            </a:r>
+            <a:r>
+              <a:rPr lang="ko-KR" altLang="en-US" sz="1600" dirty="0">
+                <a:latin typeface="나눔고딕" panose="020D0604000000000000" pitchFamily="50" charset="-127"/>
+                <a:ea typeface="나눔고딕" panose="020D0604000000000000" pitchFamily="50" charset="-127"/>
+              </a:rPr>
+              <a:t>파이썬</a:t>
+            </a:r>
+            <a:r>
+              <a:rPr lang="en-US" altLang="ko-KR" sz="1600" dirty="0">
+                <a:latin typeface="나눔고딕" panose="020D0604000000000000" pitchFamily="50" charset="-127"/>
+                <a:ea typeface="나눔고딕" panose="020D0604000000000000" pitchFamily="50" charset="-127"/>
+              </a:rPr>
+              <a:t>(</a:t>
+            </a:r>
+            <a:r>
+              <a:rPr lang="en-US" altLang="ko-KR" sz="1600" dirty="0" err="1">
+                <a:latin typeface="나눔고딕" panose="020D0604000000000000" pitchFamily="50" charset="-127"/>
+                <a:ea typeface="나눔고딕" panose="020D0604000000000000" pitchFamily="50" charset="-127"/>
+              </a:rPr>
+              <a:t>Beautifulsoup</a:t>
+            </a:r>
+            <a:r>
+              <a:rPr lang="en-US" altLang="ko-KR" sz="1600" dirty="0">
+                <a:latin typeface="나눔고딕" panose="020D0604000000000000" pitchFamily="50" charset="-127"/>
+                <a:ea typeface="나눔고딕" panose="020D0604000000000000" pitchFamily="50" charset="-127"/>
+              </a:rPr>
+              <a:t>, requests)</a:t>
+            </a:r>
+          </a:p>
+          <a:p>
+            <a:pPr marL="800100" lvl="1" indent="-342900">
+              <a:lnSpc>
+                <a:spcPct val="150000"/>
+              </a:lnSpc>
+              <a:buFont typeface="+mj-lt"/>
+              <a:buAutoNum type="arabicPeriod"/>
+            </a:pPr>
+            <a:endParaRPr lang="en-US" altLang="ko-KR" sz="1600" dirty="0">
+              <a:latin typeface="나눔고딕" panose="020D0604000000000000" pitchFamily="50" charset="-127"/>
+              <a:ea typeface="나눔고딕" panose="020D0604000000000000" pitchFamily="50" charset="-127"/>
+            </a:endParaRPr>
+          </a:p>
+        </p:txBody>
+      </p:sp>
+      <p:sp>
+        <p:nvSpPr>
+          <p:cNvPr id="8" name="TextBox 7">
+            <a:extLst>
+              <a:ext uri="{FF2B5EF4-FFF2-40B4-BE49-F238E27FC236}">
+                <a16:creationId xmlns:a16="http://schemas.microsoft.com/office/drawing/2014/main" id="{AB3AAA29-1E10-4208-A5E2-F43BE174A334}"/>
+              </a:ext>
+            </a:extLst>
+          </p:cNvPr>
+          <p:cNvSpPr txBox="1"/>
+          <p:nvPr/>
+        </p:nvSpPr>
+        <p:spPr>
+          <a:xfrm>
+            <a:off x="4161181" y="5682541"/>
+            <a:ext cx="4503156" cy="369332"/>
+          </a:xfrm>
+          <a:prstGeom prst="rect">
+            <a:avLst/>
+          </a:prstGeom>
+          <a:noFill/>
+        </p:spPr>
+        <p:txBody>
+          <a:bodyPr wrap="none" rtlCol="0">
+            <a:spAutoFit/>
+          </a:bodyPr>
+          <a:lstStyle/>
+          <a:p>
+            <a:pPr algn="ctr"/>
+            <a:r>
+              <a:rPr lang="ko-KR" altLang="en-US" b="1" i="1" dirty="0">
+                <a:solidFill>
+                  <a:srgbClr val="168CB3"/>
+                </a:solidFill>
+                <a:latin typeface="나눔고딕 ExtraBold" panose="020D0904000000000000" pitchFamily="50" charset="-127"/>
+                <a:ea typeface="나눔고딕 ExtraBold" panose="020D0904000000000000" pitchFamily="50" charset="-127"/>
+                <a:cs typeface="Arial" pitchFamily="34" charset="0"/>
+              </a:rPr>
+              <a:t>▲ </a:t>
+            </a:r>
+            <a:r>
+              <a:rPr lang="en-US" altLang="ko-KR" b="1" i="1" dirty="0">
+                <a:solidFill>
+                  <a:srgbClr val="168CB3"/>
+                </a:solidFill>
+                <a:latin typeface="나눔고딕 ExtraBold" panose="020D0904000000000000" pitchFamily="50" charset="-127"/>
+                <a:ea typeface="나눔고딕 ExtraBold" panose="020D0904000000000000" pitchFamily="50" charset="-127"/>
+                <a:cs typeface="Arial" pitchFamily="34" charset="0"/>
+              </a:rPr>
+              <a:t>DB</a:t>
+            </a:r>
+            <a:r>
+              <a:rPr lang="ko-KR" altLang="en-US" b="1" i="1" dirty="0">
+                <a:solidFill>
+                  <a:srgbClr val="168CB3"/>
+                </a:solidFill>
+                <a:latin typeface="나눔고딕 ExtraBold" panose="020D0904000000000000" pitchFamily="50" charset="-127"/>
+                <a:ea typeface="나눔고딕 ExtraBold" panose="020D0904000000000000" pitchFamily="50" charset="-127"/>
+                <a:cs typeface="Arial" pitchFamily="34" charset="0"/>
+              </a:rPr>
+              <a:t> 설계서</a:t>
+            </a:r>
+            <a:r>
+              <a:rPr lang="en-US" altLang="ko-KR" b="1" i="1" dirty="0">
+                <a:solidFill>
+                  <a:srgbClr val="168CB3"/>
+                </a:solidFill>
+                <a:latin typeface="나눔고딕 ExtraBold" panose="020D0904000000000000" pitchFamily="50" charset="-127"/>
+                <a:ea typeface="나눔고딕 ExtraBold" panose="020D0904000000000000" pitchFamily="50" charset="-127"/>
+                <a:cs typeface="Arial" pitchFamily="34" charset="0"/>
+              </a:rPr>
+              <a:t>(Corp, </a:t>
+            </a:r>
+            <a:r>
+              <a:rPr lang="en-US" altLang="ko-KR" b="1" i="1" dirty="0" err="1">
+                <a:solidFill>
+                  <a:srgbClr val="168CB3"/>
+                </a:solidFill>
+                <a:latin typeface="나눔고딕 ExtraBold" panose="020D0904000000000000" pitchFamily="50" charset="-127"/>
+                <a:ea typeface="나눔고딕 ExtraBold" panose="020D0904000000000000" pitchFamily="50" charset="-127"/>
+                <a:cs typeface="Arial" pitchFamily="34" charset="0"/>
+              </a:rPr>
+              <a:t>Sharing_information</a:t>
+            </a:r>
+            <a:r>
+              <a:rPr lang="en-US" altLang="ko-KR" b="1" i="1" dirty="0">
+                <a:solidFill>
+                  <a:srgbClr val="168CB3"/>
+                </a:solidFill>
+                <a:latin typeface="나눔고딕 ExtraBold" panose="020D0904000000000000" pitchFamily="50" charset="-127"/>
+                <a:ea typeface="나눔고딕 ExtraBold" panose="020D0904000000000000" pitchFamily="50" charset="-127"/>
+                <a:cs typeface="Arial" pitchFamily="34" charset="0"/>
+              </a:rPr>
+              <a:t>)</a:t>
+            </a:r>
+            <a:endParaRPr lang="ko-KR" altLang="ko-KR" dirty="0">
+              <a:solidFill>
+                <a:srgbClr val="168CB3"/>
+              </a:solidFill>
+              <a:latin typeface="나눔고딕 ExtraBold" panose="020D0904000000000000" pitchFamily="50" charset="-127"/>
+              <a:ea typeface="나눔고딕 ExtraBold" panose="020D0904000000000000" pitchFamily="50" charset="-127"/>
+              <a:cs typeface="Arial" pitchFamily="34" charset="0"/>
+            </a:endParaRPr>
+          </a:p>
+        </p:txBody>
+      </p:sp>
+      <p:pic>
+        <p:nvPicPr>
+          <p:cNvPr id="9" name="그림 8" descr="텍스트, 실내, 스크린샷이(가) 표시된 사진&#10;&#10;자동 생성된 설명">
+            <a:extLst>
+              <a:ext uri="{FF2B5EF4-FFF2-40B4-BE49-F238E27FC236}">
+                <a16:creationId xmlns:a16="http://schemas.microsoft.com/office/drawing/2014/main" id="{E71EDEAB-09E2-4A2E-845B-BEC0A73CD3AC}"/>
+              </a:ext>
+            </a:extLst>
+          </p:cNvPr>
+          <p:cNvPicPr>
+            <a:picLocks noChangeAspect="1"/>
+          </p:cNvPicPr>
+          <p:nvPr/>
+        </p:nvPicPr>
+        <p:blipFill rotWithShape="1">
+          <a:blip r:embed="rId2">
+            <a:extLst>
+              <a:ext uri="{28A0092B-C50C-407E-A947-70E740481C1C}">
+                <a14:useLocalDpi xmlns:a14="http://schemas.microsoft.com/office/drawing/2010/main" val="0"/>
+              </a:ext>
+            </a:extLst>
+          </a:blip>
+          <a:srcRect l="48707" t="1280" b="26491"/>
+          <a:stretch/>
+        </p:blipFill>
+        <p:spPr>
+          <a:xfrm>
+            <a:off x="4104181" y="1498601"/>
+            <a:ext cx="4760468" cy="3312368"/>
+          </a:xfrm>
+          <a:prstGeom prst="rect">
+            <a:avLst/>
+          </a:prstGeom>
+        </p:spPr>
+      </p:pic>
+      <p:pic>
+        <p:nvPicPr>
+          <p:cNvPr id="10" name="그림 9" descr="텍스트, 실내, 스크린샷이(가) 표시된 사진&#10;&#10;자동 생성된 설명">
+            <a:extLst>
+              <a:ext uri="{FF2B5EF4-FFF2-40B4-BE49-F238E27FC236}">
+                <a16:creationId xmlns:a16="http://schemas.microsoft.com/office/drawing/2014/main" id="{8F3EB2E5-A0EA-4175-AA6D-D7334A9D9287}"/>
+              </a:ext>
+            </a:extLst>
+          </p:cNvPr>
+          <p:cNvPicPr>
+            <a:picLocks noChangeAspect="1"/>
+          </p:cNvPicPr>
+          <p:nvPr/>
+        </p:nvPicPr>
+        <p:blipFill rotWithShape="1">
+          <a:blip r:embed="rId2">
+            <a:extLst>
+              <a:ext uri="{28A0092B-C50C-407E-A947-70E740481C1C}">
+                <a14:useLocalDpi xmlns:a14="http://schemas.microsoft.com/office/drawing/2010/main" val="0"/>
+              </a:ext>
+            </a:extLst>
+          </a:blip>
+          <a:srcRect l="32931" t="61994" r="53362"/>
+          <a:stretch/>
+        </p:blipFill>
+        <p:spPr>
+          <a:xfrm>
+            <a:off x="6795812" y="3802856"/>
+            <a:ext cx="1368152" cy="1874482"/>
+          </a:xfrm>
+          <a:prstGeom prst="rect">
+            <a:avLst/>
+          </a:prstGeom>
+        </p:spPr>
+      </p:pic>
+    </p:spTree>
+    <p:extLst>
+      <p:ext uri="{BB962C8B-B14F-4D97-AF65-F5344CB8AC3E}">
+        <p14:creationId xmlns:p14="http://schemas.microsoft.com/office/powerpoint/2010/main" val="2674247152"/>
+      </p:ext>
+    </p:extLst>
+  </p:cSld>
+  <p:clrMapOvr>
+    <a:masterClrMapping/>
+  </p:clrMapOvr>
+</p:sld>
+</file>
+
+<file path=ppt/slides/slide34.xml><?xml version="1.0" encoding="utf-8"?>
 <p:sld xmlns:a="http://schemas.openxmlformats.org/drawingml/2006/main" xmlns:r="http://schemas.openxmlformats.org/officeDocument/2006/relationships" xmlns:p="http://schemas.openxmlformats.org/presentationml/2006/main">
   <p:cSld>
     <p:spTree>
@@ -20122,7 +19779,7 @@
 </p:sld>
 </file>
 
-<file path=ppt/slides/slide34.xml><?xml version="1.0" encoding="utf-8"?>
+<file path=ppt/slides/slide35.xml><?xml version="1.0" encoding="utf-8"?>
 <p:sld xmlns:a="http://schemas.openxmlformats.org/drawingml/2006/main" xmlns:r="http://schemas.openxmlformats.org/officeDocument/2006/relationships" xmlns:p="http://schemas.openxmlformats.org/presentationml/2006/main">
   <p:cSld>
     <p:spTree>
@@ -20455,7 +20112,7 @@
                 <a:ea typeface="나눔고딕" panose="020D0604000000000000" pitchFamily="50" charset="-127"/>
                 <a:cs typeface="Arial" pitchFamily="34" charset="0"/>
               </a:rPr>
-              <a:t>를 통해 이메일 인증 코드 보완 예정이다</a:t>
+              <a:t>를 통해 이메일 인증 코드를 첨부할 예정이다</a:t>
             </a:r>
             <a:r>
               <a:rPr lang="en-US" altLang="ko-KR" sz="1400" dirty="0">
@@ -20568,7 +20225,7 @@
 </p:sld>
 </file>
 
-<file path=ppt/slides/slide35.xml><?xml version="1.0" encoding="utf-8"?>
+<file path=ppt/slides/slide36.xml><?xml version="1.0" encoding="utf-8"?>
 <p:sld xmlns:a="http://schemas.openxmlformats.org/drawingml/2006/main" xmlns:r="http://schemas.openxmlformats.org/officeDocument/2006/relationships" xmlns:p="http://schemas.openxmlformats.org/presentationml/2006/main">
   <p:cSld>
     <p:spTree>
@@ -20711,7 +20368,7 @@
 </p:sld>
 </file>
 
-<file path=ppt/slides/slide36.xml><?xml version="1.0" encoding="utf-8"?>
+<file path=ppt/slides/slide37.xml><?xml version="1.0" encoding="utf-8"?>
 <p:sld xmlns:a="http://schemas.openxmlformats.org/drawingml/2006/main" xmlns:r="http://schemas.openxmlformats.org/officeDocument/2006/relationships" xmlns:p="http://schemas.openxmlformats.org/presentationml/2006/main">
   <p:cSld>
     <p:spTree>
@@ -20784,7 +20441,7 @@
         </p:blipFill>
         <p:spPr>
           <a:xfrm>
-            <a:off x="395536" y="1700808"/>
+            <a:off x="483672" y="1700808"/>
             <a:ext cx="5181600" cy="2762946"/>
           </a:xfrm>
           <a:prstGeom prst="rect">
@@ -20820,7 +20477,7 @@
         </p:blipFill>
         <p:spPr>
           <a:xfrm>
-            <a:off x="3394790" y="3185022"/>
+            <a:off x="3291984" y="3112296"/>
             <a:ext cx="5414865" cy="2457811"/>
           </a:xfrm>
           <a:prstGeom prst="rect">
@@ -20842,7 +20499,7 @@
         </p:nvSpPr>
         <p:spPr>
           <a:xfrm>
-            <a:off x="257536" y="4581128"/>
+            <a:off x="279570" y="4537060"/>
             <a:ext cx="3275257" cy="338554"/>
           </a:xfrm>
           <a:prstGeom prst="rect">
@@ -20905,139 +20562,6 @@
     <p:extLst>
       <p:ext uri="{BB962C8B-B14F-4D97-AF65-F5344CB8AC3E}">
         <p14:creationId xmlns:p14="http://schemas.microsoft.com/office/powerpoint/2010/main" val="3499865473"/>
-      </p:ext>
-    </p:extLst>
-  </p:cSld>
-  <p:clrMapOvr>
-    <a:masterClrMapping/>
-  </p:clrMapOvr>
-</p:sld>
-</file>
-
-<file path=ppt/slides/slide37.xml><?xml version="1.0" encoding="utf-8"?>
-<p:sld xmlns:a="http://schemas.openxmlformats.org/drawingml/2006/main" xmlns:r="http://schemas.openxmlformats.org/officeDocument/2006/relationships" xmlns:p="http://schemas.openxmlformats.org/presentationml/2006/main">
-  <p:cSld>
-    <p:spTree>
-      <p:nvGrpSpPr>
-        <p:cNvPr id="1" name=""/>
-        <p:cNvGrpSpPr/>
-        <p:nvPr/>
-      </p:nvGrpSpPr>
-      <p:grpSpPr>
-        <a:xfrm>
-          <a:off x="0" y="0"/>
-          <a:ext cx="0" cy="0"/>
-          <a:chOff x="0" y="0"/>
-          <a:chExt cx="0" cy="0"/>
-        </a:xfrm>
-      </p:grpSpPr>
-      <p:sp>
-        <p:nvSpPr>
-          <p:cNvPr id="5" name="TextBox 4"/>
-          <p:cNvSpPr txBox="1"/>
-          <p:nvPr/>
-        </p:nvSpPr>
-        <p:spPr>
-          <a:xfrm>
-            <a:off x="827584" y="5446965"/>
-            <a:ext cx="7271991" cy="646331"/>
-          </a:xfrm>
-          <a:prstGeom prst="rect">
-            <a:avLst/>
-          </a:prstGeom>
-          <a:noFill/>
-        </p:spPr>
-        <p:txBody>
-          <a:bodyPr wrap="none" rtlCol="0">
-            <a:spAutoFit/>
-          </a:bodyPr>
-          <a:lstStyle/>
-          <a:p>
-            <a:pPr algn="ctr"/>
-            <a:r>
-              <a:rPr lang="ko-KR" altLang="ko-KR" b="1" i="1" dirty="0">
-                <a:solidFill>
-                  <a:srgbClr val="168CB3"/>
-                </a:solidFill>
-                <a:latin typeface="Arial" pitchFamily="34" charset="0"/>
-                <a:cs typeface="Arial" pitchFamily="34" charset="0"/>
-              </a:rPr>
-              <a:t>“ PPT WORLD PowerPoint template, you can become an expert.</a:t>
-            </a:r>
-          </a:p>
-          <a:p>
-            <a:pPr algn="ctr"/>
-            <a:r>
-              <a:rPr lang="en-US" altLang="ko-KR" b="1" i="1" dirty="0">
-                <a:solidFill>
-                  <a:srgbClr val="168CB3"/>
-                </a:solidFill>
-                <a:latin typeface="Arial" pitchFamily="34" charset="0"/>
-                <a:cs typeface="Arial" pitchFamily="34" charset="0"/>
-              </a:rPr>
-              <a:t>Your wishes for the successful presentation.”</a:t>
-            </a:r>
-            <a:endParaRPr lang="ko-KR" altLang="ko-KR" dirty="0">
-              <a:solidFill>
-                <a:srgbClr val="168CB3"/>
-              </a:solidFill>
-              <a:latin typeface="Arial" pitchFamily="34" charset="0"/>
-              <a:cs typeface="Arial" pitchFamily="34" charset="0"/>
-            </a:endParaRPr>
-          </a:p>
-        </p:txBody>
-      </p:sp>
-      <p:sp>
-        <p:nvSpPr>
-          <p:cNvPr id="7" name="제목 6"/>
-          <p:cNvSpPr>
-            <a:spLocks noGrp="1"/>
-          </p:cNvSpPr>
-          <p:nvPr>
-            <p:ph type="title"/>
-          </p:nvPr>
-        </p:nvSpPr>
-        <p:spPr/>
-        <p:txBody>
-          <a:bodyPr/>
-          <a:lstStyle/>
-          <a:p>
-            <a:r>
-              <a:rPr lang="ko-KR" altLang="en-US" dirty="0"/>
-              <a:t>현재 진행 상황</a:t>
-            </a:r>
-          </a:p>
-        </p:txBody>
-      </p:sp>
-      <p:sp>
-        <p:nvSpPr>
-          <p:cNvPr id="3" name="내용 개체 틀 2">
-            <a:extLst>
-              <a:ext uri="{FF2B5EF4-FFF2-40B4-BE49-F238E27FC236}">
-                <a16:creationId xmlns:a16="http://schemas.microsoft.com/office/drawing/2014/main" id="{68823F3C-E6D0-4AA0-81DA-3C33BC30F3BD}"/>
-              </a:ext>
-            </a:extLst>
-          </p:cNvPr>
-          <p:cNvSpPr>
-            <a:spLocks noGrp="1"/>
-          </p:cNvSpPr>
-          <p:nvPr>
-            <p:ph idx="1"/>
-          </p:nvPr>
-        </p:nvSpPr>
-        <p:spPr/>
-        <p:txBody>
-          <a:bodyPr/>
-          <a:lstStyle/>
-          <a:p>
-            <a:endParaRPr lang="ko-KR" altLang="en-US"/>
-          </a:p>
-        </p:txBody>
-      </p:sp>
-    </p:spTree>
-    <p:extLst>
-      <p:ext uri="{BB962C8B-B14F-4D97-AF65-F5344CB8AC3E}">
-        <p14:creationId xmlns:p14="http://schemas.microsoft.com/office/powerpoint/2010/main" val="2885874307"/>
       </p:ext>
     </p:extLst>
   </p:cSld>
@@ -21066,69 +20590,6 @@
       </p:grpSpPr>
       <p:sp>
         <p:nvSpPr>
-          <p:cNvPr id="5" name="TextBox 4"/>
-          <p:cNvSpPr txBox="1"/>
-          <p:nvPr/>
-        </p:nvSpPr>
-        <p:spPr>
-          <a:xfrm>
-            <a:off x="2671479" y="4365104"/>
-            <a:ext cx="3801041" cy="369332"/>
-          </a:xfrm>
-          <a:prstGeom prst="rect">
-            <a:avLst/>
-          </a:prstGeom>
-          <a:noFill/>
-        </p:spPr>
-        <p:txBody>
-          <a:bodyPr wrap="none" rtlCol="0">
-            <a:spAutoFit/>
-          </a:bodyPr>
-          <a:lstStyle/>
-          <a:p>
-            <a:pPr algn="ctr"/>
-            <a:r>
-              <a:rPr lang="ko-KR" altLang="en-US" b="1" i="1" dirty="0">
-                <a:solidFill>
-                  <a:srgbClr val="168CB3"/>
-                </a:solidFill>
-                <a:latin typeface="Arial" pitchFamily="34" charset="0"/>
-                <a:cs typeface="Arial" pitchFamily="34" charset="0"/>
-              </a:rPr>
-              <a:t>▲ 현재 구현 </a:t>
-            </a:r>
-            <a:r>
-              <a:rPr lang="ko-KR" altLang="en-US" b="1" i="1" dirty="0" err="1">
-                <a:solidFill>
-                  <a:srgbClr val="168CB3"/>
-                </a:solidFill>
-                <a:latin typeface="Arial" pitchFamily="34" charset="0"/>
-                <a:cs typeface="Arial" pitchFamily="34" charset="0"/>
-              </a:rPr>
-              <a:t>리포지토리</a:t>
-            </a:r>
-            <a:r>
-              <a:rPr lang="ko-KR" altLang="en-US" b="1" i="1" dirty="0">
-                <a:solidFill>
-                  <a:srgbClr val="168CB3"/>
-                </a:solidFill>
-                <a:latin typeface="Arial" pitchFamily="34" charset="0"/>
-                <a:cs typeface="Arial" pitchFamily="34" charset="0"/>
-              </a:rPr>
-              <a:t> 깃 플로우</a:t>
-            </a:r>
-            <a:endParaRPr lang="ko-KR" altLang="ko-KR" dirty="0">
-              <a:solidFill>
-                <a:srgbClr val="168CB3"/>
-              </a:solidFill>
-              <a:latin typeface="Arial" pitchFamily="34" charset="0"/>
-              <a:cs typeface="Arial" pitchFamily="34" charset="0"/>
-            </a:endParaRPr>
-          </a:p>
-        </p:txBody>
-      </p:sp>
-      <p:sp>
-        <p:nvSpPr>
           <p:cNvPr id="7" name="제목 6"/>
           <p:cNvSpPr>
             <a:spLocks noGrp="1"/>
@@ -21144,34 +20605,297 @@
           <a:p>
             <a:r>
               <a:rPr lang="ko-KR" altLang="en-US" dirty="0"/>
-              <a:t>형상 관리 </a:t>
-            </a:r>
-            <a:r>
-              <a:rPr lang="en-US" altLang="ko-KR" dirty="0"/>
-              <a:t>– </a:t>
-            </a:r>
-            <a:r>
-              <a:rPr lang="ko-KR" altLang="en-US" dirty="0"/>
-              <a:t>깃 플로우 차트</a:t>
-            </a:r>
+              <a:t>현재 진행 상황</a:t>
+            </a:r>
+          </a:p>
+        </p:txBody>
+      </p:sp>
+      <p:sp>
+        <p:nvSpPr>
+          <p:cNvPr id="8" name="TextBox 7">
+            <a:extLst>
+              <a:ext uri="{FF2B5EF4-FFF2-40B4-BE49-F238E27FC236}">
+                <a16:creationId xmlns:a16="http://schemas.microsoft.com/office/drawing/2014/main" id="{EF0E6EC5-5805-48E9-A135-2DF40B135140}"/>
+              </a:ext>
+            </a:extLst>
+          </p:cNvPr>
+          <p:cNvSpPr txBox="1"/>
+          <p:nvPr/>
+        </p:nvSpPr>
+        <p:spPr>
+          <a:xfrm>
+            <a:off x="1187624" y="5736735"/>
+            <a:ext cx="3275257" cy="338554"/>
+          </a:xfrm>
+          <a:prstGeom prst="rect">
+            <a:avLst/>
+          </a:prstGeom>
+          <a:noFill/>
+        </p:spPr>
+        <p:txBody>
+          <a:bodyPr wrap="square" rtlCol="0">
+            <a:spAutoFit/>
+          </a:bodyPr>
+          <a:lstStyle/>
+          <a:p>
+            <a:pPr algn="ctr"/>
+            <a:r>
+              <a:rPr lang="ko-KR" altLang="en-US" sz="1600" b="1" i="1" dirty="0">
+                <a:solidFill>
+                  <a:srgbClr val="168CB3"/>
+                </a:solidFill>
+                <a:latin typeface="나눔고딕 ExtraBold" panose="020D0904000000000000" pitchFamily="50" charset="-127"/>
+                <a:ea typeface="나눔고딕 ExtraBold" panose="020D0904000000000000" pitchFamily="50" charset="-127"/>
+                <a:cs typeface="Arial" pitchFamily="34" charset="0"/>
+              </a:rPr>
+              <a:t>▲ 데이터 시각화</a:t>
+            </a:r>
+            <a:endParaRPr lang="ko-KR" altLang="ko-KR" sz="1600" dirty="0">
+              <a:solidFill>
+                <a:srgbClr val="168CB3"/>
+              </a:solidFill>
+              <a:latin typeface="나눔고딕 ExtraBold" panose="020D0904000000000000" pitchFamily="50" charset="-127"/>
+              <a:ea typeface="나눔고딕 ExtraBold" panose="020D0904000000000000" pitchFamily="50" charset="-127"/>
+              <a:cs typeface="Arial" pitchFamily="34" charset="0"/>
+            </a:endParaRPr>
+          </a:p>
+        </p:txBody>
+      </p:sp>
+      <p:sp>
+        <p:nvSpPr>
+          <p:cNvPr id="9" name="내용 개체 틀 8">
+            <a:extLst>
+              <a:ext uri="{FF2B5EF4-FFF2-40B4-BE49-F238E27FC236}">
+                <a16:creationId xmlns:a16="http://schemas.microsoft.com/office/drawing/2014/main" id="{3F135EC6-921C-4691-9E73-6A6E86103576}"/>
+              </a:ext>
+            </a:extLst>
+          </p:cNvPr>
+          <p:cNvSpPr>
+            <a:spLocks noGrp="1"/>
+          </p:cNvSpPr>
+          <p:nvPr>
+            <p:ph idx="1"/>
+          </p:nvPr>
+        </p:nvSpPr>
+        <p:spPr>
+          <a:xfrm>
+            <a:off x="5796136" y="1916832"/>
+            <a:ext cx="3050142" cy="5256584"/>
+          </a:xfrm>
+        </p:spPr>
+        <p:txBody>
+          <a:bodyPr>
+            <a:normAutofit/>
+          </a:bodyPr>
+          <a:lstStyle/>
+          <a:p>
+            <a:pPr marL="457200" indent="-457200">
+              <a:lnSpc>
+                <a:spcPct val="150000"/>
+              </a:lnSpc>
+              <a:buFont typeface="+mj-lt"/>
+              <a:buAutoNum type="arabicPeriod"/>
+            </a:pPr>
+            <a:r>
+              <a:rPr lang="ko-KR" altLang="en-US" sz="1600" dirty="0">
+                <a:latin typeface="나눔고딕" panose="020D0604000000000000" pitchFamily="50" charset="-127"/>
+                <a:ea typeface="나눔고딕" panose="020D0604000000000000" pitchFamily="50" charset="-127"/>
+              </a:rPr>
+              <a:t>사용 시각화 도구 </a:t>
+            </a:r>
+            <a:r>
+              <a:rPr lang="en-US" altLang="ko-KR" sz="1600" dirty="0">
+                <a:latin typeface="나눔고딕" panose="020D0604000000000000" pitchFamily="50" charset="-127"/>
+                <a:ea typeface="나눔고딕" panose="020D0604000000000000" pitchFamily="50" charset="-127"/>
+              </a:rPr>
+              <a:t>: Tableau</a:t>
+            </a:r>
+          </a:p>
+          <a:p>
+            <a:pPr marL="457200" indent="-457200">
+              <a:lnSpc>
+                <a:spcPct val="150000"/>
+              </a:lnSpc>
+              <a:buFont typeface="+mj-lt"/>
+              <a:buAutoNum type="arabicPeriod"/>
+            </a:pPr>
+            <a:endParaRPr lang="en-US" altLang="ko-KR" sz="1600" dirty="0">
+              <a:latin typeface="나눔고딕" panose="020D0604000000000000" pitchFamily="50" charset="-127"/>
+              <a:ea typeface="나눔고딕" panose="020D0604000000000000" pitchFamily="50" charset="-127"/>
+            </a:endParaRPr>
+          </a:p>
+          <a:p>
+            <a:pPr marL="457200" indent="-457200">
+              <a:lnSpc>
+                <a:spcPct val="150000"/>
+              </a:lnSpc>
+              <a:buFont typeface="+mj-lt"/>
+              <a:buAutoNum type="arabicPeriod"/>
+            </a:pPr>
+            <a:r>
+              <a:rPr lang="en-US" altLang="ko-KR" sz="1600" dirty="0">
+                <a:latin typeface="나눔고딕" panose="020D0604000000000000" pitchFamily="50" charset="-127"/>
+                <a:ea typeface="나눔고딕" panose="020D0604000000000000" pitchFamily="50" charset="-127"/>
+              </a:rPr>
+              <a:t>Tableau</a:t>
+            </a:r>
+            <a:r>
+              <a:rPr lang="ko-KR" altLang="en-US" sz="1600" dirty="0">
+                <a:latin typeface="나눔고딕" panose="020D0604000000000000" pitchFamily="50" charset="-127"/>
+                <a:ea typeface="나눔고딕" panose="020D0604000000000000" pitchFamily="50" charset="-127"/>
+              </a:rPr>
+              <a:t>를 </a:t>
+            </a:r>
+            <a:r>
+              <a:rPr lang="en-US" altLang="ko-KR" sz="1600" dirty="0">
+                <a:latin typeface="나눔고딕" panose="020D0604000000000000" pitchFamily="50" charset="-127"/>
+                <a:ea typeface="나눔고딕" panose="020D0604000000000000" pitchFamily="50" charset="-127"/>
+              </a:rPr>
+              <a:t>Corp DB</a:t>
+            </a:r>
+            <a:r>
+              <a:rPr lang="ko-KR" altLang="en-US" sz="1600" dirty="0">
+                <a:latin typeface="나눔고딕" panose="020D0604000000000000" pitchFamily="50" charset="-127"/>
+                <a:ea typeface="나눔고딕" panose="020D0604000000000000" pitchFamily="50" charset="-127"/>
+              </a:rPr>
+              <a:t>에 연결해 사용</a:t>
+            </a:r>
+            <a:endParaRPr lang="en-US" altLang="ko-KR" sz="1600" dirty="0">
+              <a:latin typeface="나눔고딕" panose="020D0604000000000000" pitchFamily="50" charset="-127"/>
+              <a:ea typeface="나눔고딕" panose="020D0604000000000000" pitchFamily="50" charset="-127"/>
+            </a:endParaRPr>
+          </a:p>
+          <a:p>
+            <a:pPr marL="457200" indent="-457200">
+              <a:lnSpc>
+                <a:spcPct val="150000"/>
+              </a:lnSpc>
+              <a:buFont typeface="+mj-lt"/>
+              <a:buAutoNum type="arabicPeriod"/>
+            </a:pPr>
+            <a:endParaRPr lang="en-US" altLang="ko-KR" sz="1600" dirty="0">
+              <a:latin typeface="나눔고딕" panose="020D0604000000000000" pitchFamily="50" charset="-127"/>
+              <a:ea typeface="나눔고딕" panose="020D0604000000000000" pitchFamily="50" charset="-127"/>
+            </a:endParaRPr>
+          </a:p>
+          <a:p>
+            <a:pPr marL="457200" indent="-457200">
+              <a:lnSpc>
+                <a:spcPct val="150000"/>
+              </a:lnSpc>
+              <a:buFont typeface="+mj-lt"/>
+              <a:buAutoNum type="arabicPeriod"/>
+            </a:pPr>
+            <a:r>
+              <a:rPr lang="ko-KR" altLang="en-US" sz="1600" dirty="0">
+                <a:latin typeface="나눔고딕" panose="020D0604000000000000" pitchFamily="50" charset="-127"/>
+                <a:ea typeface="나눔고딕" panose="020D0604000000000000" pitchFamily="50" charset="-127"/>
+              </a:rPr>
+              <a:t>사용한 기업 데이터 목록 </a:t>
+            </a:r>
+            <a:r>
+              <a:rPr lang="en-US" altLang="ko-KR" sz="1600" dirty="0">
+                <a:latin typeface="나눔고딕" panose="020D0604000000000000" pitchFamily="50" charset="-127"/>
+                <a:ea typeface="나눔고딕" panose="020D0604000000000000" pitchFamily="50" charset="-127"/>
+              </a:rPr>
+              <a:t>: </a:t>
+            </a:r>
+            <a:r>
+              <a:rPr lang="ko-KR" altLang="en-US" sz="1600" dirty="0">
+                <a:latin typeface="나눔고딕" panose="020D0604000000000000" pitchFamily="50" charset="-127"/>
+                <a:ea typeface="나눔고딕" panose="020D0604000000000000" pitchFamily="50" charset="-127"/>
+              </a:rPr>
+              <a:t>가족친화인증기업</a:t>
+            </a:r>
+            <a:r>
+              <a:rPr lang="en-US" altLang="ko-KR" sz="1600" dirty="0">
+                <a:latin typeface="나눔고딕" panose="020D0604000000000000" pitchFamily="50" charset="-127"/>
+                <a:ea typeface="나눔고딕" panose="020D0604000000000000" pitchFamily="50" charset="-127"/>
+              </a:rPr>
+              <a:t>, </a:t>
+            </a:r>
+            <a:r>
+              <a:rPr lang="ko-KR" altLang="en-US" sz="1600" dirty="0">
+                <a:latin typeface="나눔고딕" panose="020D0604000000000000" pitchFamily="50" charset="-127"/>
+                <a:ea typeface="나눔고딕" panose="020D0604000000000000" pitchFamily="50" charset="-127"/>
+              </a:rPr>
+              <a:t>녹색기업</a:t>
+            </a:r>
+            <a:r>
+              <a:rPr lang="en-US" altLang="ko-KR" sz="1600" dirty="0">
+                <a:latin typeface="나눔고딕" panose="020D0604000000000000" pitchFamily="50" charset="-127"/>
+                <a:ea typeface="나눔고딕" panose="020D0604000000000000" pitchFamily="50" charset="-127"/>
+              </a:rPr>
+              <a:t>, </a:t>
+            </a:r>
+            <a:r>
+              <a:rPr lang="ko-KR" altLang="en-US" sz="1600" dirty="0">
+                <a:latin typeface="나눔고딕" panose="020D0604000000000000" pitchFamily="50" charset="-127"/>
+                <a:ea typeface="나눔고딕" panose="020D0604000000000000" pitchFamily="50" charset="-127"/>
+              </a:rPr>
+              <a:t>사회적기업</a:t>
+            </a:r>
+            <a:r>
+              <a:rPr lang="en-US" altLang="ko-KR" sz="1600" dirty="0">
+                <a:latin typeface="나눔고딕" panose="020D0604000000000000" pitchFamily="50" charset="-127"/>
+                <a:ea typeface="나눔고딕" panose="020D0604000000000000" pitchFamily="50" charset="-127"/>
+              </a:rPr>
+              <a:t>, </a:t>
+            </a:r>
+            <a:r>
+              <a:rPr lang="ko-KR" altLang="en-US" sz="1600" dirty="0">
+                <a:latin typeface="나눔고딕" panose="020D0604000000000000" pitchFamily="50" charset="-127"/>
+                <a:ea typeface="나눔고딕" panose="020D0604000000000000" pitchFamily="50" charset="-127"/>
+              </a:rPr>
+              <a:t>인재육성형</a:t>
+            </a:r>
+            <a:br>
+              <a:rPr lang="en-US" altLang="ko-KR" sz="1600" dirty="0">
+                <a:latin typeface="나눔고딕" panose="020D0604000000000000" pitchFamily="50" charset="-127"/>
+                <a:ea typeface="나눔고딕" panose="020D0604000000000000" pitchFamily="50" charset="-127"/>
+              </a:rPr>
+            </a:br>
+            <a:r>
+              <a:rPr lang="ko-KR" altLang="en-US" sz="1600" dirty="0">
+                <a:latin typeface="나눔고딕" panose="020D0604000000000000" pitchFamily="50" charset="-127"/>
+                <a:ea typeface="나눔고딕" panose="020D0604000000000000" pitchFamily="50" charset="-127"/>
+              </a:rPr>
+              <a:t>중소기업</a:t>
+            </a:r>
+            <a:r>
+              <a:rPr lang="en-US" altLang="ko-KR" sz="1600" dirty="0">
+                <a:latin typeface="나눔고딕" panose="020D0604000000000000" pitchFamily="50" charset="-127"/>
+                <a:ea typeface="나눔고딕" panose="020D0604000000000000" pitchFamily="50" charset="-127"/>
+              </a:rPr>
+              <a:t>, </a:t>
+            </a:r>
+            <a:r>
+              <a:rPr lang="ko-KR" altLang="en-US" sz="1600" dirty="0" err="1">
+                <a:latin typeface="나눔고딕" panose="020D0604000000000000" pitchFamily="50" charset="-127"/>
+                <a:ea typeface="나눔고딕" panose="020D0604000000000000" pitchFamily="50" charset="-127"/>
+              </a:rPr>
+              <a:t>청년친화강소기업</a:t>
+            </a:r>
+            <a:endParaRPr lang="en-US" altLang="ko-KR" sz="1600" dirty="0">
+              <a:latin typeface="나눔고딕" panose="020D0604000000000000" pitchFamily="50" charset="-127"/>
+              <a:ea typeface="나눔고딕" panose="020D0604000000000000" pitchFamily="50" charset="-127"/>
+            </a:endParaRPr>
           </a:p>
         </p:txBody>
       </p:sp>
       <p:pic>
         <p:nvPicPr>
-          <p:cNvPr id="4" name="내용 개체 틀 3">
+          <p:cNvPr id="10" name="그림 9">
             <a:extLst>
               <a:ext uri="{FF2B5EF4-FFF2-40B4-BE49-F238E27FC236}">
-                <a16:creationId xmlns:a16="http://schemas.microsoft.com/office/drawing/2014/main" id="{8D0D2EC2-9DA0-4C94-B082-17CB0F2A51B3}"/>
+                <a16:creationId xmlns:a16="http://schemas.microsoft.com/office/drawing/2014/main" id="{9EB13F44-FEAD-4980-8E08-6D4BB99FDCEB}"/>
               </a:ext>
             </a:extLst>
           </p:cNvPr>
           <p:cNvPicPr>
-            <a:picLocks noGrp="1" noChangeAspect="1"/>
+            <a:picLocks noChangeAspect="1"/>
           </p:cNvPicPr>
-          <p:nvPr>
-            <p:ph idx="1"/>
-          </p:nvPr>
+          <p:nvPr/>
         </p:nvPicPr>
         <p:blipFill>
           <a:blip r:embed="rId2">
@@ -21187,15 +20911,18 @@
         </p:blipFill>
         <p:spPr>
           <a:xfrm>
-            <a:off x="555493" y="2782988"/>
-            <a:ext cx="8033014" cy="1292023"/>
+            <a:off x="370239" y="1410626"/>
+            <a:ext cx="5302787" cy="4242230"/>
           </a:xfrm>
+          <a:prstGeom prst="rect">
+            <a:avLst/>
+          </a:prstGeom>
         </p:spPr>
       </p:pic>
     </p:spTree>
     <p:extLst>
       <p:ext uri="{BB962C8B-B14F-4D97-AF65-F5344CB8AC3E}">
-        <p14:creationId xmlns:p14="http://schemas.microsoft.com/office/powerpoint/2010/main" val="3087614358"/>
+        <p14:creationId xmlns:p14="http://schemas.microsoft.com/office/powerpoint/2010/main" val="2885874307"/>
       </p:ext>
     </p:extLst>
   </p:cSld>
@@ -21224,45 +20951,493 @@
       </p:grpSpPr>
       <p:sp>
         <p:nvSpPr>
-          <p:cNvPr id="10" name="제목 4"/>
+          <p:cNvPr id="2" name="제목 1">
+            <a:extLst>
+              <a:ext uri="{FF2B5EF4-FFF2-40B4-BE49-F238E27FC236}">
+                <a16:creationId xmlns:a16="http://schemas.microsoft.com/office/drawing/2014/main" id="{094E32EA-1026-4590-8009-D755764DD877}"/>
+              </a:ext>
+            </a:extLst>
+          </p:cNvPr>
           <p:cNvSpPr>
             <a:spLocks noGrp="1"/>
           </p:cNvSpPr>
           <p:nvPr>
-            <p:ph type="ctrTitle"/>
+            <p:ph type="title"/>
+          </p:nvPr>
+        </p:nvSpPr>
+        <p:spPr/>
+        <p:txBody>
+          <a:bodyPr/>
+          <a:lstStyle/>
+          <a:p>
+            <a:r>
+              <a:rPr lang="ko-KR" altLang="en-US" dirty="0"/>
+              <a:t>현재 진행 상황</a:t>
+            </a:r>
+          </a:p>
+        </p:txBody>
+      </p:sp>
+      <p:sp>
+        <p:nvSpPr>
+          <p:cNvPr id="3" name="내용 개체 틀 2">
+            <a:extLst>
+              <a:ext uri="{FF2B5EF4-FFF2-40B4-BE49-F238E27FC236}">
+                <a16:creationId xmlns:a16="http://schemas.microsoft.com/office/drawing/2014/main" id="{64B03140-8A71-4451-909A-437517501023}"/>
+              </a:ext>
+            </a:extLst>
+          </p:cNvPr>
+          <p:cNvSpPr>
+            <a:spLocks noGrp="1"/>
+          </p:cNvSpPr>
+          <p:nvPr>
+            <p:ph idx="1"/>
           </p:nvPr>
         </p:nvSpPr>
         <p:spPr>
           <a:xfrm>
-            <a:off x="500034" y="2143116"/>
-            <a:ext cx="5460068" cy="2089942"/>
+            <a:off x="5436096" y="1268760"/>
+            <a:ext cx="3384376" cy="5112568"/>
           </a:xfrm>
         </p:spPr>
         <p:txBody>
           <a:bodyPr>
-            <a:noAutofit/>
+            <a:normAutofit lnSpcReduction="10000"/>
           </a:bodyPr>
           <a:lstStyle/>
           <a:p>
-            <a:pPr>
+            <a:pPr marL="457200" indent="-457200">
               <a:lnSpc>
-                <a:spcPct val="80000"/>
+                <a:spcPct val="150000"/>
               </a:lnSpc>
+              <a:buFont typeface="+mj-lt"/>
+              <a:buAutoNum type="arabicPeriod"/>
             </a:pPr>
             <a:r>
-              <a:rPr lang="en-US" altLang="ko-KR" dirty="0"/>
-              <a:t>THANKYOU</a:t>
-            </a:r>
-            <a:endParaRPr lang="ko-KR" altLang="en-US" dirty="0"/>
+              <a:rPr lang="ko-KR" altLang="en-US" sz="1600" dirty="0" err="1">
+                <a:latin typeface="나눔고딕" panose="020D0604000000000000" pitchFamily="50" charset="-127"/>
+                <a:ea typeface="나눔고딕" panose="020D0604000000000000" pitchFamily="50" charset="-127"/>
+              </a:rPr>
+              <a:t>크롤링</a:t>
+            </a:r>
+            <a:r>
+              <a:rPr lang="ko-KR" altLang="en-US" sz="1600" dirty="0">
+                <a:latin typeface="나눔고딕" panose="020D0604000000000000" pitchFamily="50" charset="-127"/>
+                <a:ea typeface="나눔고딕" panose="020D0604000000000000" pitchFamily="50" charset="-127"/>
+              </a:rPr>
+              <a:t> 사용 언어 </a:t>
+            </a:r>
+            <a:r>
+              <a:rPr lang="en-US" altLang="ko-KR" sz="1600" dirty="0">
+                <a:latin typeface="나눔고딕" panose="020D0604000000000000" pitchFamily="50" charset="-127"/>
+                <a:ea typeface="나눔고딕" panose="020D0604000000000000" pitchFamily="50" charset="-127"/>
+              </a:rPr>
+              <a:t>: </a:t>
+            </a:r>
+            <a:r>
+              <a:rPr lang="ko-KR" altLang="en-US" sz="1600" dirty="0">
+                <a:latin typeface="나눔고딕" panose="020D0604000000000000" pitchFamily="50" charset="-127"/>
+                <a:ea typeface="나눔고딕" panose="020D0604000000000000" pitchFamily="50" charset="-127"/>
+              </a:rPr>
+              <a:t>파이썬</a:t>
+            </a:r>
+            <a:r>
+              <a:rPr lang="en-US" altLang="ko-KR" sz="1600" dirty="0">
+                <a:latin typeface="나눔고딕" panose="020D0604000000000000" pitchFamily="50" charset="-127"/>
+                <a:ea typeface="나눔고딕" panose="020D0604000000000000" pitchFamily="50" charset="-127"/>
+              </a:rPr>
+              <a:t>(</a:t>
+            </a:r>
+            <a:r>
+              <a:rPr lang="en-US" altLang="ko-KR" sz="1600" dirty="0" err="1">
+                <a:latin typeface="나눔고딕" panose="020D0604000000000000" pitchFamily="50" charset="-127"/>
+                <a:ea typeface="나눔고딕" panose="020D0604000000000000" pitchFamily="50" charset="-127"/>
+              </a:rPr>
+              <a:t>Beautifulsoup</a:t>
+            </a:r>
+            <a:r>
+              <a:rPr lang="en-US" altLang="ko-KR" sz="1600" dirty="0">
+                <a:latin typeface="나눔고딕" panose="020D0604000000000000" pitchFamily="50" charset="-127"/>
+                <a:ea typeface="나눔고딕" panose="020D0604000000000000" pitchFamily="50" charset="-127"/>
+              </a:rPr>
+              <a:t>, requests)</a:t>
+            </a:r>
+            <a:br>
+              <a:rPr lang="en-US" altLang="ko-KR" sz="1600" dirty="0">
+                <a:latin typeface="나눔고딕" panose="020D0604000000000000" pitchFamily="50" charset="-127"/>
+                <a:ea typeface="나눔고딕" panose="020D0604000000000000" pitchFamily="50" charset="-127"/>
+              </a:rPr>
+            </a:br>
+            <a:r>
+              <a:rPr lang="en-US" altLang="ko-KR" sz="1600" dirty="0">
+                <a:latin typeface="나눔고딕" panose="020D0604000000000000" pitchFamily="50" charset="-127"/>
+                <a:ea typeface="나눔고딕" panose="020D0604000000000000" pitchFamily="50" charset="-127"/>
+              </a:rPr>
+              <a:t>- </a:t>
+            </a:r>
+            <a:r>
+              <a:rPr lang="en-US" altLang="ko-KR" sz="1600" dirty="0" err="1">
+                <a:latin typeface="나눔고딕" panose="020D0604000000000000" pitchFamily="50" charset="-127"/>
+                <a:ea typeface="나눔고딕" panose="020D0604000000000000" pitchFamily="50" charset="-127"/>
+              </a:rPr>
+              <a:t>Colab</a:t>
+            </a:r>
+            <a:endParaRPr lang="en-US" altLang="ko-KR" sz="1600" dirty="0">
+              <a:latin typeface="나눔고딕" panose="020D0604000000000000" pitchFamily="50" charset="-127"/>
+              <a:ea typeface="나눔고딕" panose="020D0604000000000000" pitchFamily="50" charset="-127"/>
+            </a:endParaRPr>
+          </a:p>
+          <a:p>
+            <a:pPr marL="457200" indent="-457200">
+              <a:lnSpc>
+                <a:spcPct val="150000"/>
+              </a:lnSpc>
+              <a:buFont typeface="+mj-lt"/>
+              <a:buAutoNum type="arabicPeriod"/>
+            </a:pPr>
+            <a:endParaRPr lang="en-US" altLang="ko-KR" sz="1600" dirty="0">
+              <a:latin typeface="나눔고딕" panose="020D0604000000000000" pitchFamily="50" charset="-127"/>
+              <a:ea typeface="나눔고딕" panose="020D0604000000000000" pitchFamily="50" charset="-127"/>
+            </a:endParaRPr>
+          </a:p>
+          <a:p>
+            <a:pPr marL="457200" indent="-457200">
+              <a:lnSpc>
+                <a:spcPct val="150000"/>
+              </a:lnSpc>
+              <a:buFont typeface="+mj-lt"/>
+              <a:buAutoNum type="arabicPeriod"/>
+            </a:pPr>
+            <a:r>
+              <a:rPr lang="ko-KR" altLang="en-US" sz="1600" dirty="0">
+                <a:latin typeface="나눔고딕" panose="020D0604000000000000" pitchFamily="50" charset="-127"/>
+                <a:ea typeface="나눔고딕" panose="020D0604000000000000" pitchFamily="50" charset="-127"/>
+              </a:rPr>
+              <a:t>네이버 뉴스의 </a:t>
+            </a:r>
+            <a:r>
+              <a:rPr lang="en-US" altLang="ko-KR" sz="1600" dirty="0" err="1">
+                <a:latin typeface="나눔고딕" panose="020D0604000000000000" pitchFamily="50" charset="-127"/>
+                <a:ea typeface="나눔고딕" panose="020D0604000000000000" pitchFamily="50" charset="-127"/>
+              </a:rPr>
+              <a:t>url</a:t>
+            </a:r>
+            <a:r>
+              <a:rPr lang="ko-KR" altLang="en-US" sz="1600" dirty="0">
+                <a:latin typeface="나눔고딕" panose="020D0604000000000000" pitchFamily="50" charset="-127"/>
+                <a:ea typeface="나눔고딕" panose="020D0604000000000000" pitchFamily="50" charset="-127"/>
+              </a:rPr>
+              <a:t>을 </a:t>
+            </a:r>
+            <a:r>
+              <a:rPr lang="en-US" altLang="ko-KR" sz="1600" dirty="0">
+                <a:latin typeface="나눔고딕" panose="020D0604000000000000" pitchFamily="50" charset="-127"/>
+                <a:ea typeface="나눔고딕" panose="020D0604000000000000" pitchFamily="50" charset="-127"/>
+              </a:rPr>
+              <a:t>requests</a:t>
+            </a:r>
+            <a:r>
+              <a:rPr lang="ko-KR" altLang="en-US" sz="1600" dirty="0">
+                <a:latin typeface="나눔고딕" panose="020D0604000000000000" pitchFamily="50" charset="-127"/>
+                <a:ea typeface="나눔고딕" panose="020D0604000000000000" pitchFamily="50" charset="-127"/>
+              </a:rPr>
+              <a:t>로 받아 해당 뉴스 페이지의 </a:t>
+            </a:r>
+            <a:br>
+              <a:rPr lang="en-US" altLang="ko-KR" sz="1600" dirty="0">
+                <a:latin typeface="나눔고딕" panose="020D0604000000000000" pitchFamily="50" charset="-127"/>
+                <a:ea typeface="나눔고딕" panose="020D0604000000000000" pitchFamily="50" charset="-127"/>
+              </a:rPr>
+            </a:br>
+            <a:r>
+              <a:rPr lang="ko-KR" altLang="en-US" sz="1600" dirty="0">
+                <a:latin typeface="나눔고딕" panose="020D0604000000000000" pitchFamily="50" charset="-127"/>
+                <a:ea typeface="나눔고딕" panose="020D0604000000000000" pitchFamily="50" charset="-127"/>
+              </a:rPr>
+              <a:t>뉴스제목</a:t>
+            </a:r>
+            <a:r>
+              <a:rPr lang="en-US" altLang="ko-KR" sz="1600" dirty="0">
+                <a:latin typeface="나눔고딕" panose="020D0604000000000000" pitchFamily="50" charset="-127"/>
+                <a:ea typeface="나눔고딕" panose="020D0604000000000000" pitchFamily="50" charset="-127"/>
+              </a:rPr>
+              <a:t>, </a:t>
+            </a:r>
+            <a:r>
+              <a:rPr lang="ko-KR" altLang="en-US" sz="1600" dirty="0">
+                <a:latin typeface="나눔고딕" panose="020D0604000000000000" pitchFamily="50" charset="-127"/>
+                <a:ea typeface="나눔고딕" panose="020D0604000000000000" pitchFamily="50" charset="-127"/>
+              </a:rPr>
+              <a:t>신문사</a:t>
+            </a:r>
+            <a:r>
+              <a:rPr lang="en-US" altLang="ko-KR" sz="1600" dirty="0">
+                <a:latin typeface="나눔고딕" panose="020D0604000000000000" pitchFamily="50" charset="-127"/>
+                <a:ea typeface="나눔고딕" panose="020D0604000000000000" pitchFamily="50" charset="-127"/>
+              </a:rPr>
+              <a:t>, link</a:t>
+            </a:r>
+            <a:r>
+              <a:rPr lang="ko-KR" altLang="en-US" sz="1600" dirty="0">
+                <a:latin typeface="나눔고딕" panose="020D0604000000000000" pitchFamily="50" charset="-127"/>
+                <a:ea typeface="나눔고딕" panose="020D0604000000000000" pitchFamily="50" charset="-127"/>
+              </a:rPr>
+              <a:t>를 </a:t>
+            </a:r>
+            <a:r>
+              <a:rPr lang="en-US" altLang="ko-KR" sz="1600" dirty="0" err="1">
+                <a:latin typeface="나눔고딕" panose="020D0604000000000000" pitchFamily="50" charset="-127"/>
+                <a:ea typeface="나눔고딕" panose="020D0604000000000000" pitchFamily="50" charset="-127"/>
+              </a:rPr>
+              <a:t>beautifulsoup</a:t>
+            </a:r>
+            <a:r>
+              <a:rPr lang="ko-KR" altLang="en-US" sz="1600" dirty="0">
+                <a:latin typeface="나눔고딕" panose="020D0604000000000000" pitchFamily="50" charset="-127"/>
+                <a:ea typeface="나눔고딕" panose="020D0604000000000000" pitchFamily="50" charset="-127"/>
+              </a:rPr>
+              <a:t>으로 </a:t>
+            </a:r>
+            <a:r>
+              <a:rPr lang="ko-KR" altLang="en-US" sz="1600" dirty="0" err="1">
+                <a:latin typeface="나눔고딕" panose="020D0604000000000000" pitchFamily="50" charset="-127"/>
+                <a:ea typeface="나눔고딕" panose="020D0604000000000000" pitchFamily="50" charset="-127"/>
+              </a:rPr>
+              <a:t>파싱해</a:t>
+            </a:r>
+            <a:r>
+              <a:rPr lang="ko-KR" altLang="en-US" sz="1600" dirty="0">
+                <a:latin typeface="나눔고딕" panose="020D0604000000000000" pitchFamily="50" charset="-127"/>
+                <a:ea typeface="나눔고딕" panose="020D0604000000000000" pitchFamily="50" charset="-127"/>
+              </a:rPr>
+              <a:t> </a:t>
+            </a:r>
+            <a:br>
+              <a:rPr lang="en-US" altLang="ko-KR" sz="1600" dirty="0">
+                <a:latin typeface="나눔고딕" panose="020D0604000000000000" pitchFamily="50" charset="-127"/>
+                <a:ea typeface="나눔고딕" panose="020D0604000000000000" pitchFamily="50" charset="-127"/>
+              </a:rPr>
+            </a:br>
+            <a:r>
+              <a:rPr lang="ko-KR" altLang="en-US" sz="1600" dirty="0">
+                <a:latin typeface="나눔고딕" panose="020D0604000000000000" pitchFamily="50" charset="-127"/>
+                <a:ea typeface="나눔고딕" panose="020D0604000000000000" pitchFamily="50" charset="-127"/>
+              </a:rPr>
+              <a:t>데이터</a:t>
+            </a:r>
+            <a:r>
+              <a:rPr lang="en-US" altLang="ko-KR" sz="1600" dirty="0">
+                <a:latin typeface="나눔고딕" panose="020D0604000000000000" pitchFamily="50" charset="-127"/>
+                <a:ea typeface="나눔고딕" panose="020D0604000000000000" pitchFamily="50" charset="-127"/>
+              </a:rPr>
+              <a:t>(csv)</a:t>
+            </a:r>
+            <a:r>
+              <a:rPr lang="ko-KR" altLang="en-US" sz="1600" dirty="0">
+                <a:latin typeface="나눔고딕" panose="020D0604000000000000" pitchFamily="50" charset="-127"/>
+                <a:ea typeface="나눔고딕" panose="020D0604000000000000" pitchFamily="50" charset="-127"/>
+              </a:rPr>
+              <a:t>로 저장하는 </a:t>
+            </a:r>
+            <a:br>
+              <a:rPr lang="en-US" altLang="ko-KR" sz="1600" dirty="0">
+                <a:latin typeface="나눔고딕" panose="020D0604000000000000" pitchFamily="50" charset="-127"/>
+                <a:ea typeface="나눔고딕" panose="020D0604000000000000" pitchFamily="50" charset="-127"/>
+              </a:rPr>
+            </a:br>
+            <a:r>
+              <a:rPr lang="ko-KR" altLang="en-US" sz="1600" dirty="0">
+                <a:latin typeface="나눔고딕" panose="020D0604000000000000" pitchFamily="50" charset="-127"/>
+                <a:ea typeface="나눔고딕" panose="020D0604000000000000" pitchFamily="50" charset="-127"/>
+              </a:rPr>
+              <a:t>방식의 </a:t>
+            </a:r>
+            <a:r>
+              <a:rPr lang="ko-KR" altLang="en-US" sz="1600" dirty="0" err="1">
+                <a:latin typeface="나눔고딕" panose="020D0604000000000000" pitchFamily="50" charset="-127"/>
+                <a:ea typeface="나눔고딕" panose="020D0604000000000000" pitchFamily="50" charset="-127"/>
+              </a:rPr>
+              <a:t>크롤링</a:t>
+            </a:r>
+            <a:endParaRPr lang="en-US" altLang="ko-KR" sz="1600" dirty="0">
+              <a:latin typeface="나눔고딕" panose="020D0604000000000000" pitchFamily="50" charset="-127"/>
+              <a:ea typeface="나눔고딕" panose="020D0604000000000000" pitchFamily="50" charset="-127"/>
+            </a:endParaRPr>
+          </a:p>
+          <a:p>
+            <a:pPr marL="457200" indent="-457200">
+              <a:lnSpc>
+                <a:spcPct val="150000"/>
+              </a:lnSpc>
+              <a:buFont typeface="+mj-lt"/>
+              <a:buAutoNum type="arabicPeriod"/>
+            </a:pPr>
+            <a:endParaRPr lang="en-US" altLang="ko-KR" sz="1600" dirty="0">
+              <a:latin typeface="나눔고딕" panose="020D0604000000000000" pitchFamily="50" charset="-127"/>
+              <a:ea typeface="나눔고딕" panose="020D0604000000000000" pitchFamily="50" charset="-127"/>
+            </a:endParaRPr>
+          </a:p>
+          <a:p>
+            <a:pPr marL="457200" indent="-457200">
+              <a:lnSpc>
+                <a:spcPct val="150000"/>
+              </a:lnSpc>
+              <a:buFont typeface="+mj-lt"/>
+              <a:buAutoNum type="arabicPeriod"/>
+            </a:pPr>
+            <a:r>
+              <a:rPr lang="en-US" altLang="ko-KR" sz="1600" dirty="0" err="1">
+                <a:latin typeface="나눔고딕" panose="020D0604000000000000" pitchFamily="50" charset="-127"/>
+                <a:ea typeface="나눔고딕" panose="020D0604000000000000" pitchFamily="50" charset="-127"/>
+              </a:rPr>
+              <a:t>sqlalchemy</a:t>
+            </a:r>
+            <a:r>
+              <a:rPr lang="en-US" altLang="ko-KR" sz="1600" dirty="0">
+                <a:latin typeface="나눔고딕" panose="020D0604000000000000" pitchFamily="50" charset="-127"/>
+                <a:ea typeface="나눔고딕" panose="020D0604000000000000" pitchFamily="50" charset="-127"/>
+              </a:rPr>
+              <a:t> </a:t>
+            </a:r>
+            <a:r>
+              <a:rPr lang="ko-KR" altLang="en-US" sz="1600" dirty="0">
+                <a:latin typeface="나눔고딕" panose="020D0604000000000000" pitchFamily="50" charset="-127"/>
+                <a:ea typeface="나눔고딕" panose="020D0604000000000000" pitchFamily="50" charset="-127"/>
+              </a:rPr>
+              <a:t>라이브러리를 활용하여 </a:t>
+            </a:r>
+            <a:r>
+              <a:rPr lang="ko-KR" altLang="en-US" sz="1600" dirty="0" err="1">
+                <a:latin typeface="나눔고딕" panose="020D0604000000000000" pitchFamily="50" charset="-127"/>
+                <a:ea typeface="나눔고딕" panose="020D0604000000000000" pitchFamily="50" charset="-127"/>
+              </a:rPr>
+              <a:t>파이썬으로</a:t>
+            </a:r>
+            <a:r>
+              <a:rPr lang="ko-KR" altLang="en-US" sz="1600" dirty="0">
+                <a:latin typeface="나눔고딕" panose="020D0604000000000000" pitchFamily="50" charset="-127"/>
+                <a:ea typeface="나눔고딕" panose="020D0604000000000000" pitchFamily="50" charset="-127"/>
+              </a:rPr>
+              <a:t> </a:t>
+            </a:r>
+            <a:r>
+              <a:rPr lang="en-US" altLang="ko-KR" sz="1600" dirty="0">
+                <a:latin typeface="나눔고딕" panose="020D0604000000000000" pitchFamily="50" charset="-127"/>
+                <a:ea typeface="나눔고딕" panose="020D0604000000000000" pitchFamily="50" charset="-127"/>
+              </a:rPr>
+              <a:t>SQL</a:t>
+            </a:r>
+            <a:r>
+              <a:rPr lang="ko-KR" altLang="en-US" sz="1600" dirty="0">
+                <a:latin typeface="나눔고딕" panose="020D0604000000000000" pitchFamily="50" charset="-127"/>
+                <a:ea typeface="나눔고딕" panose="020D0604000000000000" pitchFamily="50" charset="-127"/>
+              </a:rPr>
+              <a:t>에 연결해 데이터를 적재하는 방식</a:t>
+            </a:r>
+            <a:endParaRPr lang="en-US" altLang="ko-KR" sz="1600" dirty="0">
+              <a:latin typeface="나눔고딕" panose="020D0604000000000000" pitchFamily="50" charset="-127"/>
+              <a:ea typeface="나눔고딕" panose="020D0604000000000000" pitchFamily="50" charset="-127"/>
+            </a:endParaRPr>
+          </a:p>
+          <a:p>
+            <a:pPr marL="800100" lvl="1" indent="-342900">
+              <a:buFont typeface="+mj-lt"/>
+              <a:buAutoNum type="arabicPeriod"/>
+            </a:pPr>
+            <a:endParaRPr lang="ko-KR" altLang="en-US" sz="1600" dirty="0">
+              <a:latin typeface="나눔고딕" panose="020D0604000000000000" pitchFamily="50" charset="-127"/>
+              <a:ea typeface="나눔고딕" panose="020D0604000000000000" pitchFamily="50" charset="-127"/>
+            </a:endParaRPr>
+          </a:p>
+          <a:p>
+            <a:pPr marL="514350" indent="-514350">
+              <a:buFont typeface="+mj-lt"/>
+              <a:buAutoNum type="arabicPeriod"/>
+            </a:pPr>
+            <a:endParaRPr lang="ko-KR" altLang="en-US" sz="1600" dirty="0">
+              <a:latin typeface="나눔고딕" panose="020D0604000000000000" pitchFamily="50" charset="-127"/>
+              <a:ea typeface="나눔고딕" panose="020D0604000000000000" pitchFamily="50" charset="-127"/>
+            </a:endParaRPr>
           </a:p>
         </p:txBody>
       </p:sp>
+      <p:pic>
+        <p:nvPicPr>
+          <p:cNvPr id="4" name="그림 3" descr="텍스트이(가) 표시된 사진&#10;&#10;자동 생성된 설명">
+            <a:extLst>
+              <a:ext uri="{FF2B5EF4-FFF2-40B4-BE49-F238E27FC236}">
+                <a16:creationId xmlns:a16="http://schemas.microsoft.com/office/drawing/2014/main" id="{9925153C-4422-48DC-A16E-80B97605935C}"/>
+              </a:ext>
+            </a:extLst>
+          </p:cNvPr>
+          <p:cNvPicPr>
+            <a:picLocks noChangeAspect="1"/>
+          </p:cNvPicPr>
+          <p:nvPr/>
+        </p:nvPicPr>
+        <p:blipFill>
+          <a:blip r:embed="rId2" cstate="print">
+            <a:extLst>
+              <a:ext uri="{28A0092B-C50C-407E-A947-70E740481C1C}">
+                <a14:useLocalDpi xmlns:a14="http://schemas.microsoft.com/office/drawing/2010/main" val="0"/>
+              </a:ext>
+            </a:extLst>
+          </a:blip>
+          <a:stretch>
+            <a:fillRect/>
+          </a:stretch>
+        </p:blipFill>
+        <p:spPr>
+          <a:xfrm>
+            <a:off x="395536" y="1412776"/>
+            <a:ext cx="4813920" cy="2305528"/>
+          </a:xfrm>
+          <a:prstGeom prst="rect">
+            <a:avLst/>
+          </a:prstGeom>
+        </p:spPr>
+      </p:pic>
+      <p:pic>
+        <p:nvPicPr>
+          <p:cNvPr id="5" name="그림 4" descr="텍스트, 스크린샷, 모니터, 검은색이(가) 표시된 사진&#10;&#10;자동 생성된 설명">
+            <a:extLst>
+              <a:ext uri="{FF2B5EF4-FFF2-40B4-BE49-F238E27FC236}">
+                <a16:creationId xmlns:a16="http://schemas.microsoft.com/office/drawing/2014/main" id="{CF8AE61A-3745-470F-9A23-0756FDECA0F3}"/>
+              </a:ext>
+            </a:extLst>
+          </p:cNvPr>
+          <p:cNvPicPr>
+            <a:picLocks noChangeAspect="1"/>
+          </p:cNvPicPr>
+          <p:nvPr/>
+        </p:nvPicPr>
+        <p:blipFill>
+          <a:blip r:embed="rId3" cstate="print">
+            <a:extLst>
+              <a:ext uri="{28A0092B-C50C-407E-A947-70E740481C1C}">
+                <a14:useLocalDpi xmlns:a14="http://schemas.microsoft.com/office/drawing/2010/main" val="0"/>
+              </a:ext>
+            </a:extLst>
+          </a:blip>
+          <a:stretch>
+            <a:fillRect/>
+          </a:stretch>
+        </p:blipFill>
+        <p:spPr>
+          <a:xfrm>
+            <a:off x="395536" y="3718304"/>
+            <a:ext cx="4813920" cy="2022633"/>
+          </a:xfrm>
+          <a:prstGeom prst="rect">
+            <a:avLst/>
+          </a:prstGeom>
+        </p:spPr>
+      </p:pic>
       <p:sp>
         <p:nvSpPr>
-          <p:cNvPr id="7" name="TextBox 6">
+          <p:cNvPr id="6" name="TextBox 5">
             <a:extLst>
               <a:ext uri="{FF2B5EF4-FFF2-40B4-BE49-F238E27FC236}">
-                <a16:creationId xmlns:a16="http://schemas.microsoft.com/office/drawing/2014/main" id="{E67FD32F-8A3C-4A22-A282-155E41E652EE}"/>
+                <a16:creationId xmlns:a16="http://schemas.microsoft.com/office/drawing/2014/main" id="{A7F2F109-5E23-4EEA-9B59-B787A929F73D}"/>
               </a:ext>
             </a:extLst>
           </p:cNvPr>
@@ -21271,8 +21446,8 @@
         </p:nvSpPr>
         <p:spPr>
           <a:xfrm>
-            <a:off x="683568" y="1988840"/>
-            <a:ext cx="3781805" cy="553998"/>
+            <a:off x="1043608" y="5854555"/>
+            <a:ext cx="3275257" cy="338554"/>
           </a:xfrm>
           <a:prstGeom prst="rect">
             <a:avLst/>
@@ -21285,8 +21460,9 @@
           </a:bodyPr>
           <a:lstStyle/>
           <a:p>
-            <a:r>
-              <a:rPr lang="en-US" altLang="ko-KR" sz="3000" b="1" dirty="0">
+            <a:pPr algn="ctr"/>
+            <a:r>
+              <a:rPr lang="ko-KR" altLang="en-US" sz="1600" b="1" i="1" dirty="0">
                 <a:solidFill>
                   <a:srgbClr val="168CB3"/>
                 </a:solidFill>
@@ -21294,10 +21470,10 @@
                 <a:ea typeface="나눔고딕 ExtraBold" panose="020D0904000000000000" pitchFamily="50" charset="-127"/>
                 <a:cs typeface="Arial" pitchFamily="34" charset="0"/>
               </a:rPr>
-              <a:t>TEAM </a:t>
-            </a:r>
-            <a:r>
-              <a:rPr lang="ko-KR" altLang="en-US" sz="3000" b="1" dirty="0">
+              <a:t>▲ 기업 관련기사 </a:t>
+            </a:r>
+            <a:r>
+              <a:rPr lang="ko-KR" altLang="en-US" sz="1600" b="1" i="1" dirty="0" err="1">
                 <a:solidFill>
                   <a:srgbClr val="168CB3"/>
                 </a:solidFill>
@@ -21305,20 +21481,9 @@
                 <a:ea typeface="나눔고딕 ExtraBold" panose="020D0904000000000000" pitchFamily="50" charset="-127"/>
                 <a:cs typeface="Arial" pitchFamily="34" charset="0"/>
               </a:rPr>
-              <a:t>그릴그린</a:t>
-            </a:r>
-            <a:r>
-              <a:rPr lang="en-US" altLang="ko-KR" sz="3000" b="1" dirty="0">
-                <a:solidFill>
-                  <a:srgbClr val="168CB3"/>
-                </a:solidFill>
-                <a:latin typeface="나눔고딕 ExtraBold" panose="020D0904000000000000" pitchFamily="50" charset="-127"/>
-                <a:ea typeface="나눔고딕 ExtraBold" panose="020D0904000000000000" pitchFamily="50" charset="-127"/>
-                <a:cs typeface="Arial" pitchFamily="34" charset="0"/>
-              </a:rPr>
-              <a:t> </a:t>
-            </a:r>
-            <a:endParaRPr lang="ko-KR" altLang="en-US" sz="3000" b="1" dirty="0">
+              <a:t>크롤링</a:t>
+            </a:r>
+            <a:endParaRPr lang="ko-KR" altLang="ko-KR" sz="1600" dirty="0">
               <a:solidFill>
                 <a:srgbClr val="168CB3"/>
               </a:solidFill>
@@ -21330,6 +21495,11 @@
         </p:txBody>
       </p:sp>
     </p:spTree>
+    <p:extLst>
+      <p:ext uri="{BB962C8B-B14F-4D97-AF65-F5344CB8AC3E}">
+        <p14:creationId xmlns:p14="http://schemas.microsoft.com/office/powerpoint/2010/main" val="2290093157"/>
+      </p:ext>
+    </p:extLst>
   </p:cSld>
   <p:clrMapOvr>
     <a:masterClrMapping/>
@@ -23153,6 +23323,296 @@
 </p:sld>
 </file>
 
+<file path=ppt/slides/slide40.xml><?xml version="1.0" encoding="utf-8"?>
+<p:sld xmlns:a="http://schemas.openxmlformats.org/drawingml/2006/main" xmlns:r="http://schemas.openxmlformats.org/officeDocument/2006/relationships" xmlns:p="http://schemas.openxmlformats.org/presentationml/2006/main">
+  <p:cSld>
+    <p:spTree>
+      <p:nvGrpSpPr>
+        <p:cNvPr id="1" name=""/>
+        <p:cNvGrpSpPr/>
+        <p:nvPr/>
+      </p:nvGrpSpPr>
+      <p:grpSpPr>
+        <a:xfrm>
+          <a:off x="0" y="0"/>
+          <a:ext cx="0" cy="0"/>
+          <a:chOff x="0" y="0"/>
+          <a:chExt cx="0" cy="0"/>
+        </a:xfrm>
+      </p:grpSpPr>
+      <p:sp>
+        <p:nvSpPr>
+          <p:cNvPr id="5" name="TextBox 4"/>
+          <p:cNvSpPr txBox="1"/>
+          <p:nvPr/>
+        </p:nvSpPr>
+        <p:spPr>
+          <a:xfrm>
+            <a:off x="2966431" y="4365104"/>
+            <a:ext cx="3211135" cy="369332"/>
+          </a:xfrm>
+          <a:prstGeom prst="rect">
+            <a:avLst/>
+          </a:prstGeom>
+          <a:noFill/>
+        </p:spPr>
+        <p:txBody>
+          <a:bodyPr wrap="none" rtlCol="0">
+            <a:spAutoFit/>
+          </a:bodyPr>
+          <a:lstStyle/>
+          <a:p>
+            <a:pPr algn="ctr"/>
+            <a:r>
+              <a:rPr lang="ko-KR" altLang="en-US" b="1" i="1" dirty="0">
+                <a:solidFill>
+                  <a:srgbClr val="168CB3"/>
+                </a:solidFill>
+                <a:latin typeface="Arial" pitchFamily="34" charset="0"/>
+                <a:cs typeface="Arial" pitchFamily="34" charset="0"/>
+              </a:rPr>
+              <a:t>▲ 구현 </a:t>
+            </a:r>
+            <a:r>
+              <a:rPr lang="ko-KR" altLang="en-US" b="1" i="1" dirty="0" err="1">
+                <a:solidFill>
+                  <a:srgbClr val="168CB3"/>
+                </a:solidFill>
+                <a:latin typeface="Arial" pitchFamily="34" charset="0"/>
+                <a:cs typeface="Arial" pitchFamily="34" charset="0"/>
+              </a:rPr>
+              <a:t>리포지토리</a:t>
+            </a:r>
+            <a:r>
+              <a:rPr lang="ko-KR" altLang="en-US" b="1" i="1" dirty="0">
+                <a:solidFill>
+                  <a:srgbClr val="168CB3"/>
+                </a:solidFill>
+                <a:latin typeface="Arial" pitchFamily="34" charset="0"/>
+                <a:cs typeface="Arial" pitchFamily="34" charset="0"/>
+              </a:rPr>
+              <a:t> 깃 플로우</a:t>
+            </a:r>
+            <a:endParaRPr lang="ko-KR" altLang="ko-KR" dirty="0">
+              <a:solidFill>
+                <a:srgbClr val="168CB3"/>
+              </a:solidFill>
+              <a:latin typeface="Arial" pitchFamily="34" charset="0"/>
+              <a:cs typeface="Arial" pitchFamily="34" charset="0"/>
+            </a:endParaRPr>
+          </a:p>
+        </p:txBody>
+      </p:sp>
+      <p:sp>
+        <p:nvSpPr>
+          <p:cNvPr id="7" name="제목 6"/>
+          <p:cNvSpPr>
+            <a:spLocks noGrp="1"/>
+          </p:cNvSpPr>
+          <p:nvPr>
+            <p:ph type="title"/>
+          </p:nvPr>
+        </p:nvSpPr>
+        <p:spPr/>
+        <p:txBody>
+          <a:bodyPr/>
+          <a:lstStyle/>
+          <a:p>
+            <a:r>
+              <a:rPr lang="ko-KR" altLang="en-US" dirty="0"/>
+              <a:t>형상 관리 </a:t>
+            </a:r>
+            <a:r>
+              <a:rPr lang="en-US" altLang="ko-KR" dirty="0"/>
+              <a:t>– </a:t>
+            </a:r>
+            <a:r>
+              <a:rPr lang="ko-KR" altLang="en-US" dirty="0"/>
+              <a:t>깃 플로우 차트</a:t>
+            </a:r>
+          </a:p>
+        </p:txBody>
+      </p:sp>
+      <p:pic>
+        <p:nvPicPr>
+          <p:cNvPr id="8" name="내용 개체 틀 7">
+            <a:extLst>
+              <a:ext uri="{FF2B5EF4-FFF2-40B4-BE49-F238E27FC236}">
+                <a16:creationId xmlns:a16="http://schemas.microsoft.com/office/drawing/2014/main" id="{817D3575-72CA-489F-8B60-1E2980D98CCF}"/>
+              </a:ext>
+            </a:extLst>
+          </p:cNvPr>
+          <p:cNvPicPr>
+            <a:picLocks noGrp="1" noChangeAspect="1"/>
+          </p:cNvPicPr>
+          <p:nvPr>
+            <p:ph idx="1"/>
+          </p:nvPr>
+        </p:nvPicPr>
+        <p:blipFill>
+          <a:blip r:embed="rId2">
+            <a:extLst>
+              <a:ext uri="{28A0092B-C50C-407E-A947-70E740481C1C}">
+                <a14:useLocalDpi xmlns:a14="http://schemas.microsoft.com/office/drawing/2010/main" val="0"/>
+              </a:ext>
+            </a:extLst>
+          </a:blip>
+          <a:stretch>
+            <a:fillRect/>
+          </a:stretch>
+        </p:blipFill>
+        <p:spPr>
+          <a:xfrm>
+            <a:off x="827088" y="2929065"/>
+            <a:ext cx="7489825" cy="1204657"/>
+          </a:xfrm>
+        </p:spPr>
+      </p:pic>
+    </p:spTree>
+    <p:extLst>
+      <p:ext uri="{BB962C8B-B14F-4D97-AF65-F5344CB8AC3E}">
+        <p14:creationId xmlns:p14="http://schemas.microsoft.com/office/powerpoint/2010/main" val="3087614358"/>
+      </p:ext>
+    </p:extLst>
+  </p:cSld>
+  <p:clrMapOvr>
+    <a:masterClrMapping/>
+  </p:clrMapOvr>
+</p:sld>
+</file>
+
+<file path=ppt/slides/slide41.xml><?xml version="1.0" encoding="utf-8"?>
+<p:sld xmlns:a="http://schemas.openxmlformats.org/drawingml/2006/main" xmlns:r="http://schemas.openxmlformats.org/officeDocument/2006/relationships" xmlns:p="http://schemas.openxmlformats.org/presentationml/2006/main">
+  <p:cSld>
+    <p:spTree>
+      <p:nvGrpSpPr>
+        <p:cNvPr id="1" name=""/>
+        <p:cNvGrpSpPr/>
+        <p:nvPr/>
+      </p:nvGrpSpPr>
+      <p:grpSpPr>
+        <a:xfrm>
+          <a:off x="0" y="0"/>
+          <a:ext cx="0" cy="0"/>
+          <a:chOff x="0" y="0"/>
+          <a:chExt cx="0" cy="0"/>
+        </a:xfrm>
+      </p:grpSpPr>
+      <p:sp>
+        <p:nvSpPr>
+          <p:cNvPr id="10" name="제목 4"/>
+          <p:cNvSpPr>
+            <a:spLocks noGrp="1"/>
+          </p:cNvSpPr>
+          <p:nvPr>
+            <p:ph type="ctrTitle"/>
+          </p:nvPr>
+        </p:nvSpPr>
+        <p:spPr>
+          <a:xfrm>
+            <a:off x="500034" y="2143116"/>
+            <a:ext cx="5460068" cy="2089942"/>
+          </a:xfrm>
+        </p:spPr>
+        <p:txBody>
+          <a:bodyPr>
+            <a:noAutofit/>
+          </a:bodyPr>
+          <a:lstStyle/>
+          <a:p>
+            <a:pPr>
+              <a:lnSpc>
+                <a:spcPct val="80000"/>
+              </a:lnSpc>
+            </a:pPr>
+            <a:r>
+              <a:rPr lang="en-US" altLang="ko-KR" dirty="0"/>
+              <a:t>THANKYOU</a:t>
+            </a:r>
+            <a:endParaRPr lang="ko-KR" altLang="en-US" dirty="0"/>
+          </a:p>
+        </p:txBody>
+      </p:sp>
+      <p:sp>
+        <p:nvSpPr>
+          <p:cNvPr id="7" name="TextBox 6">
+            <a:extLst>
+              <a:ext uri="{FF2B5EF4-FFF2-40B4-BE49-F238E27FC236}">
+                <a16:creationId xmlns:a16="http://schemas.microsoft.com/office/drawing/2014/main" id="{E67FD32F-8A3C-4A22-A282-155E41E652EE}"/>
+              </a:ext>
+            </a:extLst>
+          </p:cNvPr>
+          <p:cNvSpPr txBox="1"/>
+          <p:nvPr/>
+        </p:nvSpPr>
+        <p:spPr>
+          <a:xfrm>
+            <a:off x="683568" y="1988840"/>
+            <a:ext cx="3781805" cy="553998"/>
+          </a:xfrm>
+          <a:prstGeom prst="rect">
+            <a:avLst/>
+          </a:prstGeom>
+          <a:noFill/>
+        </p:spPr>
+        <p:txBody>
+          <a:bodyPr wrap="square" rtlCol="0">
+            <a:spAutoFit/>
+          </a:bodyPr>
+          <a:lstStyle/>
+          <a:p>
+            <a:r>
+              <a:rPr lang="en-US" altLang="ko-KR" sz="3000" b="1" dirty="0">
+                <a:solidFill>
+                  <a:srgbClr val="168CB3"/>
+                </a:solidFill>
+                <a:latin typeface="나눔고딕 ExtraBold" panose="020D0904000000000000" pitchFamily="50" charset="-127"/>
+                <a:ea typeface="나눔고딕 ExtraBold" panose="020D0904000000000000" pitchFamily="50" charset="-127"/>
+                <a:cs typeface="Arial" pitchFamily="34" charset="0"/>
+              </a:rPr>
+              <a:t>TEAM </a:t>
+            </a:r>
+            <a:r>
+              <a:rPr lang="ko-KR" altLang="en-US" sz="3000" b="1" dirty="0">
+                <a:solidFill>
+                  <a:srgbClr val="168CB3"/>
+                </a:solidFill>
+                <a:latin typeface="나눔고딕 ExtraBold" panose="020D0904000000000000" pitchFamily="50" charset="-127"/>
+                <a:ea typeface="나눔고딕 ExtraBold" panose="020D0904000000000000" pitchFamily="50" charset="-127"/>
+                <a:cs typeface="Arial" pitchFamily="34" charset="0"/>
+              </a:rPr>
+              <a:t>그릴그린</a:t>
+            </a:r>
+            <a:r>
+              <a:rPr lang="en-US" altLang="ko-KR" sz="3000" b="1" dirty="0">
+                <a:solidFill>
+                  <a:srgbClr val="168CB3"/>
+                </a:solidFill>
+                <a:latin typeface="나눔고딕 ExtraBold" panose="020D0904000000000000" pitchFamily="50" charset="-127"/>
+                <a:ea typeface="나눔고딕 ExtraBold" panose="020D0904000000000000" pitchFamily="50" charset="-127"/>
+                <a:cs typeface="Arial" pitchFamily="34" charset="0"/>
+              </a:rPr>
+              <a:t> </a:t>
+            </a:r>
+            <a:endParaRPr lang="ko-KR" altLang="en-US" sz="3000" b="1" dirty="0">
+              <a:solidFill>
+                <a:srgbClr val="168CB3"/>
+              </a:solidFill>
+              <a:latin typeface="나눔고딕 ExtraBold" panose="020D0904000000000000" pitchFamily="50" charset="-127"/>
+              <a:ea typeface="나눔고딕 ExtraBold" panose="020D0904000000000000" pitchFamily="50" charset="-127"/>
+              <a:cs typeface="Arial" pitchFamily="34" charset="0"/>
+            </a:endParaRPr>
+          </a:p>
+        </p:txBody>
+      </p:sp>
+    </p:spTree>
+  </p:cSld>
+  <p:clrMapOvr>
+    <a:masterClrMapping/>
+  </p:clrMapOvr>
+</p:sld>
+</file>
+
 <file path=ppt/slides/slide5.xml><?xml version="1.0" encoding="utf-8"?>
 <p:sld xmlns:a="http://schemas.openxmlformats.org/drawingml/2006/main" xmlns:r="http://schemas.openxmlformats.org/officeDocument/2006/relationships" xmlns:p="http://schemas.openxmlformats.org/presentationml/2006/main">
   <p:cSld>
@@ -23306,6 +23766,30 @@
               </a:rPr>
               <a:t>목록</a:t>
             </a:r>
+            <a:endParaRPr lang="en-US" altLang="ko-KR" sz="1200" dirty="0">
+              <a:latin typeface="210 M고딕 040" panose="02020603020101020101" pitchFamily="18" charset="-127"/>
+              <a:ea typeface="210 M고딕 040" panose="02020603020101020101" pitchFamily="18" charset="-127"/>
+              <a:cs typeface="Arial" pitchFamily="34" charset="0"/>
+            </a:endParaRPr>
+          </a:p>
+          <a:p>
+            <a:r>
+              <a:rPr lang="ko-KR" altLang="en-US" sz="1200" dirty="0">
+                <a:effectLst/>
+                <a:latin typeface="210 M고딕 040" panose="02020603020101020101" pitchFamily="18" charset="-127"/>
+                <a:ea typeface="210 M고딕 040" panose="02020603020101020101" pitchFamily="18" charset="-127"/>
+                <a:cs typeface="Arial" pitchFamily="34" charset="0"/>
+              </a:rPr>
+              <a:t>개발방법론</a:t>
+            </a:r>
+            <a:endParaRPr lang="en-US" altLang="ko-KR" sz="1200">
+              <a:effectLst/>
+              <a:latin typeface="210 M고딕 040" panose="02020603020101020101" pitchFamily="18" charset="-127"/>
+              <a:ea typeface="210 M고딕 040" panose="02020603020101020101" pitchFamily="18" charset="-127"/>
+              <a:cs typeface="Arial" pitchFamily="34" charset="0"/>
+            </a:endParaRPr>
+          </a:p>
+          <a:p>
             <a:endParaRPr lang="en-US" altLang="ko-KR" sz="1200" dirty="0">
               <a:effectLst/>
               <a:latin typeface="210 M고딕 040" panose="02020603020101020101" pitchFamily="18" charset="-127"/>
@@ -26452,67 +26936,15 @@
       </p:grpSpPr>
       <p:sp>
         <p:nvSpPr>
-          <p:cNvPr id="6" name="제목 5"/>
+          <p:cNvPr id="244738" name="Rectangle 303"/>
           <p:cNvSpPr>
-            <a:spLocks noGrp="1"/>
+            <a:spLocks noGrp="1" noChangeArrowheads="1"/>
           </p:cNvSpPr>
           <p:nvPr>
             <p:ph type="title"/>
           </p:nvPr>
         </p:nvSpPr>
-        <p:spPr>
-          <a:xfrm>
-            <a:off x="1056812" y="2786058"/>
-            <a:ext cx="6336704" cy="720080"/>
-          </a:xfrm>
-          <a:ln w="9525">
-            <a:noFill/>
-          </a:ln>
-        </p:spPr>
-        <p:txBody>
-          <a:bodyPr vert="horz" lIns="91440" tIns="45720" rIns="91440" bIns="45720" rtlCol="0" anchor="ctr">
-            <a:normAutofit/>
-          </a:bodyPr>
-          <a:lstStyle/>
-          <a:p>
-            <a:pPr>
-              <a:lnSpc>
-                <a:spcPct val="80000"/>
-              </a:lnSpc>
-            </a:pPr>
-            <a:r>
-              <a:rPr lang="en-US" altLang="ko-KR" dirty="0">
-                <a:latin typeface="나눔고딕 ExtraBold" panose="020D0904000000000000" pitchFamily="50" charset="-127"/>
-                <a:ea typeface="나눔고딕 ExtraBold" panose="020D0904000000000000" pitchFamily="50" charset="-127"/>
-              </a:rPr>
-              <a:t>03.</a:t>
-            </a:r>
-            <a:r>
-              <a:rPr lang="ko-KR" altLang="en-US" dirty="0">
-                <a:latin typeface="나눔고딕 ExtraBold" panose="020D0904000000000000" pitchFamily="50" charset="-127"/>
-                <a:ea typeface="나눔고딕 ExtraBold" panose="020D0904000000000000" pitchFamily="50" charset="-127"/>
-              </a:rPr>
-              <a:t>산출물 공개</a:t>
-            </a:r>
-          </a:p>
-        </p:txBody>
-      </p:sp>
-      <p:sp>
-        <p:nvSpPr>
-          <p:cNvPr id="5" name="부제목 6"/>
-          <p:cNvSpPr>
-            <a:spLocks noGrp="1"/>
-          </p:cNvSpPr>
-          <p:nvPr>
-            <p:ph type="subTitle" idx="1"/>
-          </p:nvPr>
-        </p:nvSpPr>
-        <p:spPr>
-          <a:xfrm>
-            <a:off x="1020808" y="3381172"/>
-            <a:ext cx="6408712" cy="2136060"/>
-          </a:xfrm>
-        </p:spPr>
+        <p:spPr/>
         <p:txBody>
           <a:bodyPr>
             <a:normAutofit/>
@@ -26520,222 +26952,1486 @@
           <a:lstStyle/>
           <a:p>
             <a:r>
-              <a:rPr lang="ko-KR" altLang="en-US" sz="1200" dirty="0">
+              <a:rPr lang="ko-KR" altLang="en-US" dirty="0"/>
+              <a:t>개발방법론 </a:t>
+            </a:r>
+            <a:r>
+              <a:rPr lang="en-US" altLang="ko-KR" dirty="0"/>
+              <a:t>- RAD</a:t>
+            </a:r>
+          </a:p>
+        </p:txBody>
+      </p:sp>
+      <p:grpSp>
+        <p:nvGrpSpPr>
+          <p:cNvPr id="2" name="그룹 72"/>
+          <p:cNvGrpSpPr/>
+          <p:nvPr/>
+        </p:nvGrpSpPr>
+        <p:grpSpPr>
+          <a:xfrm>
+            <a:off x="-5712" y="4897174"/>
+            <a:ext cx="9148986" cy="144016"/>
+            <a:chOff x="0" y="4005064"/>
+            <a:chExt cx="9148986" cy="144016"/>
+          </a:xfrm>
+        </p:grpSpPr>
+        <p:sp>
+          <p:nvSpPr>
+            <p:cNvPr id="16" name="직사각형 15"/>
+            <p:cNvSpPr/>
+            <p:nvPr/>
+          </p:nvSpPr>
+          <p:spPr>
+            <a:xfrm>
+              <a:off x="0" y="4005064"/>
+              <a:ext cx="2247900" cy="144016"/>
+            </a:xfrm>
+            <a:prstGeom prst="rect">
+              <a:avLst/>
+            </a:prstGeom>
+            <a:solidFill>
+              <a:srgbClr val="FADA2F"/>
+            </a:solidFill>
+            <a:ln w="101600">
+              <a:noFill/>
+            </a:ln>
+          </p:spPr>
+          <p:style>
+            <a:lnRef idx="2">
+              <a:schemeClr val="accent1">
+                <a:shade val="50000"/>
+              </a:schemeClr>
+            </a:lnRef>
+            <a:fillRef idx="1">
+              <a:schemeClr val="accent1"/>
+            </a:fillRef>
+            <a:effectRef idx="0">
+              <a:schemeClr val="accent1"/>
+            </a:effectRef>
+            <a:fontRef idx="minor">
+              <a:schemeClr val="lt1"/>
+            </a:fontRef>
+          </p:style>
+          <p:txBody>
+            <a:bodyPr rtlCol="0" anchor="ctr"/>
+            <a:lstStyle/>
+            <a:p>
+              <a:pPr algn="ctr"/>
+              <a:endParaRPr lang="ko-KR" altLang="en-US"/>
+            </a:p>
+          </p:txBody>
+        </p:sp>
+        <p:sp>
+          <p:nvSpPr>
+            <p:cNvPr id="20" name="직사각형 19"/>
+            <p:cNvSpPr/>
+            <p:nvPr/>
+          </p:nvSpPr>
+          <p:spPr>
+            <a:xfrm>
+              <a:off x="2247899" y="4005064"/>
+              <a:ext cx="2299717" cy="144016"/>
+            </a:xfrm>
+            <a:prstGeom prst="rect">
+              <a:avLst/>
+            </a:prstGeom>
+            <a:solidFill>
+              <a:srgbClr val="70C3CE"/>
+            </a:solidFill>
+            <a:ln w="101600">
+              <a:noFill/>
+            </a:ln>
+          </p:spPr>
+          <p:style>
+            <a:lnRef idx="2">
+              <a:schemeClr val="accent1">
+                <a:shade val="50000"/>
+              </a:schemeClr>
+            </a:lnRef>
+            <a:fillRef idx="1">
+              <a:schemeClr val="accent1"/>
+            </a:fillRef>
+            <a:effectRef idx="0">
+              <a:schemeClr val="accent1"/>
+            </a:effectRef>
+            <a:fontRef idx="minor">
+              <a:schemeClr val="lt1"/>
+            </a:fontRef>
+          </p:style>
+          <p:txBody>
+            <a:bodyPr rtlCol="0" anchor="ctr"/>
+            <a:lstStyle/>
+            <a:p>
+              <a:pPr algn="ctr"/>
+              <a:endParaRPr lang="ko-KR" altLang="en-US"/>
+            </a:p>
+          </p:txBody>
+        </p:sp>
+        <p:sp>
+          <p:nvSpPr>
+            <p:cNvPr id="21" name="직사각형 20"/>
+            <p:cNvSpPr/>
+            <p:nvPr/>
+          </p:nvSpPr>
+          <p:spPr>
+            <a:xfrm>
+              <a:off x="4547617" y="4005064"/>
+              <a:ext cx="2257200" cy="144016"/>
+            </a:xfrm>
+            <a:prstGeom prst="rect">
+              <a:avLst/>
+            </a:prstGeom>
+            <a:solidFill>
+              <a:srgbClr val="168CB3"/>
+            </a:solidFill>
+            <a:ln w="101600">
+              <a:noFill/>
+            </a:ln>
+          </p:spPr>
+          <p:style>
+            <a:lnRef idx="2">
+              <a:schemeClr val="accent1">
+                <a:shade val="50000"/>
+              </a:schemeClr>
+            </a:lnRef>
+            <a:fillRef idx="1">
+              <a:schemeClr val="accent1"/>
+            </a:fillRef>
+            <a:effectRef idx="0">
+              <a:schemeClr val="accent1"/>
+            </a:effectRef>
+            <a:fontRef idx="minor">
+              <a:schemeClr val="lt1"/>
+            </a:fontRef>
+          </p:style>
+          <p:txBody>
+            <a:bodyPr rtlCol="0" anchor="ctr"/>
+            <a:lstStyle/>
+            <a:p>
+              <a:pPr algn="ctr"/>
+              <a:endParaRPr lang="ko-KR" altLang="en-US"/>
+            </a:p>
+          </p:txBody>
+        </p:sp>
+        <p:sp>
+          <p:nvSpPr>
+            <p:cNvPr id="22" name="직사각형 21"/>
+            <p:cNvSpPr/>
+            <p:nvPr/>
+          </p:nvSpPr>
+          <p:spPr>
+            <a:xfrm>
+              <a:off x="6804248" y="4005064"/>
+              <a:ext cx="2344738" cy="144016"/>
+            </a:xfrm>
+            <a:prstGeom prst="rect">
+              <a:avLst/>
+            </a:prstGeom>
+            <a:solidFill>
+              <a:schemeClr val="bg1">
+                <a:lumMod val="50000"/>
+              </a:schemeClr>
+            </a:solidFill>
+            <a:ln w="101600">
+              <a:noFill/>
+            </a:ln>
+          </p:spPr>
+          <p:style>
+            <a:lnRef idx="2">
+              <a:schemeClr val="accent1">
+                <a:shade val="50000"/>
+              </a:schemeClr>
+            </a:lnRef>
+            <a:fillRef idx="1">
+              <a:schemeClr val="accent1"/>
+            </a:fillRef>
+            <a:effectRef idx="0">
+              <a:schemeClr val="accent1"/>
+            </a:effectRef>
+            <a:fontRef idx="minor">
+              <a:schemeClr val="lt1"/>
+            </a:fontRef>
+          </p:style>
+          <p:txBody>
+            <a:bodyPr rtlCol="0" anchor="ctr"/>
+            <a:lstStyle/>
+            <a:p>
+              <a:pPr algn="ctr"/>
+              <a:endParaRPr lang="ko-KR" altLang="en-US"/>
+            </a:p>
+          </p:txBody>
+        </p:sp>
+      </p:grpSp>
+      <p:grpSp>
+        <p:nvGrpSpPr>
+          <p:cNvPr id="3" name="그룹 56"/>
+          <p:cNvGrpSpPr/>
+          <p:nvPr/>
+        </p:nvGrpSpPr>
+        <p:grpSpPr>
+          <a:xfrm>
+            <a:off x="461832" y="2412389"/>
+            <a:ext cx="1720403" cy="1720403"/>
+            <a:chOff x="387747" y="1368475"/>
+            <a:chExt cx="1872208" cy="1872208"/>
+          </a:xfrm>
+        </p:grpSpPr>
+        <p:sp>
+          <p:nvSpPr>
+            <p:cNvPr id="23" name="눈물 방울 22"/>
+            <p:cNvSpPr/>
+            <p:nvPr/>
+          </p:nvSpPr>
+          <p:spPr>
+            <a:xfrm rot="8100000">
+              <a:off x="387747" y="1368475"/>
+              <a:ext cx="1872208" cy="1872208"/>
+            </a:xfrm>
+            <a:prstGeom prst="teardrop">
+              <a:avLst>
+                <a:gd name="adj" fmla="val 112231"/>
+              </a:avLst>
+            </a:prstGeom>
+            <a:solidFill>
+              <a:srgbClr val="FADA2F"/>
+            </a:solidFill>
+            <a:ln w="28575">
+              <a:solidFill>
+                <a:srgbClr val="FFC000"/>
+              </a:solidFill>
+            </a:ln>
+          </p:spPr>
+          <p:style>
+            <a:lnRef idx="2">
+              <a:schemeClr val="accent1">
+                <a:shade val="50000"/>
+              </a:schemeClr>
+            </a:lnRef>
+            <a:fillRef idx="1">
+              <a:schemeClr val="accent1"/>
+            </a:fillRef>
+            <a:effectRef idx="0">
+              <a:schemeClr val="accent1"/>
+            </a:effectRef>
+            <a:fontRef idx="minor">
+              <a:schemeClr val="lt1"/>
+            </a:fontRef>
+          </p:style>
+          <p:txBody>
+            <a:bodyPr rtlCol="0" anchor="ctr"/>
+            <a:lstStyle/>
+            <a:p>
+              <a:pPr algn="ctr"/>
+              <a:endParaRPr lang="ko-KR" altLang="en-US"/>
+            </a:p>
+          </p:txBody>
+        </p:sp>
+        <p:sp>
+          <p:nvSpPr>
+            <p:cNvPr id="34" name="타원 33"/>
+            <p:cNvSpPr/>
+            <p:nvPr/>
+          </p:nvSpPr>
+          <p:spPr>
+            <a:xfrm>
+              <a:off x="520502" y="1484784"/>
+              <a:ext cx="1584176" cy="1584176"/>
+            </a:xfrm>
+            <a:prstGeom prst="ellipse">
+              <a:avLst/>
+            </a:prstGeom>
+            <a:solidFill>
+              <a:schemeClr val="bg1"/>
+            </a:solidFill>
+            <a:ln>
+              <a:noFill/>
+            </a:ln>
+            <a:effectLst>
+              <a:innerShdw blurRad="63500" dist="50800" dir="13500000">
+                <a:prstClr val="black">
+                  <a:alpha val="28000"/>
+                </a:prstClr>
+              </a:innerShdw>
+            </a:effectLst>
+          </p:spPr>
+          <p:style>
+            <a:lnRef idx="2">
+              <a:schemeClr val="accent1">
+                <a:shade val="50000"/>
+              </a:schemeClr>
+            </a:lnRef>
+            <a:fillRef idx="1">
+              <a:schemeClr val="accent1"/>
+            </a:fillRef>
+            <a:effectRef idx="0">
+              <a:schemeClr val="accent1"/>
+            </a:effectRef>
+            <a:fontRef idx="minor">
+              <a:schemeClr val="lt1"/>
+            </a:fontRef>
+          </p:style>
+          <p:txBody>
+            <a:bodyPr rtlCol="0" anchor="ctr"/>
+            <a:lstStyle/>
+            <a:p>
+              <a:pPr algn="ctr"/>
+              <a:endParaRPr lang="ko-KR" altLang="en-US"/>
+            </a:p>
+          </p:txBody>
+        </p:sp>
+      </p:grpSp>
+      <p:sp>
+        <p:nvSpPr>
+          <p:cNvPr id="41" name="타원 40"/>
+          <p:cNvSpPr/>
+          <p:nvPr/>
+        </p:nvSpPr>
+        <p:spPr>
+          <a:xfrm>
+            <a:off x="1181912" y="4825166"/>
+            <a:ext cx="288032" cy="288032"/>
+          </a:xfrm>
+          <a:prstGeom prst="ellipse">
+            <a:avLst/>
+          </a:prstGeom>
+          <a:solidFill>
+            <a:srgbClr val="FADA2F"/>
+          </a:solidFill>
+          <a:ln>
+            <a:solidFill>
+              <a:schemeClr val="bg1"/>
+            </a:solidFill>
+          </a:ln>
+          <a:effectLst>
+            <a:outerShdw blurRad="50800" dist="38100" dir="2700000" algn="tl" rotWithShape="0">
+              <a:prstClr val="black">
+                <a:alpha val="40000"/>
+              </a:prstClr>
+            </a:outerShdw>
+          </a:effectLst>
+        </p:spPr>
+        <p:style>
+          <a:lnRef idx="2">
+            <a:schemeClr val="accent1">
+              <a:shade val="50000"/>
+            </a:schemeClr>
+          </a:lnRef>
+          <a:fillRef idx="1">
+            <a:schemeClr val="accent1"/>
+          </a:fillRef>
+          <a:effectRef idx="0">
+            <a:schemeClr val="accent1"/>
+          </a:effectRef>
+          <a:fontRef idx="minor">
+            <a:schemeClr val="lt1"/>
+          </a:fontRef>
+        </p:style>
+        <p:txBody>
+          <a:bodyPr rtlCol="0" anchor="ctr"/>
+          <a:lstStyle/>
+          <a:p>
+            <a:pPr algn="ctr"/>
+            <a:endParaRPr lang="ko-KR" altLang="en-US"/>
+          </a:p>
+        </p:txBody>
+      </p:sp>
+      <p:sp>
+        <p:nvSpPr>
+          <p:cNvPr id="42" name="타원 41"/>
+          <p:cNvSpPr/>
+          <p:nvPr/>
+        </p:nvSpPr>
+        <p:spPr>
+          <a:xfrm>
+            <a:off x="3277412" y="4825166"/>
+            <a:ext cx="288032" cy="288032"/>
+          </a:xfrm>
+          <a:prstGeom prst="ellipse">
+            <a:avLst/>
+          </a:prstGeom>
+          <a:solidFill>
+            <a:srgbClr val="70C3CE"/>
+          </a:solidFill>
+          <a:ln>
+            <a:solidFill>
+              <a:schemeClr val="bg1"/>
+            </a:solidFill>
+          </a:ln>
+          <a:effectLst>
+            <a:outerShdw blurRad="50800" dist="38100" dir="2700000" algn="tl" rotWithShape="0">
+              <a:prstClr val="black">
+                <a:alpha val="40000"/>
+              </a:prstClr>
+            </a:outerShdw>
+          </a:effectLst>
+        </p:spPr>
+        <p:style>
+          <a:lnRef idx="2">
+            <a:schemeClr val="accent1">
+              <a:shade val="50000"/>
+            </a:schemeClr>
+          </a:lnRef>
+          <a:fillRef idx="1">
+            <a:schemeClr val="accent1"/>
+          </a:fillRef>
+          <a:effectRef idx="0">
+            <a:schemeClr val="accent1"/>
+          </a:effectRef>
+          <a:fontRef idx="minor">
+            <a:schemeClr val="lt1"/>
+          </a:fontRef>
+        </p:style>
+        <p:txBody>
+          <a:bodyPr rtlCol="0" anchor="ctr"/>
+          <a:lstStyle/>
+          <a:p>
+            <a:pPr algn="ctr"/>
+            <a:endParaRPr lang="ko-KR" altLang="en-US"/>
+          </a:p>
+        </p:txBody>
+      </p:sp>
+      <p:sp>
+        <p:nvSpPr>
+          <p:cNvPr id="43" name="타원 42"/>
+          <p:cNvSpPr/>
+          <p:nvPr/>
+        </p:nvSpPr>
+        <p:spPr>
+          <a:xfrm>
+            <a:off x="5487212" y="4825166"/>
+            <a:ext cx="288032" cy="288032"/>
+          </a:xfrm>
+          <a:prstGeom prst="ellipse">
+            <a:avLst/>
+          </a:prstGeom>
+          <a:solidFill>
+            <a:srgbClr val="168CB3"/>
+          </a:solidFill>
+          <a:ln>
+            <a:solidFill>
+              <a:schemeClr val="bg1"/>
+            </a:solidFill>
+          </a:ln>
+          <a:effectLst>
+            <a:outerShdw blurRad="50800" dist="38100" dir="2700000" algn="tl" rotWithShape="0">
+              <a:prstClr val="black">
+                <a:alpha val="40000"/>
+              </a:prstClr>
+            </a:outerShdw>
+          </a:effectLst>
+        </p:spPr>
+        <p:style>
+          <a:lnRef idx="2">
+            <a:schemeClr val="accent1">
+              <a:shade val="50000"/>
+            </a:schemeClr>
+          </a:lnRef>
+          <a:fillRef idx="1">
+            <a:schemeClr val="accent1"/>
+          </a:fillRef>
+          <a:effectRef idx="0">
+            <a:schemeClr val="accent1"/>
+          </a:effectRef>
+          <a:fontRef idx="minor">
+            <a:schemeClr val="lt1"/>
+          </a:fontRef>
+        </p:style>
+        <p:txBody>
+          <a:bodyPr rtlCol="0" anchor="ctr"/>
+          <a:lstStyle/>
+          <a:p>
+            <a:pPr algn="ctr"/>
+            <a:endParaRPr lang="ko-KR" altLang="en-US"/>
+          </a:p>
+        </p:txBody>
+      </p:sp>
+      <p:sp>
+        <p:nvSpPr>
+          <p:cNvPr id="44" name="타원 43"/>
+          <p:cNvSpPr/>
+          <p:nvPr/>
+        </p:nvSpPr>
+        <p:spPr>
+          <a:xfrm>
+            <a:off x="7744637" y="4825166"/>
+            <a:ext cx="288032" cy="288032"/>
+          </a:xfrm>
+          <a:prstGeom prst="ellipse">
+            <a:avLst/>
+          </a:prstGeom>
+          <a:solidFill>
+            <a:schemeClr val="bg1">
+              <a:lumMod val="65000"/>
+            </a:schemeClr>
+          </a:solidFill>
+          <a:ln>
+            <a:solidFill>
+              <a:schemeClr val="bg1"/>
+            </a:solidFill>
+          </a:ln>
+          <a:effectLst>
+            <a:outerShdw blurRad="50800" dist="38100" dir="2700000" algn="tl" rotWithShape="0">
+              <a:prstClr val="black">
+                <a:alpha val="40000"/>
+              </a:prstClr>
+            </a:outerShdw>
+          </a:effectLst>
+        </p:spPr>
+        <p:style>
+          <a:lnRef idx="2">
+            <a:schemeClr val="accent1">
+              <a:shade val="50000"/>
+            </a:schemeClr>
+          </a:lnRef>
+          <a:fillRef idx="1">
+            <a:schemeClr val="accent1"/>
+          </a:fillRef>
+          <a:effectRef idx="0">
+            <a:schemeClr val="accent1"/>
+          </a:effectRef>
+          <a:fontRef idx="minor">
+            <a:schemeClr val="lt1"/>
+          </a:fontRef>
+        </p:style>
+        <p:txBody>
+          <a:bodyPr rtlCol="0" anchor="ctr"/>
+          <a:lstStyle/>
+          <a:p>
+            <a:pPr algn="ctr"/>
+            <a:endParaRPr lang="ko-KR" altLang="en-US"/>
+          </a:p>
+        </p:txBody>
+      </p:sp>
+      <p:sp>
+        <p:nvSpPr>
+          <p:cNvPr id="45" name="Rectangle 96"/>
+          <p:cNvSpPr>
+            <a:spLocks noChangeArrowheads="1"/>
+          </p:cNvSpPr>
+          <p:nvPr/>
+        </p:nvSpPr>
+        <p:spPr bwMode="auto">
+          <a:xfrm>
+            <a:off x="421933" y="2918647"/>
+            <a:ext cx="1800200" cy="707886"/>
+          </a:xfrm>
+          <a:prstGeom prst="rect">
+            <a:avLst/>
+          </a:prstGeom>
+          <a:noFill/>
+          <a:ln w="9525" algn="ctr">
+            <a:noFill/>
+            <a:miter lim="800000"/>
+            <a:headEnd/>
+            <a:tailEnd/>
+          </a:ln>
+        </p:spPr>
+        <p:txBody>
+          <a:bodyPr vert="horz" wrap="square" lIns="91440" tIns="45720" rIns="91440" bIns="45720" numCol="1" anchor="t" anchorCtr="0" compatLnSpc="1">
+            <a:prstTxWarp prst="textNoShape">
+              <a:avLst/>
+            </a:prstTxWarp>
+            <a:spAutoFit/>
+          </a:bodyPr>
+          <a:lstStyle/>
+          <a:p>
+            <a:pPr marL="0" marR="0" lvl="0" indent="0" algn="ctr" defTabSz="914400" rtl="0" eaLnBrk="1" fontAlgn="base" latinLnBrk="1" hangingPunct="1">
+              <a:lnSpc>
+                <a:spcPct val="100000"/>
+              </a:lnSpc>
+              <a:spcBef>
+                <a:spcPct val="0"/>
+              </a:spcBef>
+              <a:spcAft>
+                <a:spcPct val="0"/>
+              </a:spcAft>
+              <a:buClrTx/>
+              <a:buSzTx/>
+              <a:buFontTx/>
+              <a:buNone/>
+              <a:tabLst/>
+            </a:pPr>
+            <a:r>
+              <a:rPr kumimoji="1" lang="ko-KR" altLang="en-US" sz="2000" b="1" i="0" u="none" strike="noStrike" cap="none" normalizeH="0" baseline="0" dirty="0">
+                <a:ln>
+                  <a:noFill/>
+                </a:ln>
+                <a:solidFill>
+                  <a:schemeClr val="tx1">
+                    <a:lumMod val="75000"/>
+                    <a:lumOff val="25000"/>
+                  </a:schemeClr>
+                </a:solidFill>
                 <a:effectLst/>
-                <a:latin typeface="210 M고딕 040" panose="02020603020101020101" pitchFamily="18" charset="-127"/>
-                <a:ea typeface="210 M고딕 040" panose="02020603020101020101" pitchFamily="18" charset="-127"/>
+                <a:latin typeface="210 M고딕 060" panose="02020603020101020101" pitchFamily="18" charset="-127"/>
+                <a:ea typeface="210 M고딕 060" panose="02020603020101020101" pitchFamily="18" charset="-127"/>
+                <a:cs typeface="굴림" pitchFamily="50" charset="-127"/>
+              </a:rPr>
+              <a:t>분석</a:t>
+            </a:r>
+            <a:br>
+              <a:rPr kumimoji="1" lang="en-US" altLang="ko-KR" sz="2000" b="1" i="0" u="none" strike="noStrike" cap="none" normalizeH="0" baseline="0" dirty="0">
+                <a:ln>
+                  <a:noFill/>
+                </a:ln>
+                <a:solidFill>
+                  <a:schemeClr val="tx1">
+                    <a:lumMod val="75000"/>
+                    <a:lumOff val="25000"/>
+                  </a:schemeClr>
+                </a:solidFill>
+                <a:effectLst/>
+                <a:latin typeface="210 M고딕 060" panose="02020603020101020101" pitchFamily="18" charset="-127"/>
+                <a:ea typeface="210 M고딕 060" panose="02020603020101020101" pitchFamily="18" charset="-127"/>
+                <a:cs typeface="굴림" pitchFamily="50" charset="-127"/>
+              </a:rPr>
+            </a:br>
+            <a:r>
+              <a:rPr kumimoji="1" lang="ko-KR" altLang="en-US" sz="2000" b="1" i="0" u="none" strike="noStrike" cap="none" normalizeH="0" baseline="0" dirty="0">
+                <a:ln>
+                  <a:noFill/>
+                </a:ln>
+                <a:solidFill>
+                  <a:schemeClr val="tx1">
+                    <a:lumMod val="75000"/>
+                    <a:lumOff val="25000"/>
+                  </a:schemeClr>
+                </a:solidFill>
+                <a:effectLst/>
+                <a:latin typeface="210 M고딕 060" panose="02020603020101020101" pitchFamily="18" charset="-127"/>
+                <a:ea typeface="210 M고딕 060" panose="02020603020101020101" pitchFamily="18" charset="-127"/>
+                <a:cs typeface="굴림" pitchFamily="50" charset="-127"/>
+              </a:rPr>
+              <a:t>개략적 설계</a:t>
+            </a:r>
+            <a:endParaRPr lang="en-US" altLang="ko-KR" sz="2800" b="0" noProof="1">
+              <a:solidFill>
+                <a:schemeClr val="tx1">
+                  <a:lumMod val="75000"/>
+                  <a:lumOff val="25000"/>
+                </a:schemeClr>
+              </a:solidFill>
+              <a:latin typeface="210 M고딕 060" panose="02020603020101020101" pitchFamily="18" charset="-127"/>
+              <a:ea typeface="210 M고딕 060" panose="02020603020101020101" pitchFamily="18" charset="-127"/>
+              <a:cs typeface="굴림" pitchFamily="50" charset="-127"/>
+            </a:endParaRPr>
+          </a:p>
+        </p:txBody>
+      </p:sp>
+      <p:grpSp>
+        <p:nvGrpSpPr>
+          <p:cNvPr id="4" name="그룹 60"/>
+          <p:cNvGrpSpPr/>
+          <p:nvPr/>
+        </p:nvGrpSpPr>
+        <p:grpSpPr>
+          <a:xfrm>
+            <a:off x="2566857" y="2412389"/>
+            <a:ext cx="1720403" cy="1720403"/>
+            <a:chOff x="387747" y="1368475"/>
+            <a:chExt cx="1872208" cy="1872208"/>
+          </a:xfrm>
+        </p:grpSpPr>
+        <p:sp>
+          <p:nvSpPr>
+            <p:cNvPr id="62" name="눈물 방울 61"/>
+            <p:cNvSpPr/>
+            <p:nvPr/>
+          </p:nvSpPr>
+          <p:spPr>
+            <a:xfrm rot="8100000">
+              <a:off x="387747" y="1368475"/>
+              <a:ext cx="1872208" cy="1872208"/>
+            </a:xfrm>
+            <a:prstGeom prst="teardrop">
+              <a:avLst>
+                <a:gd name="adj" fmla="val 112231"/>
+              </a:avLst>
+            </a:prstGeom>
+            <a:solidFill>
+              <a:srgbClr val="70C3CE"/>
+            </a:solidFill>
+            <a:ln w="28575">
+              <a:solidFill>
+                <a:srgbClr val="42AFBE"/>
+              </a:solidFill>
+            </a:ln>
+          </p:spPr>
+          <p:style>
+            <a:lnRef idx="2">
+              <a:schemeClr val="accent1">
+                <a:shade val="50000"/>
+              </a:schemeClr>
+            </a:lnRef>
+            <a:fillRef idx="1">
+              <a:schemeClr val="accent1"/>
+            </a:fillRef>
+            <a:effectRef idx="0">
+              <a:schemeClr val="accent1"/>
+            </a:effectRef>
+            <a:fontRef idx="minor">
+              <a:schemeClr val="lt1"/>
+            </a:fontRef>
+          </p:style>
+          <p:txBody>
+            <a:bodyPr rtlCol="0" anchor="ctr"/>
+            <a:lstStyle/>
+            <a:p>
+              <a:pPr algn="ctr"/>
+              <a:endParaRPr lang="ko-KR" altLang="en-US" b="1" dirty="0">
+                <a:latin typeface="Arial" pitchFamily="34" charset="0"/>
                 <a:cs typeface="Arial" pitchFamily="34" charset="0"/>
-              </a:rPr>
-              <a:t>개발방법론</a:t>
-            </a:r>
-            <a:endParaRPr lang="en-US" altLang="ko-KR" sz="1200" dirty="0">
+              </a:endParaRPr>
+            </a:p>
+          </p:txBody>
+        </p:sp>
+        <p:sp>
+          <p:nvSpPr>
+            <p:cNvPr id="63" name="타원 62"/>
+            <p:cNvSpPr/>
+            <p:nvPr/>
+          </p:nvSpPr>
+          <p:spPr>
+            <a:xfrm>
+              <a:off x="520502" y="1484784"/>
+              <a:ext cx="1584176" cy="1584176"/>
+            </a:xfrm>
+            <a:prstGeom prst="ellipse">
+              <a:avLst/>
+            </a:prstGeom>
+            <a:solidFill>
+              <a:schemeClr val="bg1"/>
+            </a:solidFill>
+            <a:ln>
+              <a:noFill/>
+            </a:ln>
+            <a:effectLst>
+              <a:innerShdw blurRad="63500" dist="50800" dir="13500000">
+                <a:prstClr val="black">
+                  <a:alpha val="28000"/>
+                </a:prstClr>
+              </a:innerShdw>
+            </a:effectLst>
+          </p:spPr>
+          <p:style>
+            <a:lnRef idx="2">
+              <a:schemeClr val="accent1">
+                <a:shade val="50000"/>
+              </a:schemeClr>
+            </a:lnRef>
+            <a:fillRef idx="1">
+              <a:schemeClr val="accent1"/>
+            </a:fillRef>
+            <a:effectRef idx="0">
+              <a:schemeClr val="accent1"/>
+            </a:effectRef>
+            <a:fontRef idx="minor">
+              <a:schemeClr val="lt1"/>
+            </a:fontRef>
+          </p:style>
+          <p:txBody>
+            <a:bodyPr rtlCol="0" anchor="ctr"/>
+            <a:lstStyle/>
+            <a:p>
+              <a:pPr algn="ctr"/>
+              <a:endParaRPr lang="ko-KR" altLang="en-US"/>
+            </a:p>
+          </p:txBody>
+        </p:sp>
+      </p:grpSp>
+      <p:sp>
+        <p:nvSpPr>
+          <p:cNvPr id="64" name="Rectangle 96"/>
+          <p:cNvSpPr>
+            <a:spLocks noChangeArrowheads="1"/>
+          </p:cNvSpPr>
+          <p:nvPr/>
+        </p:nvSpPr>
+        <p:spPr bwMode="auto">
+          <a:xfrm>
+            <a:off x="2526958" y="2918647"/>
+            <a:ext cx="1800200" cy="707886"/>
+          </a:xfrm>
+          <a:prstGeom prst="rect">
+            <a:avLst/>
+          </a:prstGeom>
+          <a:noFill/>
+          <a:ln w="9525" algn="ctr">
+            <a:noFill/>
+            <a:miter lim="800000"/>
+            <a:headEnd/>
+            <a:tailEnd/>
+          </a:ln>
+        </p:spPr>
+        <p:txBody>
+          <a:bodyPr vert="horz" wrap="square" lIns="91440" tIns="45720" rIns="91440" bIns="45720" numCol="1" anchor="t" anchorCtr="0" compatLnSpc="1">
+            <a:prstTxWarp prst="textNoShape">
+              <a:avLst/>
+            </a:prstTxWarp>
+            <a:spAutoFit/>
+          </a:bodyPr>
+          <a:lstStyle/>
+          <a:p>
+            <a:pPr marL="0" marR="0" lvl="0" indent="0" algn="ctr" defTabSz="914400" rtl="0" eaLnBrk="1" fontAlgn="base" latinLnBrk="1" hangingPunct="1">
+              <a:lnSpc>
+                <a:spcPct val="100000"/>
+              </a:lnSpc>
+              <a:spcBef>
+                <a:spcPct val="0"/>
+              </a:spcBef>
+              <a:spcAft>
+                <a:spcPct val="0"/>
+              </a:spcAft>
+              <a:buClrTx/>
+              <a:buSzTx/>
+              <a:buFontTx/>
+              <a:buNone/>
+              <a:tabLst/>
+            </a:pPr>
+            <a:r>
+              <a:rPr kumimoji="1" lang="ko-KR" altLang="en-US" sz="2000" b="1" dirty="0">
+                <a:solidFill>
+                  <a:schemeClr val="tx1">
+                    <a:lumMod val="75000"/>
+                    <a:lumOff val="25000"/>
+                  </a:schemeClr>
+                </a:solidFill>
+                <a:latin typeface="210 M고딕 060" panose="02020603020101020101" pitchFamily="18" charset="-127"/>
+                <a:ea typeface="210 M고딕 060" panose="02020603020101020101" pitchFamily="18" charset="-127"/>
+                <a:cs typeface="굴림" pitchFamily="50" charset="-127"/>
+              </a:rPr>
+              <a:t>상세 설계</a:t>
+            </a:r>
+            <a:br>
+              <a:rPr kumimoji="1" lang="en-US" altLang="ko-KR" sz="2000" b="1" dirty="0">
+                <a:solidFill>
+                  <a:schemeClr val="tx1">
+                    <a:lumMod val="75000"/>
+                    <a:lumOff val="25000"/>
+                  </a:schemeClr>
+                </a:solidFill>
+                <a:latin typeface="210 M고딕 060" panose="02020603020101020101" pitchFamily="18" charset="-127"/>
+                <a:ea typeface="210 M고딕 060" panose="02020603020101020101" pitchFamily="18" charset="-127"/>
+                <a:cs typeface="굴림" pitchFamily="50" charset="-127"/>
+              </a:rPr>
+            </a:br>
+            <a:r>
+              <a:rPr kumimoji="1" lang="ko-KR" altLang="en-US" sz="2000" b="1" dirty="0">
+                <a:solidFill>
+                  <a:schemeClr val="tx1">
+                    <a:lumMod val="75000"/>
+                    <a:lumOff val="25000"/>
+                  </a:schemeClr>
+                </a:solidFill>
+                <a:latin typeface="210 M고딕 060" panose="02020603020101020101" pitchFamily="18" charset="-127"/>
+                <a:ea typeface="210 M고딕 060" panose="02020603020101020101" pitchFamily="18" charset="-127"/>
+                <a:cs typeface="굴림" pitchFamily="50" charset="-127"/>
+              </a:rPr>
+              <a:t>개발</a:t>
+            </a:r>
+            <a:endParaRPr kumimoji="1" lang="en-US" altLang="ko-KR" sz="2000" b="1" i="0" u="none" strike="noStrike" cap="none" normalizeH="0" baseline="0" dirty="0">
+              <a:ln>
+                <a:noFill/>
+              </a:ln>
+              <a:solidFill>
+                <a:schemeClr val="tx1">
+                  <a:lumMod val="75000"/>
+                  <a:lumOff val="25000"/>
+                </a:schemeClr>
+              </a:solidFill>
               <a:effectLst/>
-              <a:latin typeface="210 M고딕 040" panose="02020603020101020101" pitchFamily="18" charset="-127"/>
-              <a:ea typeface="210 M고딕 040" panose="02020603020101020101" pitchFamily="18" charset="-127"/>
-              <a:cs typeface="Arial" pitchFamily="34" charset="0"/>
+              <a:latin typeface="210 M고딕 060" panose="02020603020101020101" pitchFamily="18" charset="-127"/>
+              <a:ea typeface="210 M고딕 060" panose="02020603020101020101" pitchFamily="18" charset="-127"/>
+              <a:cs typeface="굴림" pitchFamily="50" charset="-127"/>
             </a:endParaRPr>
           </a:p>
-          <a:p>
-            <a:r>
-              <a:rPr lang="ko-KR" altLang="en-US" sz="1200" dirty="0">
-                <a:latin typeface="210 M고딕 040" panose="02020603020101020101" pitchFamily="18" charset="-127"/>
-                <a:ea typeface="210 M고딕 040" panose="02020603020101020101" pitchFamily="18" charset="-127"/>
+        </p:txBody>
+      </p:sp>
+      <p:grpSp>
+        <p:nvGrpSpPr>
+          <p:cNvPr id="5" name="그룹 64"/>
+          <p:cNvGrpSpPr/>
+          <p:nvPr/>
+        </p:nvGrpSpPr>
+        <p:grpSpPr>
+          <a:xfrm>
+            <a:off x="4776657" y="2412389"/>
+            <a:ext cx="1720403" cy="1720403"/>
+            <a:chOff x="387747" y="1368475"/>
+            <a:chExt cx="1872208" cy="1872208"/>
+          </a:xfrm>
+        </p:grpSpPr>
+        <p:sp>
+          <p:nvSpPr>
+            <p:cNvPr id="66" name="눈물 방울 65"/>
+            <p:cNvSpPr/>
+            <p:nvPr/>
+          </p:nvSpPr>
+          <p:spPr>
+            <a:xfrm rot="8100000">
+              <a:off x="387747" y="1368475"/>
+              <a:ext cx="1872208" cy="1872208"/>
+            </a:xfrm>
+            <a:prstGeom prst="teardrop">
+              <a:avLst>
+                <a:gd name="adj" fmla="val 112231"/>
+              </a:avLst>
+            </a:prstGeom>
+            <a:solidFill>
+              <a:srgbClr val="168CB3"/>
+            </a:solidFill>
+            <a:ln w="28575">
+              <a:solidFill>
+                <a:schemeClr val="accent1">
+                  <a:lumMod val="75000"/>
+                </a:schemeClr>
+              </a:solidFill>
+            </a:ln>
+          </p:spPr>
+          <p:style>
+            <a:lnRef idx="2">
+              <a:schemeClr val="accent1">
+                <a:shade val="50000"/>
+              </a:schemeClr>
+            </a:lnRef>
+            <a:fillRef idx="1">
+              <a:schemeClr val="accent1"/>
+            </a:fillRef>
+            <a:effectRef idx="0">
+              <a:schemeClr val="accent1"/>
+            </a:effectRef>
+            <a:fontRef idx="minor">
+              <a:schemeClr val="lt1"/>
+            </a:fontRef>
+          </p:style>
+          <p:txBody>
+            <a:bodyPr rtlCol="0" anchor="ctr"/>
+            <a:lstStyle/>
+            <a:p>
+              <a:pPr algn="ctr"/>
+              <a:endParaRPr lang="ko-KR" altLang="en-US" b="1">
+                <a:latin typeface="Arial" pitchFamily="34" charset="0"/>
                 <a:cs typeface="Arial" pitchFamily="34" charset="0"/>
-              </a:rPr>
-              <a:t>퍼트 차트</a:t>
-            </a:r>
-            <a:r>
-              <a:rPr lang="en-US" altLang="ko-KR" sz="1200" dirty="0">
-                <a:latin typeface="210 M고딕 040" panose="02020603020101020101" pitchFamily="18" charset="-127"/>
-                <a:ea typeface="210 M고딕 040" panose="02020603020101020101" pitchFamily="18" charset="-127"/>
-                <a:cs typeface="Arial" pitchFamily="34" charset="0"/>
-              </a:rPr>
-              <a:t>/</a:t>
-            </a:r>
-            <a:r>
-              <a:rPr lang="ko-KR" altLang="en-US" sz="1200" dirty="0" err="1">
-                <a:latin typeface="210 M고딕 040" panose="02020603020101020101" pitchFamily="18" charset="-127"/>
-                <a:ea typeface="210 M고딕 040" panose="02020603020101020101" pitchFamily="18" charset="-127"/>
-                <a:cs typeface="Arial" pitchFamily="34" charset="0"/>
-              </a:rPr>
-              <a:t>간트</a:t>
-            </a:r>
-            <a:r>
-              <a:rPr lang="ko-KR" altLang="en-US" sz="1200" dirty="0">
-                <a:latin typeface="210 M고딕 040" panose="02020603020101020101" pitchFamily="18" charset="-127"/>
-                <a:ea typeface="210 M고딕 040" panose="02020603020101020101" pitchFamily="18" charset="-127"/>
-                <a:cs typeface="Arial" pitchFamily="34" charset="0"/>
-              </a:rPr>
-              <a:t> 차트</a:t>
-            </a:r>
-            <a:endParaRPr lang="en-US" altLang="ko-KR" sz="1200" dirty="0">
-              <a:latin typeface="210 M고딕 040" panose="02020603020101020101" pitchFamily="18" charset="-127"/>
-              <a:ea typeface="210 M고딕 040" panose="02020603020101020101" pitchFamily="18" charset="-127"/>
-              <a:cs typeface="Arial" pitchFamily="34" charset="0"/>
+              </a:endParaRPr>
+            </a:p>
+          </p:txBody>
+        </p:sp>
+        <p:sp>
+          <p:nvSpPr>
+            <p:cNvPr id="67" name="타원 66"/>
+            <p:cNvSpPr/>
+            <p:nvPr/>
+          </p:nvSpPr>
+          <p:spPr>
+            <a:xfrm>
+              <a:off x="520502" y="1484784"/>
+              <a:ext cx="1584176" cy="1584176"/>
+            </a:xfrm>
+            <a:prstGeom prst="ellipse">
+              <a:avLst/>
+            </a:prstGeom>
+            <a:solidFill>
+              <a:schemeClr val="bg1"/>
+            </a:solidFill>
+            <a:ln>
+              <a:noFill/>
+            </a:ln>
+            <a:effectLst>
+              <a:innerShdw blurRad="63500" dist="50800" dir="13500000">
+                <a:prstClr val="black">
+                  <a:alpha val="28000"/>
+                </a:prstClr>
+              </a:innerShdw>
+            </a:effectLst>
+          </p:spPr>
+          <p:style>
+            <a:lnRef idx="2">
+              <a:schemeClr val="accent1">
+                <a:shade val="50000"/>
+              </a:schemeClr>
+            </a:lnRef>
+            <a:fillRef idx="1">
+              <a:schemeClr val="accent1"/>
+            </a:fillRef>
+            <a:effectRef idx="0">
+              <a:schemeClr val="accent1"/>
+            </a:effectRef>
+            <a:fontRef idx="minor">
+              <a:schemeClr val="lt1"/>
+            </a:fontRef>
+          </p:style>
+          <p:txBody>
+            <a:bodyPr rtlCol="0" anchor="ctr"/>
+            <a:lstStyle/>
+            <a:p>
+              <a:pPr algn="ctr"/>
+              <a:endParaRPr lang="ko-KR" altLang="en-US"/>
+            </a:p>
+          </p:txBody>
+        </p:sp>
+      </p:grpSp>
+      <p:sp>
+        <p:nvSpPr>
+          <p:cNvPr id="68" name="Rectangle 96"/>
+          <p:cNvSpPr>
+            <a:spLocks noChangeArrowheads="1"/>
+          </p:cNvSpPr>
+          <p:nvPr/>
+        </p:nvSpPr>
+        <p:spPr bwMode="auto">
+          <a:xfrm>
+            <a:off x="4736758" y="2918647"/>
+            <a:ext cx="1800200" cy="707886"/>
+          </a:xfrm>
+          <a:prstGeom prst="rect">
+            <a:avLst/>
+          </a:prstGeom>
+          <a:noFill/>
+          <a:ln w="9525" algn="ctr">
+            <a:noFill/>
+            <a:miter lim="800000"/>
+            <a:headEnd/>
+            <a:tailEnd/>
+          </a:ln>
+        </p:spPr>
+        <p:txBody>
+          <a:bodyPr vert="horz" wrap="square" lIns="91440" tIns="45720" rIns="91440" bIns="45720" numCol="1" anchor="t" anchorCtr="0" compatLnSpc="1">
+            <a:prstTxWarp prst="textNoShape">
+              <a:avLst/>
+            </a:prstTxWarp>
+            <a:spAutoFit/>
+          </a:bodyPr>
+          <a:lstStyle/>
+          <a:p>
+            <a:pPr marL="0" marR="0" lvl="0" indent="0" algn="ctr" defTabSz="914400" rtl="0" eaLnBrk="1" fontAlgn="base" latinLnBrk="1" hangingPunct="1">
+              <a:lnSpc>
+                <a:spcPct val="100000"/>
+              </a:lnSpc>
+              <a:spcBef>
+                <a:spcPct val="0"/>
+              </a:spcBef>
+              <a:spcAft>
+                <a:spcPct val="0"/>
+              </a:spcAft>
+              <a:buClrTx/>
+              <a:buSzTx/>
+              <a:buFontTx/>
+              <a:buNone/>
+              <a:tabLst/>
+            </a:pPr>
+            <a:r>
+              <a:rPr kumimoji="1" lang="ko-KR" altLang="en-US" sz="2000" b="1" noProof="1">
+                <a:solidFill>
+                  <a:schemeClr val="tx1">
+                    <a:lumMod val="75000"/>
+                    <a:lumOff val="25000"/>
+                  </a:schemeClr>
+                </a:solidFill>
+                <a:latin typeface="210 M고딕 060" panose="02020603020101020101" pitchFamily="18" charset="-127"/>
+                <a:ea typeface="210 M고딕 060" panose="02020603020101020101" pitchFamily="18" charset="-127"/>
+                <a:cs typeface="굴림" pitchFamily="50" charset="-127"/>
+              </a:rPr>
+              <a:t>수정</a:t>
+            </a:r>
+            <a:br>
+              <a:rPr kumimoji="1" lang="en-US" altLang="ko-KR" sz="2000" b="1" noProof="1">
+                <a:solidFill>
+                  <a:schemeClr val="tx1">
+                    <a:lumMod val="75000"/>
+                    <a:lumOff val="25000"/>
+                  </a:schemeClr>
+                </a:solidFill>
+                <a:latin typeface="210 M고딕 060" panose="02020603020101020101" pitchFamily="18" charset="-127"/>
+                <a:ea typeface="210 M고딕 060" panose="02020603020101020101" pitchFamily="18" charset="-127"/>
+                <a:cs typeface="굴림" pitchFamily="50" charset="-127"/>
+              </a:rPr>
+            </a:br>
+            <a:r>
+              <a:rPr kumimoji="1" lang="ko-KR" altLang="en-US" sz="2000" b="1" noProof="1">
+                <a:solidFill>
+                  <a:schemeClr val="tx1">
+                    <a:lumMod val="75000"/>
+                    <a:lumOff val="25000"/>
+                  </a:schemeClr>
+                </a:solidFill>
+                <a:latin typeface="210 M고딕 060" panose="02020603020101020101" pitchFamily="18" charset="-127"/>
+                <a:ea typeface="210 M고딕 060" panose="02020603020101020101" pitchFamily="18" charset="-127"/>
+                <a:cs typeface="굴림" pitchFamily="50" charset="-127"/>
+              </a:rPr>
+              <a:t>보완</a:t>
+            </a:r>
+            <a:endParaRPr lang="en-US" altLang="ko-KR" sz="2800" b="0" noProof="1">
+              <a:solidFill>
+                <a:schemeClr val="tx1">
+                  <a:lumMod val="75000"/>
+                  <a:lumOff val="25000"/>
+                </a:schemeClr>
+              </a:solidFill>
+              <a:latin typeface="210 M고딕 060" panose="02020603020101020101" pitchFamily="18" charset="-127"/>
+              <a:ea typeface="210 M고딕 060" panose="02020603020101020101" pitchFamily="18" charset="-127"/>
+              <a:cs typeface="굴림" pitchFamily="50" charset="-127"/>
             </a:endParaRPr>
           </a:p>
-          <a:p>
-            <a:r>
-              <a:rPr lang="ko-KR" altLang="en-US" sz="1200" dirty="0" err="1">
+        </p:txBody>
+      </p:sp>
+      <p:grpSp>
+        <p:nvGrpSpPr>
+          <p:cNvPr id="6" name="그룹 68"/>
+          <p:cNvGrpSpPr/>
+          <p:nvPr/>
+        </p:nvGrpSpPr>
+        <p:grpSpPr>
+          <a:xfrm>
+            <a:off x="7015032" y="2412389"/>
+            <a:ext cx="1720403" cy="1720403"/>
+            <a:chOff x="387747" y="1368475"/>
+            <a:chExt cx="1872208" cy="1872208"/>
+          </a:xfrm>
+        </p:grpSpPr>
+        <p:sp>
+          <p:nvSpPr>
+            <p:cNvPr id="70" name="눈물 방울 69"/>
+            <p:cNvSpPr/>
+            <p:nvPr/>
+          </p:nvSpPr>
+          <p:spPr>
+            <a:xfrm rot="8100000">
+              <a:off x="387747" y="1368475"/>
+              <a:ext cx="1872208" cy="1872208"/>
+            </a:xfrm>
+            <a:prstGeom prst="teardrop">
+              <a:avLst>
+                <a:gd name="adj" fmla="val 112231"/>
+              </a:avLst>
+            </a:prstGeom>
+            <a:solidFill>
+              <a:schemeClr val="bg1">
+                <a:lumMod val="50000"/>
+              </a:schemeClr>
+            </a:solidFill>
+            <a:ln w="28575">
+              <a:solidFill>
+                <a:schemeClr val="tx1">
+                  <a:lumMod val="65000"/>
+                  <a:lumOff val="35000"/>
+                </a:schemeClr>
+              </a:solidFill>
+            </a:ln>
+          </p:spPr>
+          <p:style>
+            <a:lnRef idx="2">
+              <a:schemeClr val="accent1">
+                <a:shade val="50000"/>
+              </a:schemeClr>
+            </a:lnRef>
+            <a:fillRef idx="1">
+              <a:schemeClr val="accent1"/>
+            </a:fillRef>
+            <a:effectRef idx="0">
+              <a:schemeClr val="accent1"/>
+            </a:effectRef>
+            <a:fontRef idx="minor">
+              <a:schemeClr val="lt1"/>
+            </a:fontRef>
+          </p:style>
+          <p:txBody>
+            <a:bodyPr rtlCol="0" anchor="ctr"/>
+            <a:lstStyle/>
+            <a:p>
+              <a:pPr algn="ctr"/>
+              <a:endParaRPr lang="ko-KR" altLang="en-US"/>
+            </a:p>
+          </p:txBody>
+        </p:sp>
+        <p:sp>
+          <p:nvSpPr>
+            <p:cNvPr id="71" name="타원 70"/>
+            <p:cNvSpPr/>
+            <p:nvPr/>
+          </p:nvSpPr>
+          <p:spPr>
+            <a:xfrm>
+              <a:off x="520502" y="1484784"/>
+              <a:ext cx="1584176" cy="1584176"/>
+            </a:xfrm>
+            <a:prstGeom prst="ellipse">
+              <a:avLst/>
+            </a:prstGeom>
+            <a:solidFill>
+              <a:schemeClr val="bg1"/>
+            </a:solidFill>
+            <a:ln>
+              <a:noFill/>
+            </a:ln>
+            <a:effectLst>
+              <a:innerShdw blurRad="63500" dist="50800" dir="13500000">
+                <a:prstClr val="black">
+                  <a:alpha val="28000"/>
+                </a:prstClr>
+              </a:innerShdw>
+            </a:effectLst>
+          </p:spPr>
+          <p:style>
+            <a:lnRef idx="2">
+              <a:schemeClr val="accent1">
+                <a:shade val="50000"/>
+              </a:schemeClr>
+            </a:lnRef>
+            <a:fillRef idx="1">
+              <a:schemeClr val="accent1"/>
+            </a:fillRef>
+            <a:effectRef idx="0">
+              <a:schemeClr val="accent1"/>
+            </a:effectRef>
+            <a:fontRef idx="minor">
+              <a:schemeClr val="lt1"/>
+            </a:fontRef>
+          </p:style>
+          <p:txBody>
+            <a:bodyPr rtlCol="0" anchor="ctr"/>
+            <a:lstStyle/>
+            <a:p>
+              <a:pPr algn="ctr"/>
+              <a:endParaRPr lang="ko-KR" altLang="en-US"/>
+            </a:p>
+          </p:txBody>
+        </p:sp>
+      </p:grpSp>
+      <p:sp>
+        <p:nvSpPr>
+          <p:cNvPr id="72" name="Rectangle 96"/>
+          <p:cNvSpPr>
+            <a:spLocks noChangeArrowheads="1"/>
+          </p:cNvSpPr>
+          <p:nvPr/>
+        </p:nvSpPr>
+        <p:spPr bwMode="auto">
+          <a:xfrm>
+            <a:off x="6975133" y="2918647"/>
+            <a:ext cx="1800200" cy="707886"/>
+          </a:xfrm>
+          <a:prstGeom prst="rect">
+            <a:avLst/>
+          </a:prstGeom>
+          <a:noFill/>
+          <a:ln w="9525" algn="ctr">
+            <a:noFill/>
+            <a:miter lim="800000"/>
+            <a:headEnd/>
+            <a:tailEnd/>
+          </a:ln>
+        </p:spPr>
+        <p:txBody>
+          <a:bodyPr vert="horz" wrap="square" lIns="91440" tIns="45720" rIns="91440" bIns="45720" numCol="1" anchor="t" anchorCtr="0" compatLnSpc="1">
+            <a:prstTxWarp prst="textNoShape">
+              <a:avLst/>
+            </a:prstTxWarp>
+            <a:spAutoFit/>
+          </a:bodyPr>
+          <a:lstStyle/>
+          <a:p>
+            <a:pPr marL="0" marR="0" lvl="0" indent="0" algn="ctr" defTabSz="914400" rtl="0" eaLnBrk="1" fontAlgn="base" latinLnBrk="1" hangingPunct="1">
+              <a:lnSpc>
+                <a:spcPct val="100000"/>
+              </a:lnSpc>
+              <a:spcBef>
+                <a:spcPct val="0"/>
+              </a:spcBef>
+              <a:spcAft>
+                <a:spcPct val="0"/>
+              </a:spcAft>
+              <a:buClrTx/>
+              <a:buSzTx/>
+              <a:buFontTx/>
+              <a:buNone/>
+              <a:tabLst/>
+            </a:pPr>
+            <a:r>
+              <a:rPr kumimoji="1" lang="ko-KR" altLang="en-US" sz="2000" b="1" i="0" u="none" strike="noStrike" cap="none" normalizeH="0" baseline="0" dirty="0">
+                <a:ln>
+                  <a:noFill/>
+                </a:ln>
+                <a:solidFill>
+                  <a:schemeClr val="tx1">
+                    <a:lumMod val="75000"/>
+                    <a:lumOff val="25000"/>
+                  </a:schemeClr>
+                </a:solidFill>
                 <a:effectLst/>
-                <a:latin typeface="210 M고딕 040" panose="02020603020101020101" pitchFamily="18" charset="-127"/>
-                <a:ea typeface="210 M고딕 040" panose="02020603020101020101" pitchFamily="18" charset="-127"/>
-                <a:cs typeface="Arial" pitchFamily="34" charset="0"/>
-              </a:rPr>
-              <a:t>사이트맵</a:t>
-            </a:r>
-            <a:r>
-              <a:rPr lang="en-US" altLang="ko-KR" sz="1200" dirty="0">
+                <a:latin typeface="210 M고딕 060" panose="02020603020101020101" pitchFamily="18" charset="-127"/>
+                <a:ea typeface="210 M고딕 060" panose="02020603020101020101" pitchFamily="18" charset="-127"/>
+                <a:cs typeface="굴림" pitchFamily="50" charset="-127"/>
+              </a:rPr>
+              <a:t>테스트</a:t>
+            </a:r>
+            <a:br>
+              <a:rPr kumimoji="1" lang="en-US" altLang="ko-KR" sz="2000" b="1" i="0" u="none" strike="noStrike" cap="none" normalizeH="0" baseline="0" dirty="0">
+                <a:ln>
+                  <a:noFill/>
+                </a:ln>
+                <a:solidFill>
+                  <a:schemeClr val="tx1">
+                    <a:lumMod val="75000"/>
+                    <a:lumOff val="25000"/>
+                  </a:schemeClr>
+                </a:solidFill>
                 <a:effectLst/>
-                <a:latin typeface="210 M고딕 040" panose="02020603020101020101" pitchFamily="18" charset="-127"/>
-                <a:ea typeface="210 M고딕 040" panose="02020603020101020101" pitchFamily="18" charset="-127"/>
-                <a:cs typeface="Arial" pitchFamily="34" charset="0"/>
-              </a:rPr>
-              <a:t>/</a:t>
-            </a:r>
-            <a:r>
-              <a:rPr lang="ko-KR" altLang="en-US" sz="1200" dirty="0">
+                <a:latin typeface="210 M고딕 060" panose="02020603020101020101" pitchFamily="18" charset="-127"/>
+                <a:ea typeface="210 M고딕 060" panose="02020603020101020101" pitchFamily="18" charset="-127"/>
+                <a:cs typeface="굴림" pitchFamily="50" charset="-127"/>
+              </a:rPr>
+            </a:br>
+            <a:r>
+              <a:rPr kumimoji="1" lang="ko-KR" altLang="en-US" sz="2000" b="1" i="0" u="none" strike="noStrike" cap="none" normalizeH="0" baseline="0" dirty="0">
+                <a:ln>
+                  <a:noFill/>
+                </a:ln>
+                <a:solidFill>
+                  <a:schemeClr val="tx1">
+                    <a:lumMod val="75000"/>
+                    <a:lumOff val="25000"/>
+                  </a:schemeClr>
+                </a:solidFill>
                 <a:effectLst/>
-                <a:latin typeface="210 M고딕 040" panose="02020603020101020101" pitchFamily="18" charset="-127"/>
-                <a:ea typeface="210 M고딕 040" panose="02020603020101020101" pitchFamily="18" charset="-127"/>
-                <a:cs typeface="Arial" pitchFamily="34" charset="0"/>
-              </a:rPr>
-              <a:t>기능</a:t>
-            </a:r>
-            <a:r>
-              <a:rPr lang="en-US" altLang="ko-KR" sz="1200" dirty="0">
-                <a:effectLst/>
-                <a:latin typeface="210 M고딕 040" panose="02020603020101020101" pitchFamily="18" charset="-127"/>
-                <a:ea typeface="210 M고딕 040" panose="02020603020101020101" pitchFamily="18" charset="-127"/>
-                <a:cs typeface="Arial" pitchFamily="34" charset="0"/>
-              </a:rPr>
-              <a:t>(</a:t>
-            </a:r>
-            <a:r>
-              <a:rPr lang="ko-KR" altLang="en-US" sz="1200" dirty="0">
-                <a:effectLst/>
-                <a:latin typeface="210 M고딕 040" panose="02020603020101020101" pitchFamily="18" charset="-127"/>
-                <a:ea typeface="210 M고딕 040" panose="02020603020101020101" pitchFamily="18" charset="-127"/>
-                <a:cs typeface="Arial" pitchFamily="34" charset="0"/>
-              </a:rPr>
-              <a:t>요구사항</a:t>
-            </a:r>
-            <a:r>
-              <a:rPr lang="en-US" altLang="ko-KR" sz="1200" dirty="0">
-                <a:latin typeface="210 M고딕 040" panose="02020603020101020101" pitchFamily="18" charset="-127"/>
-                <a:ea typeface="210 M고딕 040" panose="02020603020101020101" pitchFamily="18" charset="-127"/>
-                <a:cs typeface="Arial" pitchFamily="34" charset="0"/>
-              </a:rPr>
-              <a:t>) </a:t>
-            </a:r>
-            <a:r>
-              <a:rPr lang="ko-KR" altLang="en-US" sz="1200" dirty="0">
-                <a:latin typeface="210 M고딕 040" panose="02020603020101020101" pitchFamily="18" charset="-127"/>
-                <a:ea typeface="210 M고딕 040" panose="02020603020101020101" pitchFamily="18" charset="-127"/>
-                <a:cs typeface="Arial" pitchFamily="34" charset="0"/>
-              </a:rPr>
-              <a:t>정리</a:t>
-            </a:r>
-            <a:endParaRPr lang="en-US" altLang="ko-KR" sz="1200" dirty="0">
-              <a:latin typeface="210 M고딕 040" panose="02020603020101020101" pitchFamily="18" charset="-127"/>
-              <a:ea typeface="210 M고딕 040" panose="02020603020101020101" pitchFamily="18" charset="-127"/>
-              <a:cs typeface="Arial" pitchFamily="34" charset="0"/>
+                <a:latin typeface="210 M고딕 060" panose="02020603020101020101" pitchFamily="18" charset="-127"/>
+                <a:ea typeface="210 M고딕 060" panose="02020603020101020101" pitchFamily="18" charset="-127"/>
+                <a:cs typeface="굴림" pitchFamily="50" charset="-127"/>
+              </a:rPr>
+              <a:t>운영</a:t>
+            </a:r>
+            <a:endParaRPr lang="en-US" altLang="ko-KR" sz="2800" b="0" noProof="1">
+              <a:solidFill>
+                <a:schemeClr val="tx1">
+                  <a:lumMod val="75000"/>
+                  <a:lumOff val="25000"/>
+                </a:schemeClr>
+              </a:solidFill>
+              <a:latin typeface="210 M고딕 060" panose="02020603020101020101" pitchFamily="18" charset="-127"/>
+              <a:ea typeface="210 M고딕 060" panose="02020603020101020101" pitchFamily="18" charset="-127"/>
+              <a:cs typeface="굴림" pitchFamily="50" charset="-127"/>
             </a:endParaRPr>
           </a:p>
-          <a:p>
-            <a:r>
-              <a:rPr lang="ko-KR" altLang="en-US" sz="1200" dirty="0">
-                <a:effectLst/>
-                <a:latin typeface="210 M고딕 040" panose="02020603020101020101" pitchFamily="18" charset="-127"/>
-                <a:ea typeface="210 M고딕 040" panose="02020603020101020101" pitchFamily="18" charset="-127"/>
-                <a:cs typeface="Arial" pitchFamily="34" charset="0"/>
-              </a:rPr>
-              <a:t>비용 산정</a:t>
-            </a:r>
-            <a:endParaRPr lang="en-US" altLang="ko-KR" sz="1200" dirty="0">
-              <a:effectLst/>
-              <a:latin typeface="210 M고딕 040" panose="02020603020101020101" pitchFamily="18" charset="-127"/>
-              <a:ea typeface="210 M고딕 040" panose="02020603020101020101" pitchFamily="18" charset="-127"/>
-              <a:cs typeface="Arial" pitchFamily="34" charset="0"/>
+        </p:txBody>
+      </p:sp>
+      <p:sp>
+        <p:nvSpPr>
+          <p:cNvPr id="7" name="화살표: 아래로 구부러짐 6">
+            <a:extLst>
+              <a:ext uri="{FF2B5EF4-FFF2-40B4-BE49-F238E27FC236}">
+                <a16:creationId xmlns:a16="http://schemas.microsoft.com/office/drawing/2014/main" id="{27EFDF93-5573-42B4-8DA3-D6D9238B0470}"/>
+              </a:ext>
+            </a:extLst>
+          </p:cNvPr>
+          <p:cNvSpPr/>
+          <p:nvPr/>
+        </p:nvSpPr>
+        <p:spPr>
+          <a:xfrm>
+            <a:off x="3761611" y="1534105"/>
+            <a:ext cx="1725601" cy="707886"/>
+          </a:xfrm>
+          <a:prstGeom prst="curvedDownArrow">
+            <a:avLst/>
+          </a:prstGeom>
+          <a:solidFill>
+            <a:schemeClr val="tx2">
+              <a:lumMod val="20000"/>
+              <a:lumOff val="80000"/>
+            </a:schemeClr>
+          </a:solidFill>
+        </p:spPr>
+        <p:style>
+          <a:lnRef idx="2">
+            <a:schemeClr val="accent1">
+              <a:shade val="50000"/>
+            </a:schemeClr>
+          </a:lnRef>
+          <a:fillRef idx="1">
+            <a:schemeClr val="accent1"/>
+          </a:fillRef>
+          <a:effectRef idx="0">
+            <a:schemeClr val="accent1"/>
+          </a:effectRef>
+          <a:fontRef idx="minor">
+            <a:schemeClr val="lt1"/>
+          </a:fontRef>
+        </p:style>
+        <p:txBody>
+          <a:bodyPr rtlCol="0" anchor="ctr"/>
+          <a:lstStyle/>
+          <a:p>
+            <a:pPr algn="ctr"/>
+            <a:endParaRPr lang="ko-KR" altLang="en-US">
+              <a:solidFill>
+                <a:schemeClr val="tx1"/>
+              </a:solidFill>
             </a:endParaRPr>
           </a:p>
-          <a:p>
-            <a:r>
-              <a:rPr lang="ko-KR" altLang="en-US" sz="1200" dirty="0">
-                <a:effectLst/>
-                <a:latin typeface="210 M고딕 040" panose="02020603020101020101" pitchFamily="18" charset="-127"/>
-                <a:ea typeface="210 M고딕 040" panose="02020603020101020101" pitchFamily="18" charset="-127"/>
-                <a:cs typeface="Arial" pitchFamily="34" charset="0"/>
-              </a:rPr>
-              <a:t>리스크 도출</a:t>
-            </a:r>
-            <a:endParaRPr lang="en-US" altLang="ko-KR" sz="1200" dirty="0">
-              <a:effectLst/>
-              <a:latin typeface="210 M고딕 040" panose="02020603020101020101" pitchFamily="18" charset="-127"/>
-              <a:ea typeface="210 M고딕 040" panose="02020603020101020101" pitchFamily="18" charset="-127"/>
-              <a:cs typeface="Arial" pitchFamily="34" charset="0"/>
-            </a:endParaRPr>
-          </a:p>
-          <a:p>
-            <a:r>
-              <a:rPr lang="ko-KR" altLang="en-US" sz="1200" dirty="0">
-                <a:latin typeface="210 M고딕 040" panose="02020603020101020101" pitchFamily="18" charset="-127"/>
-                <a:ea typeface="210 M고딕 040" panose="02020603020101020101" pitchFamily="18" charset="-127"/>
-                <a:cs typeface="Arial" pitchFamily="34" charset="0"/>
-              </a:rPr>
-              <a:t>화면 구성 설계서</a:t>
-            </a:r>
-            <a:endParaRPr lang="en-US" altLang="ko-KR" sz="1200" dirty="0">
-              <a:latin typeface="210 M고딕 040" panose="02020603020101020101" pitchFamily="18" charset="-127"/>
-              <a:ea typeface="210 M고딕 040" panose="02020603020101020101" pitchFamily="18" charset="-127"/>
-              <a:cs typeface="Arial" pitchFamily="34" charset="0"/>
-            </a:endParaRPr>
-          </a:p>
-          <a:p>
-            <a:r>
-              <a:rPr lang="ko-KR" altLang="en-US" sz="1200" dirty="0">
-                <a:effectLst/>
-                <a:latin typeface="210 M고딕 040" panose="02020603020101020101" pitchFamily="18" charset="-127"/>
-                <a:ea typeface="210 M고딕 040" panose="02020603020101020101" pitchFamily="18" charset="-127"/>
-                <a:cs typeface="Arial" pitchFamily="34" charset="0"/>
-              </a:rPr>
-              <a:t>프로세스별 플로우 차트</a:t>
-            </a:r>
-            <a:endParaRPr lang="en-US" altLang="ko-KR" sz="1200" dirty="0">
-              <a:effectLst/>
-              <a:latin typeface="210 M고딕 040" panose="02020603020101020101" pitchFamily="18" charset="-127"/>
-              <a:ea typeface="210 M고딕 040" panose="02020603020101020101" pitchFamily="18" charset="-127"/>
-              <a:cs typeface="Arial" pitchFamily="34" charset="0"/>
-            </a:endParaRPr>
-          </a:p>
-          <a:p>
-            <a:r>
-              <a:rPr lang="ko-KR" altLang="en-US" sz="1200" dirty="0">
-                <a:latin typeface="210 M고딕 040" panose="02020603020101020101" pitchFamily="18" charset="-127"/>
-                <a:ea typeface="210 M고딕 040" panose="02020603020101020101" pitchFamily="18" charset="-127"/>
-                <a:cs typeface="Arial" pitchFamily="34" charset="0"/>
-              </a:rPr>
-              <a:t>데이터베이스 설계서</a:t>
-            </a:r>
-            <a:endParaRPr lang="ko-KR" altLang="en-US" sz="1200" dirty="0">
-              <a:effectLst/>
-              <a:latin typeface="210 M고딕 040" panose="02020603020101020101" pitchFamily="18" charset="-127"/>
-              <a:ea typeface="210 M고딕 040" panose="02020603020101020101" pitchFamily="18" charset="-127"/>
-              <a:cs typeface="Arial" pitchFamily="34" charset="0"/>
+        </p:txBody>
+      </p:sp>
+      <p:sp>
+        <p:nvSpPr>
+          <p:cNvPr id="9" name="화살표: 위로 구부러짐 8">
+            <a:extLst>
+              <a:ext uri="{FF2B5EF4-FFF2-40B4-BE49-F238E27FC236}">
+                <a16:creationId xmlns:a16="http://schemas.microsoft.com/office/drawing/2014/main" id="{CE11B847-5B6B-43DF-B61D-7D942604E0F5}"/>
+              </a:ext>
+            </a:extLst>
+          </p:cNvPr>
+          <p:cNvSpPr/>
+          <p:nvPr/>
+        </p:nvSpPr>
+        <p:spPr>
+          <a:xfrm flipH="1">
+            <a:off x="3743908" y="5254025"/>
+            <a:ext cx="1656184" cy="669622"/>
+          </a:xfrm>
+          <a:prstGeom prst="curvedUpArrow">
+            <a:avLst/>
+          </a:prstGeom>
+          <a:solidFill>
+            <a:schemeClr val="tx2">
+              <a:lumMod val="20000"/>
+              <a:lumOff val="80000"/>
+            </a:schemeClr>
+          </a:solidFill>
+        </p:spPr>
+        <p:style>
+          <a:lnRef idx="2">
+            <a:schemeClr val="accent1">
+              <a:shade val="50000"/>
+            </a:schemeClr>
+          </a:lnRef>
+          <a:fillRef idx="1">
+            <a:schemeClr val="accent1"/>
+          </a:fillRef>
+          <a:effectRef idx="0">
+            <a:schemeClr val="accent1"/>
+          </a:effectRef>
+          <a:fontRef idx="minor">
+            <a:schemeClr val="lt1"/>
+          </a:fontRef>
+        </p:style>
+        <p:txBody>
+          <a:bodyPr rtlCol="0" anchor="ctr"/>
+          <a:lstStyle/>
+          <a:p>
+            <a:pPr algn="ctr"/>
+            <a:endParaRPr lang="ko-KR" altLang="en-US">
+              <a:solidFill>
+                <a:schemeClr val="tx1"/>
+              </a:solidFill>
             </a:endParaRPr>
           </a:p>
         </p:txBody>
       </p:sp>
     </p:spTree>
-    <p:extLst>
-      <p:ext uri="{BB962C8B-B14F-4D97-AF65-F5344CB8AC3E}">
-        <p14:creationId xmlns:p14="http://schemas.microsoft.com/office/powerpoint/2010/main" val="1859772932"/>
-      </p:ext>
-    </p:extLst>
   </p:cSld>
   <p:clrMapOvr>
     <a:masterClrMapping/>
   </p:clrMapOvr>
+  <p:transition/>
 </p:sld>
 </file>
 
